--- a/School/seminar/User modeling full.pptx
+++ b/School/seminar/User modeling full.pptx
@@ -5,7 +5,7 @@
     <p:sldMasterId id="2147483660" r:id="rId1"/>
   </p:sldMasterIdLst>
   <p:handoutMasterIdLst>
-    <p:handoutMasterId r:id="rId12"/>
+    <p:handoutMasterId r:id="rId19"/>
   </p:handoutMasterIdLst>
   <p:sldIdLst>
     <p:sldId id="256" r:id="rId2"/>
@@ -16,8 +16,15 @@
     <p:sldId id="260" r:id="rId7"/>
     <p:sldId id="263" r:id="rId8"/>
     <p:sldId id="265" r:id="rId9"/>
-    <p:sldId id="259" r:id="rId10"/>
-    <p:sldId id="258" r:id="rId11"/>
+    <p:sldId id="266" r:id="rId10"/>
+    <p:sldId id="268" r:id="rId11"/>
+    <p:sldId id="267" r:id="rId12"/>
+    <p:sldId id="269" r:id="rId13"/>
+    <p:sldId id="270" r:id="rId14"/>
+    <p:sldId id="271" r:id="rId15"/>
+    <p:sldId id="272" r:id="rId16"/>
+    <p:sldId id="259" r:id="rId17"/>
+    <p:sldId id="258" r:id="rId18"/>
   </p:sldIdLst>
   <p:sldSz cx="9144000" cy="6858000" type="screen4x3"/>
   <p:notesSz cx="6669088" cy="9928225"/>
@@ -117,6 +124,3215 @@
     </a:lvl9pPr>
   </p:defaultTextStyle>
 </p:presentation>
+</file>
+
+<file path=ppt/diagrams/colors1.xml><?xml version="1.0" encoding="utf-8"?>
+<dgm:colorsDef xmlns:dgm="http://schemas.openxmlformats.org/drawingml/2006/diagram" xmlns:a="http://schemas.openxmlformats.org/drawingml/2006/main" uniqueId="urn:microsoft.com/office/officeart/2005/8/colors/accent1_2">
+  <dgm:title val=""/>
+  <dgm:desc val=""/>
+  <dgm:catLst>
+    <dgm:cat type="accent1" pri="11200"/>
+  </dgm:catLst>
+  <dgm:styleLbl name="node0">
+    <dgm:fillClrLst meth="repeat">
+      <a:schemeClr val="accent1"/>
+    </dgm:fillClrLst>
+    <dgm:linClrLst meth="repeat">
+      <a:schemeClr val="lt1"/>
+    </dgm:linClrLst>
+    <dgm:effectClrLst/>
+    <dgm:txLinClrLst/>
+    <dgm:txFillClrLst/>
+    <dgm:txEffectClrLst/>
+  </dgm:styleLbl>
+  <dgm:styleLbl name="alignNode1">
+    <dgm:fillClrLst meth="repeat">
+      <a:schemeClr val="accent1"/>
+    </dgm:fillClrLst>
+    <dgm:linClrLst meth="repeat">
+      <a:schemeClr val="accent1"/>
+    </dgm:linClrLst>
+    <dgm:effectClrLst/>
+    <dgm:txLinClrLst/>
+    <dgm:txFillClrLst/>
+    <dgm:txEffectClrLst/>
+  </dgm:styleLbl>
+  <dgm:styleLbl name="node1">
+    <dgm:fillClrLst meth="repeat">
+      <a:schemeClr val="accent1"/>
+    </dgm:fillClrLst>
+    <dgm:linClrLst meth="repeat">
+      <a:schemeClr val="lt1"/>
+    </dgm:linClrLst>
+    <dgm:effectClrLst/>
+    <dgm:txLinClrLst/>
+    <dgm:txFillClrLst/>
+    <dgm:txEffectClrLst/>
+  </dgm:styleLbl>
+  <dgm:styleLbl name="lnNode1">
+    <dgm:fillClrLst meth="repeat">
+      <a:schemeClr val="accent1"/>
+    </dgm:fillClrLst>
+    <dgm:linClrLst meth="repeat">
+      <a:schemeClr val="lt1"/>
+    </dgm:linClrLst>
+    <dgm:effectClrLst/>
+    <dgm:txLinClrLst/>
+    <dgm:txFillClrLst/>
+    <dgm:txEffectClrLst/>
+  </dgm:styleLbl>
+  <dgm:styleLbl name="vennNode1">
+    <dgm:fillClrLst meth="repeat">
+      <a:schemeClr val="accent1">
+        <a:alpha val="50000"/>
+      </a:schemeClr>
+    </dgm:fillClrLst>
+    <dgm:linClrLst meth="repeat">
+      <a:schemeClr val="lt1"/>
+    </dgm:linClrLst>
+    <dgm:effectClrLst/>
+    <dgm:txLinClrLst/>
+    <dgm:txFillClrLst/>
+    <dgm:txEffectClrLst/>
+  </dgm:styleLbl>
+  <dgm:styleLbl name="node2">
+    <dgm:fillClrLst meth="repeat">
+      <a:schemeClr val="accent1"/>
+    </dgm:fillClrLst>
+    <dgm:linClrLst meth="repeat">
+      <a:schemeClr val="lt1"/>
+    </dgm:linClrLst>
+    <dgm:effectClrLst/>
+    <dgm:txLinClrLst/>
+    <dgm:txFillClrLst/>
+    <dgm:txEffectClrLst/>
+  </dgm:styleLbl>
+  <dgm:styleLbl name="node3">
+    <dgm:fillClrLst meth="repeat">
+      <a:schemeClr val="accent1"/>
+    </dgm:fillClrLst>
+    <dgm:linClrLst meth="repeat">
+      <a:schemeClr val="lt1"/>
+    </dgm:linClrLst>
+    <dgm:effectClrLst/>
+    <dgm:txLinClrLst/>
+    <dgm:txFillClrLst/>
+    <dgm:txEffectClrLst/>
+  </dgm:styleLbl>
+  <dgm:styleLbl name="node4">
+    <dgm:fillClrLst meth="repeat">
+      <a:schemeClr val="accent1"/>
+    </dgm:fillClrLst>
+    <dgm:linClrLst meth="repeat">
+      <a:schemeClr val="lt1"/>
+    </dgm:linClrLst>
+    <dgm:effectClrLst/>
+    <dgm:txLinClrLst/>
+    <dgm:txFillClrLst/>
+    <dgm:txEffectClrLst/>
+  </dgm:styleLbl>
+  <dgm:styleLbl name="fgImgPlace1">
+    <dgm:fillClrLst meth="repeat">
+      <a:schemeClr val="accent1">
+        <a:tint val="50000"/>
+      </a:schemeClr>
+    </dgm:fillClrLst>
+    <dgm:linClrLst meth="repeat">
+      <a:schemeClr val="lt1"/>
+    </dgm:linClrLst>
+    <dgm:effectClrLst/>
+    <dgm:txLinClrLst/>
+    <dgm:txFillClrLst meth="repeat">
+      <a:schemeClr val="lt1"/>
+    </dgm:txFillClrLst>
+    <dgm:txEffectClrLst/>
+  </dgm:styleLbl>
+  <dgm:styleLbl name="alignImgPlace1">
+    <dgm:fillClrLst meth="repeat">
+      <a:schemeClr val="accent1">
+        <a:tint val="50000"/>
+      </a:schemeClr>
+    </dgm:fillClrLst>
+    <dgm:linClrLst meth="repeat">
+      <a:schemeClr val="lt1"/>
+    </dgm:linClrLst>
+    <dgm:effectClrLst/>
+    <dgm:txLinClrLst/>
+    <dgm:txFillClrLst meth="repeat">
+      <a:schemeClr val="lt1"/>
+    </dgm:txFillClrLst>
+    <dgm:txEffectClrLst/>
+  </dgm:styleLbl>
+  <dgm:styleLbl name="bgImgPlace1">
+    <dgm:fillClrLst meth="repeat">
+      <a:schemeClr val="accent1">
+        <a:tint val="50000"/>
+      </a:schemeClr>
+    </dgm:fillClrLst>
+    <dgm:linClrLst meth="repeat">
+      <a:schemeClr val="lt1"/>
+    </dgm:linClrLst>
+    <dgm:effectClrLst/>
+    <dgm:txLinClrLst/>
+    <dgm:txFillClrLst meth="repeat">
+      <a:schemeClr val="lt1"/>
+    </dgm:txFillClrLst>
+    <dgm:txEffectClrLst/>
+  </dgm:styleLbl>
+  <dgm:styleLbl name="sibTrans2D1">
+    <dgm:fillClrLst meth="repeat">
+      <a:schemeClr val="accent1">
+        <a:tint val="60000"/>
+      </a:schemeClr>
+    </dgm:fillClrLst>
+    <dgm:linClrLst meth="repeat">
+      <a:schemeClr val="accent1">
+        <a:tint val="60000"/>
+      </a:schemeClr>
+    </dgm:linClrLst>
+    <dgm:effectClrLst/>
+    <dgm:txLinClrLst/>
+    <dgm:txFillClrLst/>
+    <dgm:txEffectClrLst/>
+  </dgm:styleLbl>
+  <dgm:styleLbl name="fgSibTrans2D1">
+    <dgm:fillClrLst meth="repeat">
+      <a:schemeClr val="accent1">
+        <a:tint val="60000"/>
+      </a:schemeClr>
+    </dgm:fillClrLst>
+    <dgm:linClrLst meth="repeat">
+      <a:schemeClr val="accent1">
+        <a:tint val="60000"/>
+      </a:schemeClr>
+    </dgm:linClrLst>
+    <dgm:effectClrLst/>
+    <dgm:txLinClrLst/>
+    <dgm:txFillClrLst/>
+    <dgm:txEffectClrLst/>
+  </dgm:styleLbl>
+  <dgm:styleLbl name="bgSibTrans2D1">
+    <dgm:fillClrLst meth="repeat">
+      <a:schemeClr val="accent1">
+        <a:tint val="60000"/>
+      </a:schemeClr>
+    </dgm:fillClrLst>
+    <dgm:linClrLst meth="repeat">
+      <a:schemeClr val="accent1">
+        <a:tint val="60000"/>
+      </a:schemeClr>
+    </dgm:linClrLst>
+    <dgm:effectClrLst/>
+    <dgm:txLinClrLst/>
+    <dgm:txFillClrLst/>
+    <dgm:txEffectClrLst/>
+  </dgm:styleLbl>
+  <dgm:styleLbl name="sibTrans1D1">
+    <dgm:fillClrLst meth="repeat">
+      <a:schemeClr val="accent1"/>
+    </dgm:fillClrLst>
+    <dgm:linClrLst meth="repeat">
+      <a:schemeClr val="accent1"/>
+    </dgm:linClrLst>
+    <dgm:effectClrLst/>
+    <dgm:txLinClrLst/>
+    <dgm:txFillClrLst meth="repeat">
+      <a:schemeClr val="tx1"/>
+    </dgm:txFillClrLst>
+    <dgm:txEffectClrLst/>
+  </dgm:styleLbl>
+  <dgm:styleLbl name="callout">
+    <dgm:fillClrLst meth="repeat">
+      <a:schemeClr val="accent1"/>
+    </dgm:fillClrLst>
+    <dgm:linClrLst meth="repeat">
+      <a:schemeClr val="accent1">
+        <a:tint val="50000"/>
+      </a:schemeClr>
+    </dgm:linClrLst>
+    <dgm:effectClrLst/>
+    <dgm:txLinClrLst/>
+    <dgm:txFillClrLst meth="repeat">
+      <a:schemeClr val="tx1"/>
+    </dgm:txFillClrLst>
+    <dgm:txEffectClrLst/>
+  </dgm:styleLbl>
+  <dgm:styleLbl name="asst0">
+    <dgm:fillClrLst meth="repeat">
+      <a:schemeClr val="accent1"/>
+    </dgm:fillClrLst>
+    <dgm:linClrLst meth="repeat">
+      <a:schemeClr val="lt1"/>
+    </dgm:linClrLst>
+    <dgm:effectClrLst/>
+    <dgm:txLinClrLst/>
+    <dgm:txFillClrLst/>
+    <dgm:txEffectClrLst/>
+  </dgm:styleLbl>
+  <dgm:styleLbl name="asst1">
+    <dgm:fillClrLst meth="repeat">
+      <a:schemeClr val="accent1"/>
+    </dgm:fillClrLst>
+    <dgm:linClrLst meth="repeat">
+      <a:schemeClr val="lt1"/>
+    </dgm:linClrLst>
+    <dgm:effectClrLst/>
+    <dgm:txLinClrLst/>
+    <dgm:txFillClrLst/>
+    <dgm:txEffectClrLst/>
+  </dgm:styleLbl>
+  <dgm:styleLbl name="asst2">
+    <dgm:fillClrLst meth="repeat">
+      <a:schemeClr val="accent1"/>
+    </dgm:fillClrLst>
+    <dgm:linClrLst meth="repeat">
+      <a:schemeClr val="lt1"/>
+    </dgm:linClrLst>
+    <dgm:effectClrLst/>
+    <dgm:txLinClrLst/>
+    <dgm:txFillClrLst/>
+    <dgm:txEffectClrLst/>
+  </dgm:styleLbl>
+  <dgm:styleLbl name="asst3">
+    <dgm:fillClrLst meth="repeat">
+      <a:schemeClr val="accent1"/>
+    </dgm:fillClrLst>
+    <dgm:linClrLst meth="repeat">
+      <a:schemeClr val="lt1"/>
+    </dgm:linClrLst>
+    <dgm:effectClrLst/>
+    <dgm:txLinClrLst/>
+    <dgm:txFillClrLst/>
+    <dgm:txEffectClrLst/>
+  </dgm:styleLbl>
+  <dgm:styleLbl name="asst4">
+    <dgm:fillClrLst meth="repeat">
+      <a:schemeClr val="accent1"/>
+    </dgm:fillClrLst>
+    <dgm:linClrLst meth="repeat">
+      <a:schemeClr val="lt1"/>
+    </dgm:linClrLst>
+    <dgm:effectClrLst/>
+    <dgm:txLinClrLst/>
+    <dgm:txFillClrLst/>
+    <dgm:txEffectClrLst/>
+  </dgm:styleLbl>
+  <dgm:styleLbl name="parChTrans2D1">
+    <dgm:fillClrLst meth="repeat">
+      <a:schemeClr val="accent1">
+        <a:tint val="60000"/>
+      </a:schemeClr>
+    </dgm:fillClrLst>
+    <dgm:linClrLst meth="repeat">
+      <a:schemeClr val="accent1">
+        <a:tint val="60000"/>
+      </a:schemeClr>
+    </dgm:linClrLst>
+    <dgm:effectClrLst/>
+    <dgm:txLinClrLst/>
+    <dgm:txFillClrLst meth="repeat">
+      <a:schemeClr val="lt1"/>
+    </dgm:txFillClrLst>
+    <dgm:txEffectClrLst/>
+  </dgm:styleLbl>
+  <dgm:styleLbl name="parChTrans2D2">
+    <dgm:fillClrLst meth="repeat">
+      <a:schemeClr val="accent1"/>
+    </dgm:fillClrLst>
+    <dgm:linClrLst meth="repeat">
+      <a:schemeClr val="accent1"/>
+    </dgm:linClrLst>
+    <dgm:effectClrLst/>
+    <dgm:txLinClrLst/>
+    <dgm:txFillClrLst meth="repeat">
+      <a:schemeClr val="lt1"/>
+    </dgm:txFillClrLst>
+    <dgm:txEffectClrLst/>
+  </dgm:styleLbl>
+  <dgm:styleLbl name="parChTrans2D3">
+    <dgm:fillClrLst meth="repeat">
+      <a:schemeClr val="accent1"/>
+    </dgm:fillClrLst>
+    <dgm:linClrLst meth="repeat">
+      <a:schemeClr val="accent1"/>
+    </dgm:linClrLst>
+    <dgm:effectClrLst/>
+    <dgm:txLinClrLst/>
+    <dgm:txFillClrLst meth="repeat">
+      <a:schemeClr val="lt1"/>
+    </dgm:txFillClrLst>
+    <dgm:txEffectClrLst/>
+  </dgm:styleLbl>
+  <dgm:styleLbl name="parChTrans2D4">
+    <dgm:fillClrLst meth="repeat">
+      <a:schemeClr val="accent1"/>
+    </dgm:fillClrLst>
+    <dgm:linClrLst meth="repeat">
+      <a:schemeClr val="accent1"/>
+    </dgm:linClrLst>
+    <dgm:effectClrLst/>
+    <dgm:txLinClrLst/>
+    <dgm:txFillClrLst meth="repeat">
+      <a:schemeClr val="lt1"/>
+    </dgm:txFillClrLst>
+    <dgm:txEffectClrLst/>
+  </dgm:styleLbl>
+  <dgm:styleLbl name="parChTrans1D1">
+    <dgm:fillClrLst meth="repeat">
+      <a:schemeClr val="accent1"/>
+    </dgm:fillClrLst>
+    <dgm:linClrLst meth="repeat">
+      <a:schemeClr val="accent1">
+        <a:shade val="60000"/>
+      </a:schemeClr>
+    </dgm:linClrLst>
+    <dgm:effectClrLst/>
+    <dgm:txLinClrLst/>
+    <dgm:txFillClrLst meth="repeat">
+      <a:schemeClr val="tx1"/>
+    </dgm:txFillClrLst>
+    <dgm:txEffectClrLst/>
+  </dgm:styleLbl>
+  <dgm:styleLbl name="parChTrans1D2">
+    <dgm:fillClrLst meth="repeat">
+      <a:schemeClr val="accent1"/>
+    </dgm:fillClrLst>
+    <dgm:linClrLst meth="repeat">
+      <a:schemeClr val="accent1">
+        <a:shade val="60000"/>
+      </a:schemeClr>
+    </dgm:linClrLst>
+    <dgm:effectClrLst/>
+    <dgm:txLinClrLst/>
+    <dgm:txFillClrLst meth="repeat">
+      <a:schemeClr val="tx1"/>
+    </dgm:txFillClrLst>
+    <dgm:txEffectClrLst/>
+  </dgm:styleLbl>
+  <dgm:styleLbl name="parChTrans1D3">
+    <dgm:fillClrLst meth="repeat">
+      <a:schemeClr val="accent1"/>
+    </dgm:fillClrLst>
+    <dgm:linClrLst meth="repeat">
+      <a:schemeClr val="accent1">
+        <a:shade val="80000"/>
+      </a:schemeClr>
+    </dgm:linClrLst>
+    <dgm:effectClrLst/>
+    <dgm:txLinClrLst/>
+    <dgm:txFillClrLst meth="repeat">
+      <a:schemeClr val="tx1"/>
+    </dgm:txFillClrLst>
+    <dgm:txEffectClrLst/>
+  </dgm:styleLbl>
+  <dgm:styleLbl name="parChTrans1D4">
+    <dgm:fillClrLst meth="repeat">
+      <a:schemeClr val="accent1"/>
+    </dgm:fillClrLst>
+    <dgm:linClrLst meth="repeat">
+      <a:schemeClr val="accent1">
+        <a:shade val="80000"/>
+      </a:schemeClr>
+    </dgm:linClrLst>
+    <dgm:effectClrLst/>
+    <dgm:txLinClrLst/>
+    <dgm:txFillClrLst meth="repeat">
+      <a:schemeClr val="tx1"/>
+    </dgm:txFillClrLst>
+    <dgm:txEffectClrLst/>
+  </dgm:styleLbl>
+  <dgm:styleLbl name="fgAcc1">
+    <dgm:fillClrLst meth="repeat">
+      <a:schemeClr val="lt1">
+        <a:alpha val="90000"/>
+      </a:schemeClr>
+    </dgm:fillClrLst>
+    <dgm:linClrLst meth="repeat">
+      <a:schemeClr val="accent1"/>
+    </dgm:linClrLst>
+    <dgm:effectClrLst/>
+    <dgm:txLinClrLst/>
+    <dgm:txFillClrLst meth="repeat">
+      <a:schemeClr val="dk1"/>
+    </dgm:txFillClrLst>
+    <dgm:txEffectClrLst/>
+  </dgm:styleLbl>
+  <dgm:styleLbl name="conFgAcc1">
+    <dgm:fillClrLst meth="repeat">
+      <a:schemeClr val="lt1">
+        <a:alpha val="90000"/>
+      </a:schemeClr>
+    </dgm:fillClrLst>
+    <dgm:linClrLst meth="repeat">
+      <a:schemeClr val="accent1"/>
+    </dgm:linClrLst>
+    <dgm:effectClrLst/>
+    <dgm:txLinClrLst/>
+    <dgm:txFillClrLst meth="repeat">
+      <a:schemeClr val="dk1"/>
+    </dgm:txFillClrLst>
+    <dgm:txEffectClrLst/>
+  </dgm:styleLbl>
+  <dgm:styleLbl name="alignAcc1">
+    <dgm:fillClrLst meth="repeat">
+      <a:schemeClr val="lt1">
+        <a:alpha val="90000"/>
+      </a:schemeClr>
+    </dgm:fillClrLst>
+    <dgm:linClrLst meth="repeat">
+      <a:schemeClr val="accent1"/>
+    </dgm:linClrLst>
+    <dgm:effectClrLst/>
+    <dgm:txLinClrLst/>
+    <dgm:txFillClrLst meth="repeat">
+      <a:schemeClr val="dk1"/>
+    </dgm:txFillClrLst>
+    <dgm:txEffectClrLst/>
+  </dgm:styleLbl>
+  <dgm:styleLbl name="trAlignAcc1">
+    <dgm:fillClrLst meth="repeat">
+      <a:schemeClr val="lt1">
+        <a:alpha val="40000"/>
+      </a:schemeClr>
+    </dgm:fillClrLst>
+    <dgm:linClrLst meth="repeat">
+      <a:schemeClr val="accent1"/>
+    </dgm:linClrLst>
+    <dgm:effectClrLst/>
+    <dgm:txLinClrLst/>
+    <dgm:txFillClrLst meth="repeat">
+      <a:schemeClr val="dk1"/>
+    </dgm:txFillClrLst>
+    <dgm:txEffectClrLst/>
+  </dgm:styleLbl>
+  <dgm:styleLbl name="bgAcc1">
+    <dgm:fillClrLst meth="repeat">
+      <a:schemeClr val="lt1">
+        <a:alpha val="90000"/>
+      </a:schemeClr>
+    </dgm:fillClrLst>
+    <dgm:linClrLst meth="repeat">
+      <a:schemeClr val="accent1"/>
+    </dgm:linClrLst>
+    <dgm:effectClrLst/>
+    <dgm:txLinClrLst/>
+    <dgm:txFillClrLst meth="repeat">
+      <a:schemeClr val="dk1"/>
+    </dgm:txFillClrLst>
+    <dgm:txEffectClrLst/>
+  </dgm:styleLbl>
+  <dgm:styleLbl name="solidFgAcc1">
+    <dgm:fillClrLst meth="repeat">
+      <a:schemeClr val="lt1"/>
+    </dgm:fillClrLst>
+    <dgm:linClrLst meth="repeat">
+      <a:schemeClr val="accent1"/>
+    </dgm:linClrLst>
+    <dgm:effectClrLst/>
+    <dgm:txLinClrLst/>
+    <dgm:txFillClrLst meth="repeat">
+      <a:schemeClr val="dk1"/>
+    </dgm:txFillClrLst>
+    <dgm:txEffectClrLst/>
+  </dgm:styleLbl>
+  <dgm:styleLbl name="solidAlignAcc1">
+    <dgm:fillClrLst meth="repeat">
+      <a:schemeClr val="lt1"/>
+    </dgm:fillClrLst>
+    <dgm:linClrLst meth="repeat">
+      <a:schemeClr val="accent1"/>
+    </dgm:linClrLst>
+    <dgm:effectClrLst/>
+    <dgm:txLinClrLst/>
+    <dgm:txFillClrLst meth="repeat">
+      <a:schemeClr val="dk1"/>
+    </dgm:txFillClrLst>
+    <dgm:txEffectClrLst/>
+  </dgm:styleLbl>
+  <dgm:styleLbl name="solidBgAcc1">
+    <dgm:fillClrLst meth="repeat">
+      <a:schemeClr val="lt1"/>
+    </dgm:fillClrLst>
+    <dgm:linClrLst meth="repeat">
+      <a:schemeClr val="accent1"/>
+    </dgm:linClrLst>
+    <dgm:effectClrLst/>
+    <dgm:txLinClrLst/>
+    <dgm:txFillClrLst meth="repeat">
+      <a:schemeClr val="dk1"/>
+    </dgm:txFillClrLst>
+    <dgm:txEffectClrLst/>
+  </dgm:styleLbl>
+  <dgm:styleLbl name="fgAccFollowNode1">
+    <dgm:fillClrLst meth="repeat">
+      <a:schemeClr val="accent1">
+        <a:alpha val="90000"/>
+        <a:tint val="40000"/>
+      </a:schemeClr>
+    </dgm:fillClrLst>
+    <dgm:linClrLst meth="repeat">
+      <a:schemeClr val="accent1">
+        <a:alpha val="90000"/>
+        <a:tint val="40000"/>
+      </a:schemeClr>
+    </dgm:linClrLst>
+    <dgm:effectClrLst/>
+    <dgm:txLinClrLst/>
+    <dgm:txFillClrLst meth="repeat">
+      <a:schemeClr val="dk1"/>
+    </dgm:txFillClrLst>
+    <dgm:txEffectClrLst/>
+  </dgm:styleLbl>
+  <dgm:styleLbl name="alignAccFollowNode1">
+    <dgm:fillClrLst meth="repeat">
+      <a:schemeClr val="accent1">
+        <a:alpha val="90000"/>
+        <a:tint val="40000"/>
+      </a:schemeClr>
+    </dgm:fillClrLst>
+    <dgm:linClrLst meth="repeat">
+      <a:schemeClr val="accent1">
+        <a:alpha val="90000"/>
+        <a:tint val="40000"/>
+      </a:schemeClr>
+    </dgm:linClrLst>
+    <dgm:effectClrLst/>
+    <dgm:txLinClrLst/>
+    <dgm:txFillClrLst meth="repeat">
+      <a:schemeClr val="dk1"/>
+    </dgm:txFillClrLst>
+    <dgm:txEffectClrLst/>
+  </dgm:styleLbl>
+  <dgm:styleLbl name="bgAccFollowNode1">
+    <dgm:fillClrLst meth="repeat">
+      <a:schemeClr val="accent1">
+        <a:alpha val="90000"/>
+        <a:tint val="40000"/>
+      </a:schemeClr>
+    </dgm:fillClrLst>
+    <dgm:linClrLst meth="repeat">
+      <a:schemeClr val="accent1">
+        <a:alpha val="90000"/>
+        <a:tint val="40000"/>
+      </a:schemeClr>
+    </dgm:linClrLst>
+    <dgm:effectClrLst/>
+    <dgm:txLinClrLst/>
+    <dgm:txFillClrLst meth="repeat">
+      <a:schemeClr val="dk1"/>
+    </dgm:txFillClrLst>
+    <dgm:txEffectClrLst/>
+  </dgm:styleLbl>
+  <dgm:styleLbl name="fgAcc0">
+    <dgm:fillClrLst meth="repeat">
+      <a:schemeClr val="lt1">
+        <a:alpha val="90000"/>
+      </a:schemeClr>
+    </dgm:fillClrLst>
+    <dgm:linClrLst meth="repeat">
+      <a:schemeClr val="accent1"/>
+    </dgm:linClrLst>
+    <dgm:effectClrLst/>
+    <dgm:txLinClrLst/>
+    <dgm:txFillClrLst meth="repeat">
+      <a:schemeClr val="dk1"/>
+    </dgm:txFillClrLst>
+    <dgm:txEffectClrLst/>
+  </dgm:styleLbl>
+  <dgm:styleLbl name="fgAcc2">
+    <dgm:fillClrLst meth="repeat">
+      <a:schemeClr val="lt1">
+        <a:alpha val="90000"/>
+      </a:schemeClr>
+    </dgm:fillClrLst>
+    <dgm:linClrLst meth="repeat">
+      <a:schemeClr val="accent1"/>
+    </dgm:linClrLst>
+    <dgm:effectClrLst/>
+    <dgm:txLinClrLst/>
+    <dgm:txFillClrLst meth="repeat">
+      <a:schemeClr val="dk1"/>
+    </dgm:txFillClrLst>
+    <dgm:txEffectClrLst/>
+  </dgm:styleLbl>
+  <dgm:styleLbl name="fgAcc3">
+    <dgm:fillClrLst meth="repeat">
+      <a:schemeClr val="lt1">
+        <a:alpha val="90000"/>
+      </a:schemeClr>
+    </dgm:fillClrLst>
+    <dgm:linClrLst meth="repeat">
+      <a:schemeClr val="accent1"/>
+    </dgm:linClrLst>
+    <dgm:effectClrLst/>
+    <dgm:txLinClrLst/>
+    <dgm:txFillClrLst meth="repeat">
+      <a:schemeClr val="dk1"/>
+    </dgm:txFillClrLst>
+    <dgm:txEffectClrLst/>
+  </dgm:styleLbl>
+  <dgm:styleLbl name="fgAcc4">
+    <dgm:fillClrLst meth="repeat">
+      <a:schemeClr val="lt1">
+        <a:alpha val="90000"/>
+      </a:schemeClr>
+    </dgm:fillClrLst>
+    <dgm:linClrLst meth="repeat">
+      <a:schemeClr val="accent1"/>
+    </dgm:linClrLst>
+    <dgm:effectClrLst/>
+    <dgm:txLinClrLst/>
+    <dgm:txFillClrLst meth="repeat">
+      <a:schemeClr val="dk1"/>
+    </dgm:txFillClrLst>
+    <dgm:txEffectClrLst/>
+  </dgm:styleLbl>
+  <dgm:styleLbl name="bgShp">
+    <dgm:fillClrLst meth="repeat">
+      <a:schemeClr val="accent1">
+        <a:tint val="40000"/>
+      </a:schemeClr>
+    </dgm:fillClrLst>
+    <dgm:linClrLst meth="repeat">
+      <a:schemeClr val="accent1"/>
+    </dgm:linClrLst>
+    <dgm:effectClrLst/>
+    <dgm:txLinClrLst/>
+    <dgm:txFillClrLst meth="repeat">
+      <a:schemeClr val="dk1"/>
+    </dgm:txFillClrLst>
+    <dgm:txEffectClrLst/>
+  </dgm:styleLbl>
+  <dgm:styleLbl name="dkBgShp">
+    <dgm:fillClrLst meth="repeat">
+      <a:schemeClr val="accent1">
+        <a:shade val="80000"/>
+      </a:schemeClr>
+    </dgm:fillClrLst>
+    <dgm:linClrLst meth="repeat">
+      <a:schemeClr val="accent1"/>
+    </dgm:linClrLst>
+    <dgm:effectClrLst/>
+    <dgm:txLinClrLst/>
+    <dgm:txFillClrLst meth="repeat">
+      <a:schemeClr val="lt1"/>
+    </dgm:txFillClrLst>
+    <dgm:txEffectClrLst/>
+  </dgm:styleLbl>
+  <dgm:styleLbl name="trBgShp">
+    <dgm:fillClrLst meth="repeat">
+      <a:schemeClr val="accent1">
+        <a:tint val="50000"/>
+        <a:alpha val="40000"/>
+      </a:schemeClr>
+    </dgm:fillClrLst>
+    <dgm:linClrLst meth="repeat">
+      <a:schemeClr val="accent1"/>
+    </dgm:linClrLst>
+    <dgm:effectClrLst/>
+    <dgm:txLinClrLst/>
+    <dgm:txFillClrLst meth="repeat">
+      <a:schemeClr val="lt1"/>
+    </dgm:txFillClrLst>
+    <dgm:txEffectClrLst/>
+  </dgm:styleLbl>
+  <dgm:styleLbl name="fgShp">
+    <dgm:fillClrLst meth="repeat">
+      <a:schemeClr val="accent1">
+        <a:tint val="60000"/>
+      </a:schemeClr>
+    </dgm:fillClrLst>
+    <dgm:linClrLst meth="repeat">
+      <a:schemeClr val="lt1"/>
+    </dgm:linClrLst>
+    <dgm:effectClrLst/>
+    <dgm:txLinClrLst/>
+    <dgm:txFillClrLst meth="repeat">
+      <a:schemeClr val="dk1"/>
+    </dgm:txFillClrLst>
+    <dgm:txEffectClrLst/>
+  </dgm:styleLbl>
+  <dgm:styleLbl name="revTx">
+    <dgm:fillClrLst meth="repeat">
+      <a:schemeClr val="lt1">
+        <a:alpha val="0"/>
+      </a:schemeClr>
+    </dgm:fillClrLst>
+    <dgm:linClrLst meth="repeat">
+      <a:schemeClr val="dk1">
+        <a:alpha val="0"/>
+      </a:schemeClr>
+    </dgm:linClrLst>
+    <dgm:effectClrLst/>
+    <dgm:txLinClrLst/>
+    <dgm:txFillClrLst meth="repeat">
+      <a:schemeClr val="tx1"/>
+    </dgm:txFillClrLst>
+    <dgm:txEffectClrLst/>
+  </dgm:styleLbl>
+</dgm:colorsDef>
+</file>
+
+<file path=ppt/diagrams/data1.xml><?xml version="1.0" encoding="utf-8"?>
+<dgm:dataModel xmlns:dgm="http://schemas.openxmlformats.org/drawingml/2006/diagram" xmlns:a="http://schemas.openxmlformats.org/drawingml/2006/main">
+  <dgm:ptLst>
+    <dgm:pt modelId="{4B2440F2-5E09-4168-BF37-9C329319A760}" type="doc">
+      <dgm:prSet loTypeId="urn:microsoft.com/office/officeart/2005/8/layout/cycle2" loCatId="cycle" qsTypeId="urn:microsoft.com/office/officeart/2005/8/quickstyle/3d7" qsCatId="3D" csTypeId="urn:microsoft.com/office/officeart/2005/8/colors/accent1_2" csCatId="accent1" phldr="1"/>
+      <dgm:spPr/>
+    </dgm:pt>
+    <dgm:pt modelId="{74F40A94-C3B1-46DD-863D-0DCD7A224AC9}">
+      <dgm:prSet phldrT="[Text]" custT="1"/>
+      <dgm:spPr/>
+      <dgm:t>
+        <a:bodyPr/>
+        <a:lstStyle/>
+        <a:p>
+          <a:r>
+            <a:rPr lang="en-US" sz="1200" b="1" dirty="0" smtClean="0"/>
+            <a:t>Obtain user knowledge </a:t>
+          </a:r>
+          <a:endParaRPr lang="en-US" sz="1200" b="1" dirty="0"/>
+        </a:p>
+      </dgm:t>
+    </dgm:pt>
+    <dgm:pt modelId="{C9A8873C-78ED-4078-9E8D-EBED15D5B372}" type="parTrans" cxnId="{F9782B40-040E-4D2B-822C-75B793D75394}">
+      <dgm:prSet/>
+      <dgm:spPr/>
+      <dgm:t>
+        <a:bodyPr/>
+        <a:lstStyle/>
+        <a:p>
+          <a:endParaRPr lang="en-US"/>
+        </a:p>
+      </dgm:t>
+    </dgm:pt>
+    <dgm:pt modelId="{D71A4CDC-2C7E-45E0-8891-C71E252A125E}" type="sibTrans" cxnId="{F9782B40-040E-4D2B-822C-75B793D75394}">
+      <dgm:prSet/>
+      <dgm:spPr/>
+      <dgm:t>
+        <a:bodyPr/>
+        <a:lstStyle/>
+        <a:p>
+          <a:endParaRPr lang="en-US"/>
+        </a:p>
+      </dgm:t>
+    </dgm:pt>
+    <dgm:pt modelId="{971400B1-FB87-40B5-AD8E-6A406C1774D5}">
+      <dgm:prSet phldrT="[Text]" custT="1"/>
+      <dgm:spPr/>
+      <dgm:t>
+        <a:bodyPr/>
+        <a:lstStyle/>
+        <a:p>
+          <a:r>
+            <a:rPr lang="en-US" sz="1300" b="1" dirty="0" smtClean="0"/>
+            <a:t>Model it In flexible way </a:t>
+          </a:r>
+          <a:endParaRPr lang="en-US" sz="1300" b="1" dirty="0"/>
+        </a:p>
+      </dgm:t>
+    </dgm:pt>
+    <dgm:pt modelId="{5D140907-AD98-43A9-96A5-344BDC0B59F6}" type="parTrans" cxnId="{D0E26E71-96BD-4D4F-974D-52D691FE3A31}">
+      <dgm:prSet/>
+      <dgm:spPr/>
+      <dgm:t>
+        <a:bodyPr/>
+        <a:lstStyle/>
+        <a:p>
+          <a:endParaRPr lang="en-US"/>
+        </a:p>
+      </dgm:t>
+    </dgm:pt>
+    <dgm:pt modelId="{11B9B88E-B746-4087-9818-2D17FE555E62}" type="sibTrans" cxnId="{D0E26E71-96BD-4D4F-974D-52D691FE3A31}">
+      <dgm:prSet/>
+      <dgm:spPr/>
+      <dgm:t>
+        <a:bodyPr/>
+        <a:lstStyle/>
+        <a:p>
+          <a:endParaRPr lang="en-US"/>
+        </a:p>
+      </dgm:t>
+    </dgm:pt>
+    <dgm:pt modelId="{79F9B083-EEDD-4063-B283-85EB0A496F8B}">
+      <dgm:prSet phldrT="[Text]"/>
+      <dgm:spPr/>
+      <dgm:t>
+        <a:bodyPr/>
+        <a:lstStyle/>
+        <a:p>
+          <a:r>
+            <a:rPr lang="en-US" b="1" dirty="0" smtClean="0"/>
+            <a:t>Analyzing user request</a:t>
+          </a:r>
+        </a:p>
+      </dgm:t>
+    </dgm:pt>
+    <dgm:pt modelId="{288A458C-F729-457E-9CE2-ED443EB0F1AD}" type="parTrans" cxnId="{0E6E6C91-0EC5-4C81-A23D-0338EDC8ED72}">
+      <dgm:prSet/>
+      <dgm:spPr/>
+      <dgm:t>
+        <a:bodyPr/>
+        <a:lstStyle/>
+        <a:p>
+          <a:endParaRPr lang="en-US"/>
+        </a:p>
+      </dgm:t>
+    </dgm:pt>
+    <dgm:pt modelId="{FE749813-2CEA-4F3B-89DE-4B564FF2BB23}" type="sibTrans" cxnId="{0E6E6C91-0EC5-4C81-A23D-0338EDC8ED72}">
+      <dgm:prSet/>
+      <dgm:spPr/>
+      <dgm:t>
+        <a:bodyPr/>
+        <a:lstStyle/>
+        <a:p>
+          <a:endParaRPr lang="en-US"/>
+        </a:p>
+      </dgm:t>
+    </dgm:pt>
+    <dgm:pt modelId="{D12A6F9D-8EA0-4B6F-9F78-F5C0B1D198CD}">
+      <dgm:prSet phldrT="[Text]" custT="1"/>
+      <dgm:spPr/>
+      <dgm:t>
+        <a:bodyPr/>
+        <a:lstStyle/>
+        <a:p>
+          <a:r>
+            <a:rPr lang="en-US" sz="1800" b="1" dirty="0" smtClean="0"/>
+            <a:t>respond</a:t>
+          </a:r>
+        </a:p>
+      </dgm:t>
+    </dgm:pt>
+    <dgm:pt modelId="{D363EA0E-FB9F-4C70-AF34-901AC11CE5C6}" type="parTrans" cxnId="{A6611EA7-9ADF-4F06-BF47-FBE3FA7A17AA}">
+      <dgm:prSet/>
+      <dgm:spPr/>
+      <dgm:t>
+        <a:bodyPr/>
+        <a:lstStyle/>
+        <a:p>
+          <a:endParaRPr lang="en-US"/>
+        </a:p>
+      </dgm:t>
+    </dgm:pt>
+    <dgm:pt modelId="{ED7FE7F2-A864-4CAE-970F-FCA31CEA3893}" type="sibTrans" cxnId="{A6611EA7-9ADF-4F06-BF47-FBE3FA7A17AA}">
+      <dgm:prSet/>
+      <dgm:spPr/>
+      <dgm:t>
+        <a:bodyPr/>
+        <a:lstStyle/>
+        <a:p>
+          <a:endParaRPr lang="en-US"/>
+        </a:p>
+      </dgm:t>
+    </dgm:pt>
+    <dgm:pt modelId="{2E89F0D0-9352-41B3-9F99-71CDF7853DAA}">
+      <dgm:prSet phldrT="[Text]" custT="1"/>
+      <dgm:spPr/>
+      <dgm:t>
+        <a:bodyPr/>
+        <a:lstStyle/>
+        <a:p>
+          <a:r>
+            <a:rPr lang="en-US" sz="1200" b="1" dirty="0" smtClean="0"/>
+            <a:t>user observation</a:t>
+          </a:r>
+        </a:p>
+      </dgm:t>
+    </dgm:pt>
+    <dgm:pt modelId="{C953BF20-6D62-458B-AF15-3A6BDB34243F}" type="sibTrans" cxnId="{FE0750E3-FEEE-4112-B9B6-DE91BBCAABFB}">
+      <dgm:prSet/>
+      <dgm:spPr/>
+      <dgm:t>
+        <a:bodyPr/>
+        <a:lstStyle/>
+        <a:p>
+          <a:endParaRPr lang="en-US"/>
+        </a:p>
+      </dgm:t>
+    </dgm:pt>
+    <dgm:pt modelId="{67315D78-D25E-429D-85B1-B24BFADDADCF}" type="parTrans" cxnId="{FE0750E3-FEEE-4112-B9B6-DE91BBCAABFB}">
+      <dgm:prSet/>
+      <dgm:spPr/>
+      <dgm:t>
+        <a:bodyPr/>
+        <a:lstStyle/>
+        <a:p>
+          <a:endParaRPr lang="en-US"/>
+        </a:p>
+      </dgm:t>
+    </dgm:pt>
+    <dgm:pt modelId="{5C57FBA6-0B54-48AF-9FF4-B9C19B716485}" type="pres">
+      <dgm:prSet presAssocID="{4B2440F2-5E09-4168-BF37-9C329319A760}" presName="cycle" presStyleCnt="0">
+        <dgm:presLayoutVars>
+          <dgm:dir/>
+          <dgm:resizeHandles val="exact"/>
+        </dgm:presLayoutVars>
+      </dgm:prSet>
+      <dgm:spPr/>
+    </dgm:pt>
+    <dgm:pt modelId="{0A96C3D7-2A03-4B53-8CF5-94A15B965962}" type="pres">
+      <dgm:prSet presAssocID="{74F40A94-C3B1-46DD-863D-0DCD7A224AC9}" presName="node" presStyleLbl="node1" presStyleIdx="0" presStyleCnt="5">
+        <dgm:presLayoutVars>
+          <dgm:bulletEnabled val="1"/>
+        </dgm:presLayoutVars>
+      </dgm:prSet>
+      <dgm:spPr/>
+    </dgm:pt>
+    <dgm:pt modelId="{F0A54AA5-CF2C-4CB2-AF53-A23DA58E5E5D}" type="pres">
+      <dgm:prSet presAssocID="{D71A4CDC-2C7E-45E0-8891-C71E252A125E}" presName="sibTrans" presStyleLbl="sibTrans2D1" presStyleIdx="0" presStyleCnt="5"/>
+      <dgm:spPr/>
+    </dgm:pt>
+    <dgm:pt modelId="{89C8FA7A-AEC8-482A-92EB-61450547870B}" type="pres">
+      <dgm:prSet presAssocID="{D71A4CDC-2C7E-45E0-8891-C71E252A125E}" presName="connectorText" presStyleLbl="sibTrans2D1" presStyleIdx="0" presStyleCnt="5"/>
+      <dgm:spPr/>
+    </dgm:pt>
+    <dgm:pt modelId="{B47D179B-6CDA-485B-AAFA-159A8A95E087}" type="pres">
+      <dgm:prSet presAssocID="{971400B1-FB87-40B5-AD8E-6A406C1774D5}" presName="node" presStyleLbl="node1" presStyleIdx="1" presStyleCnt="5">
+        <dgm:presLayoutVars>
+          <dgm:bulletEnabled val="1"/>
+        </dgm:presLayoutVars>
+      </dgm:prSet>
+      <dgm:spPr/>
+    </dgm:pt>
+    <dgm:pt modelId="{39197A78-DA2E-4CED-B770-76C4113BA2DD}" type="pres">
+      <dgm:prSet presAssocID="{11B9B88E-B746-4087-9818-2D17FE555E62}" presName="sibTrans" presStyleLbl="sibTrans2D1" presStyleIdx="1" presStyleCnt="5"/>
+      <dgm:spPr/>
+    </dgm:pt>
+    <dgm:pt modelId="{A8AAA910-D237-4B01-9110-646D305D5684}" type="pres">
+      <dgm:prSet presAssocID="{11B9B88E-B746-4087-9818-2D17FE555E62}" presName="connectorText" presStyleLbl="sibTrans2D1" presStyleIdx="1" presStyleCnt="5"/>
+      <dgm:spPr/>
+    </dgm:pt>
+    <dgm:pt modelId="{4476B5CC-5AA3-4C4C-9ACB-62652CF2D0CE}" type="pres">
+      <dgm:prSet presAssocID="{2E89F0D0-9352-41B3-9F99-71CDF7853DAA}" presName="node" presStyleLbl="node1" presStyleIdx="2" presStyleCnt="5">
+        <dgm:presLayoutVars>
+          <dgm:bulletEnabled val="1"/>
+        </dgm:presLayoutVars>
+      </dgm:prSet>
+      <dgm:spPr/>
+      <dgm:t>
+        <a:bodyPr/>
+        <a:lstStyle/>
+        <a:p>
+          <a:endParaRPr lang="en-US"/>
+        </a:p>
+      </dgm:t>
+    </dgm:pt>
+    <dgm:pt modelId="{9CB3F59F-1D05-4089-AA37-DEA7411C6466}" type="pres">
+      <dgm:prSet presAssocID="{C953BF20-6D62-458B-AF15-3A6BDB34243F}" presName="sibTrans" presStyleLbl="sibTrans2D1" presStyleIdx="2" presStyleCnt="5"/>
+      <dgm:spPr/>
+    </dgm:pt>
+    <dgm:pt modelId="{8F234FFF-D4FA-4C28-B609-A10385D2E6EA}" type="pres">
+      <dgm:prSet presAssocID="{C953BF20-6D62-458B-AF15-3A6BDB34243F}" presName="connectorText" presStyleLbl="sibTrans2D1" presStyleIdx="2" presStyleCnt="5"/>
+      <dgm:spPr/>
+    </dgm:pt>
+    <dgm:pt modelId="{B19C42C1-63F2-4AF3-9BAA-91E36EBC811E}" type="pres">
+      <dgm:prSet presAssocID="{79F9B083-EEDD-4063-B283-85EB0A496F8B}" presName="node" presStyleLbl="node1" presStyleIdx="3" presStyleCnt="5">
+        <dgm:presLayoutVars>
+          <dgm:bulletEnabled val="1"/>
+        </dgm:presLayoutVars>
+      </dgm:prSet>
+      <dgm:spPr/>
+    </dgm:pt>
+    <dgm:pt modelId="{C3B6B1AB-5F29-45C0-9305-769AF80E8911}" type="pres">
+      <dgm:prSet presAssocID="{FE749813-2CEA-4F3B-89DE-4B564FF2BB23}" presName="sibTrans" presStyleLbl="sibTrans2D1" presStyleIdx="3" presStyleCnt="5"/>
+      <dgm:spPr/>
+    </dgm:pt>
+    <dgm:pt modelId="{BEDD8A21-F9BA-4646-B09E-15678E1CE2DD}" type="pres">
+      <dgm:prSet presAssocID="{FE749813-2CEA-4F3B-89DE-4B564FF2BB23}" presName="connectorText" presStyleLbl="sibTrans2D1" presStyleIdx="3" presStyleCnt="5"/>
+      <dgm:spPr/>
+    </dgm:pt>
+    <dgm:pt modelId="{ACA07E60-F3B6-40BA-B914-38B63CAD21C7}" type="pres">
+      <dgm:prSet presAssocID="{D12A6F9D-8EA0-4B6F-9F78-F5C0B1D198CD}" presName="node" presStyleLbl="node1" presStyleIdx="4" presStyleCnt="5">
+        <dgm:presLayoutVars>
+          <dgm:bulletEnabled val="1"/>
+        </dgm:presLayoutVars>
+      </dgm:prSet>
+      <dgm:spPr/>
+    </dgm:pt>
+    <dgm:pt modelId="{822EF62F-4395-48C8-8BD6-68A620B9D38B}" type="pres">
+      <dgm:prSet presAssocID="{ED7FE7F2-A864-4CAE-970F-FCA31CEA3893}" presName="sibTrans" presStyleLbl="sibTrans2D1" presStyleIdx="4" presStyleCnt="5"/>
+      <dgm:spPr/>
+    </dgm:pt>
+    <dgm:pt modelId="{47C7DFF5-C475-43C4-9126-B2E710A6BD55}" type="pres">
+      <dgm:prSet presAssocID="{ED7FE7F2-A864-4CAE-970F-FCA31CEA3893}" presName="connectorText" presStyleLbl="sibTrans2D1" presStyleIdx="4" presStyleCnt="5"/>
+      <dgm:spPr/>
+    </dgm:pt>
+  </dgm:ptLst>
+  <dgm:cxnLst>
+    <dgm:cxn modelId="{C8F2ACCA-10CA-434C-8DB9-4A4C5A12B421}" type="presOf" srcId="{74F40A94-C3B1-46DD-863D-0DCD7A224AC9}" destId="{0A96C3D7-2A03-4B53-8CF5-94A15B965962}" srcOrd="0" destOrd="0" presId="urn:microsoft.com/office/officeart/2005/8/layout/cycle2"/>
+    <dgm:cxn modelId="{FE0750E3-FEEE-4112-B9B6-DE91BBCAABFB}" srcId="{4B2440F2-5E09-4168-BF37-9C329319A760}" destId="{2E89F0D0-9352-41B3-9F99-71CDF7853DAA}" srcOrd="2" destOrd="0" parTransId="{67315D78-D25E-429D-85B1-B24BFADDADCF}" sibTransId="{C953BF20-6D62-458B-AF15-3A6BDB34243F}"/>
+    <dgm:cxn modelId="{37EF96B1-C2A2-4DB4-A972-299587FAD1ED}" type="presOf" srcId="{11B9B88E-B746-4087-9818-2D17FE555E62}" destId="{A8AAA910-D237-4B01-9110-646D305D5684}" srcOrd="1" destOrd="0" presId="urn:microsoft.com/office/officeart/2005/8/layout/cycle2"/>
+    <dgm:cxn modelId="{02ACA000-A0E4-4EB8-A838-466414BFA82F}" type="presOf" srcId="{D71A4CDC-2C7E-45E0-8891-C71E252A125E}" destId="{F0A54AA5-CF2C-4CB2-AF53-A23DA58E5E5D}" srcOrd="0" destOrd="0" presId="urn:microsoft.com/office/officeart/2005/8/layout/cycle2"/>
+    <dgm:cxn modelId="{90404586-318B-4CA1-B277-DECFEE7F6127}" type="presOf" srcId="{D71A4CDC-2C7E-45E0-8891-C71E252A125E}" destId="{89C8FA7A-AEC8-482A-92EB-61450547870B}" srcOrd="1" destOrd="0" presId="urn:microsoft.com/office/officeart/2005/8/layout/cycle2"/>
+    <dgm:cxn modelId="{F3A504D4-4F7E-467F-8181-9AF044AAE0BB}" type="presOf" srcId="{79F9B083-EEDD-4063-B283-85EB0A496F8B}" destId="{B19C42C1-63F2-4AF3-9BAA-91E36EBC811E}" srcOrd="0" destOrd="0" presId="urn:microsoft.com/office/officeart/2005/8/layout/cycle2"/>
+    <dgm:cxn modelId="{968CB467-7D89-498E-934F-DF03CCB03BFA}" type="presOf" srcId="{C953BF20-6D62-458B-AF15-3A6BDB34243F}" destId="{8F234FFF-D4FA-4C28-B609-A10385D2E6EA}" srcOrd="1" destOrd="0" presId="urn:microsoft.com/office/officeart/2005/8/layout/cycle2"/>
+    <dgm:cxn modelId="{4228EBC7-9F6F-428A-9A68-608108AEBD51}" type="presOf" srcId="{ED7FE7F2-A864-4CAE-970F-FCA31CEA3893}" destId="{822EF62F-4395-48C8-8BD6-68A620B9D38B}" srcOrd="0" destOrd="0" presId="urn:microsoft.com/office/officeart/2005/8/layout/cycle2"/>
+    <dgm:cxn modelId="{1A34ABEF-778B-4CAC-9E56-1A9B3660C39F}" type="presOf" srcId="{2E89F0D0-9352-41B3-9F99-71CDF7853DAA}" destId="{4476B5CC-5AA3-4C4C-9ACB-62652CF2D0CE}" srcOrd="0" destOrd="0" presId="urn:microsoft.com/office/officeart/2005/8/layout/cycle2"/>
+    <dgm:cxn modelId="{649ECA77-F146-42F3-B085-2FFF492BB5FA}" type="presOf" srcId="{FE749813-2CEA-4F3B-89DE-4B564FF2BB23}" destId="{C3B6B1AB-5F29-45C0-9305-769AF80E8911}" srcOrd="0" destOrd="0" presId="urn:microsoft.com/office/officeart/2005/8/layout/cycle2"/>
+    <dgm:cxn modelId="{52DEE15B-2F59-42D4-B459-BB7A379F3CCC}" type="presOf" srcId="{ED7FE7F2-A864-4CAE-970F-FCA31CEA3893}" destId="{47C7DFF5-C475-43C4-9126-B2E710A6BD55}" srcOrd="1" destOrd="0" presId="urn:microsoft.com/office/officeart/2005/8/layout/cycle2"/>
+    <dgm:cxn modelId="{0E6E6C91-0EC5-4C81-A23D-0338EDC8ED72}" srcId="{4B2440F2-5E09-4168-BF37-9C329319A760}" destId="{79F9B083-EEDD-4063-B283-85EB0A496F8B}" srcOrd="3" destOrd="0" parTransId="{288A458C-F729-457E-9CE2-ED443EB0F1AD}" sibTransId="{FE749813-2CEA-4F3B-89DE-4B564FF2BB23}"/>
+    <dgm:cxn modelId="{A6611EA7-9ADF-4F06-BF47-FBE3FA7A17AA}" srcId="{4B2440F2-5E09-4168-BF37-9C329319A760}" destId="{D12A6F9D-8EA0-4B6F-9F78-F5C0B1D198CD}" srcOrd="4" destOrd="0" parTransId="{D363EA0E-FB9F-4C70-AF34-901AC11CE5C6}" sibTransId="{ED7FE7F2-A864-4CAE-970F-FCA31CEA3893}"/>
+    <dgm:cxn modelId="{159070A7-129A-47F4-9C42-A3864B210F26}" type="presOf" srcId="{C953BF20-6D62-458B-AF15-3A6BDB34243F}" destId="{9CB3F59F-1D05-4089-AA37-DEA7411C6466}" srcOrd="0" destOrd="0" presId="urn:microsoft.com/office/officeart/2005/8/layout/cycle2"/>
+    <dgm:cxn modelId="{530AF840-25F8-444C-AF31-B4E1FCBE719C}" type="presOf" srcId="{D12A6F9D-8EA0-4B6F-9F78-F5C0B1D198CD}" destId="{ACA07E60-F3B6-40BA-B914-38B63CAD21C7}" srcOrd="0" destOrd="0" presId="urn:microsoft.com/office/officeart/2005/8/layout/cycle2"/>
+    <dgm:cxn modelId="{F9782B40-040E-4D2B-822C-75B793D75394}" srcId="{4B2440F2-5E09-4168-BF37-9C329319A760}" destId="{74F40A94-C3B1-46DD-863D-0DCD7A224AC9}" srcOrd="0" destOrd="0" parTransId="{C9A8873C-78ED-4078-9E8D-EBED15D5B372}" sibTransId="{D71A4CDC-2C7E-45E0-8891-C71E252A125E}"/>
+    <dgm:cxn modelId="{A7CF6466-BA75-47D3-9616-28ED69CDCE46}" type="presOf" srcId="{971400B1-FB87-40B5-AD8E-6A406C1774D5}" destId="{B47D179B-6CDA-485B-AAFA-159A8A95E087}" srcOrd="0" destOrd="0" presId="urn:microsoft.com/office/officeart/2005/8/layout/cycle2"/>
+    <dgm:cxn modelId="{5D96DDA0-4491-44D1-B96A-C6AD80E83FCC}" type="presOf" srcId="{4B2440F2-5E09-4168-BF37-9C329319A760}" destId="{5C57FBA6-0B54-48AF-9FF4-B9C19B716485}" srcOrd="0" destOrd="0" presId="urn:microsoft.com/office/officeart/2005/8/layout/cycle2"/>
+    <dgm:cxn modelId="{6ABE959E-1578-42D3-80AA-87BA59FE7AC2}" type="presOf" srcId="{11B9B88E-B746-4087-9818-2D17FE555E62}" destId="{39197A78-DA2E-4CED-B770-76C4113BA2DD}" srcOrd="0" destOrd="0" presId="urn:microsoft.com/office/officeart/2005/8/layout/cycle2"/>
+    <dgm:cxn modelId="{4987BA9E-1423-4D56-A81E-95A601F989EC}" type="presOf" srcId="{FE749813-2CEA-4F3B-89DE-4B564FF2BB23}" destId="{BEDD8A21-F9BA-4646-B09E-15678E1CE2DD}" srcOrd="1" destOrd="0" presId="urn:microsoft.com/office/officeart/2005/8/layout/cycle2"/>
+    <dgm:cxn modelId="{D0E26E71-96BD-4D4F-974D-52D691FE3A31}" srcId="{4B2440F2-5E09-4168-BF37-9C329319A760}" destId="{971400B1-FB87-40B5-AD8E-6A406C1774D5}" srcOrd="1" destOrd="0" parTransId="{5D140907-AD98-43A9-96A5-344BDC0B59F6}" sibTransId="{11B9B88E-B746-4087-9818-2D17FE555E62}"/>
+    <dgm:cxn modelId="{1414312B-C644-42C8-A9AB-14692EF85DC0}" type="presParOf" srcId="{5C57FBA6-0B54-48AF-9FF4-B9C19B716485}" destId="{0A96C3D7-2A03-4B53-8CF5-94A15B965962}" srcOrd="0" destOrd="0" presId="urn:microsoft.com/office/officeart/2005/8/layout/cycle2"/>
+    <dgm:cxn modelId="{D1831D0F-9F88-4818-B3E5-20C8B2A63B87}" type="presParOf" srcId="{5C57FBA6-0B54-48AF-9FF4-B9C19B716485}" destId="{F0A54AA5-CF2C-4CB2-AF53-A23DA58E5E5D}" srcOrd="1" destOrd="0" presId="urn:microsoft.com/office/officeart/2005/8/layout/cycle2"/>
+    <dgm:cxn modelId="{0557D1E8-999A-4323-A7D6-4DDF43746283}" type="presParOf" srcId="{F0A54AA5-CF2C-4CB2-AF53-A23DA58E5E5D}" destId="{89C8FA7A-AEC8-482A-92EB-61450547870B}" srcOrd="0" destOrd="0" presId="urn:microsoft.com/office/officeart/2005/8/layout/cycle2"/>
+    <dgm:cxn modelId="{2FF8E7D3-51DE-49B6-A5CE-F6329E19C989}" type="presParOf" srcId="{5C57FBA6-0B54-48AF-9FF4-B9C19B716485}" destId="{B47D179B-6CDA-485B-AAFA-159A8A95E087}" srcOrd="2" destOrd="0" presId="urn:microsoft.com/office/officeart/2005/8/layout/cycle2"/>
+    <dgm:cxn modelId="{70E03F07-2588-425E-A6AD-A29F1D13573B}" type="presParOf" srcId="{5C57FBA6-0B54-48AF-9FF4-B9C19B716485}" destId="{39197A78-DA2E-4CED-B770-76C4113BA2DD}" srcOrd="3" destOrd="0" presId="urn:microsoft.com/office/officeart/2005/8/layout/cycle2"/>
+    <dgm:cxn modelId="{DCA4B706-48BF-4CED-8301-AE2452AEDB66}" type="presParOf" srcId="{39197A78-DA2E-4CED-B770-76C4113BA2DD}" destId="{A8AAA910-D237-4B01-9110-646D305D5684}" srcOrd="0" destOrd="0" presId="urn:microsoft.com/office/officeart/2005/8/layout/cycle2"/>
+    <dgm:cxn modelId="{A04BDA17-6FF1-4791-97CD-FAC6366CC7DF}" type="presParOf" srcId="{5C57FBA6-0B54-48AF-9FF4-B9C19B716485}" destId="{4476B5CC-5AA3-4C4C-9ACB-62652CF2D0CE}" srcOrd="4" destOrd="0" presId="urn:microsoft.com/office/officeart/2005/8/layout/cycle2"/>
+    <dgm:cxn modelId="{66800A6B-C05D-4E9E-8569-F3359B019454}" type="presParOf" srcId="{5C57FBA6-0B54-48AF-9FF4-B9C19B716485}" destId="{9CB3F59F-1D05-4089-AA37-DEA7411C6466}" srcOrd="5" destOrd="0" presId="urn:microsoft.com/office/officeart/2005/8/layout/cycle2"/>
+    <dgm:cxn modelId="{0A6AB03F-6A22-4C82-9AF7-0A0E62DE8474}" type="presParOf" srcId="{9CB3F59F-1D05-4089-AA37-DEA7411C6466}" destId="{8F234FFF-D4FA-4C28-B609-A10385D2E6EA}" srcOrd="0" destOrd="0" presId="urn:microsoft.com/office/officeart/2005/8/layout/cycle2"/>
+    <dgm:cxn modelId="{1604F642-BF45-418E-B65A-133E04F0D0A5}" type="presParOf" srcId="{5C57FBA6-0B54-48AF-9FF4-B9C19B716485}" destId="{B19C42C1-63F2-4AF3-9BAA-91E36EBC811E}" srcOrd="6" destOrd="0" presId="urn:microsoft.com/office/officeart/2005/8/layout/cycle2"/>
+    <dgm:cxn modelId="{E274A389-C7D9-44EF-BBBB-69A83FC661D5}" type="presParOf" srcId="{5C57FBA6-0B54-48AF-9FF4-B9C19B716485}" destId="{C3B6B1AB-5F29-45C0-9305-769AF80E8911}" srcOrd="7" destOrd="0" presId="urn:microsoft.com/office/officeart/2005/8/layout/cycle2"/>
+    <dgm:cxn modelId="{4B940089-8BF0-4836-A68A-005C04029B95}" type="presParOf" srcId="{C3B6B1AB-5F29-45C0-9305-769AF80E8911}" destId="{BEDD8A21-F9BA-4646-B09E-15678E1CE2DD}" srcOrd="0" destOrd="0" presId="urn:microsoft.com/office/officeart/2005/8/layout/cycle2"/>
+    <dgm:cxn modelId="{36D4FED7-841C-4357-BE04-5946F0A7F091}" type="presParOf" srcId="{5C57FBA6-0B54-48AF-9FF4-B9C19B716485}" destId="{ACA07E60-F3B6-40BA-B914-38B63CAD21C7}" srcOrd="8" destOrd="0" presId="urn:microsoft.com/office/officeart/2005/8/layout/cycle2"/>
+    <dgm:cxn modelId="{050F51F5-FA1C-4299-8425-FA6F2F4AE00D}" type="presParOf" srcId="{5C57FBA6-0B54-48AF-9FF4-B9C19B716485}" destId="{822EF62F-4395-48C8-8BD6-68A620B9D38B}" srcOrd="9" destOrd="0" presId="urn:microsoft.com/office/officeart/2005/8/layout/cycle2"/>
+    <dgm:cxn modelId="{4D6A18B3-9B76-4180-9231-9384810B8C8C}" type="presParOf" srcId="{822EF62F-4395-48C8-8BD6-68A620B9D38B}" destId="{47C7DFF5-C475-43C4-9126-B2E710A6BD55}" srcOrd="0" destOrd="0" presId="urn:microsoft.com/office/officeart/2005/8/layout/cycle2"/>
+  </dgm:cxnLst>
+  <dgm:bg/>
+  <dgm:whole/>
+  <dgm:extLst>
+    <a:ext uri="http://schemas.microsoft.com/office/drawing/2008/diagram">
+      <dsp:dataModelExt xmlns:dsp="http://schemas.microsoft.com/office/drawing/2008/diagram" xmlns="" relId="rId6" minVer="http://schemas.openxmlformats.org/drawingml/2006/diagram"/>
+    </a:ext>
+  </dgm:extLst>
+</dgm:dataModel>
+</file>
+
+<file path=ppt/diagrams/drawing1.xml><?xml version="1.0" encoding="utf-8"?>
+<dsp:drawing xmlns:dgm="http://schemas.openxmlformats.org/drawingml/2006/diagram" xmlns:a="http://schemas.openxmlformats.org/drawingml/2006/main" xmlns:dsp="http://schemas.microsoft.com/office/drawing/2008/diagram">
+  <dsp:spTree>
+    <dsp:nvGrpSpPr>
+      <dsp:cNvPr id="0" name=""/>
+      <dsp:cNvGrpSpPr/>
+    </dsp:nvGrpSpPr>
+    <dsp:grpSpPr/>
+    <dsp:sp modelId="{0A96C3D7-2A03-4B53-8CF5-94A15B965962}">
+      <dsp:nvSpPr>
+        <dsp:cNvPr id="0" name=""/>
+        <dsp:cNvSpPr/>
+      </dsp:nvSpPr>
+      <dsp:spPr>
+        <a:xfrm>
+          <a:off x="3634435" y="241"/>
+          <a:ext cx="1228073" cy="1228073"/>
+        </a:xfrm>
+        <a:prstGeom prst="ellipse">
+          <a:avLst/>
+        </a:prstGeom>
+        <a:solidFill>
+          <a:schemeClr val="accent1">
+            <a:hueOff val="0"/>
+            <a:satOff val="0"/>
+            <a:lumOff val="0"/>
+            <a:alphaOff val="0"/>
+          </a:schemeClr>
+        </a:solidFill>
+        <a:ln>
+          <a:noFill/>
+        </a:ln>
+        <a:effectLst>
+          <a:outerShdw blurRad="45000" dist="25000" dir="5400000" rotWithShape="0">
+            <a:srgbClr val="000000">
+              <a:alpha val="38000"/>
+            </a:srgbClr>
+          </a:outerShdw>
+        </a:effectLst>
+        <a:sp3d extrusionH="50600" prstMaterial="metal">
+          <a:bevelT w="101600" h="80600" prst="relaxedInset"/>
+          <a:bevelB w="80600" h="80600" prst="relaxedInset"/>
+        </a:sp3d>
+      </dsp:spPr>
+      <dsp:style>
+        <a:lnRef idx="0">
+          <a:scrgbClr r="0" g="0" b="0"/>
+        </a:lnRef>
+        <a:fillRef idx="1">
+          <a:scrgbClr r="0" g="0" b="0"/>
+        </a:fillRef>
+        <a:effectRef idx="1">
+          <a:scrgbClr r="0" g="0" b="0"/>
+        </a:effectRef>
+        <a:fontRef idx="minor">
+          <a:schemeClr val="dk1"/>
+        </a:fontRef>
+      </dsp:style>
+      <dsp:txBody>
+        <a:bodyPr spcFirstLastPara="0" vert="horz" wrap="square" lIns="15240" tIns="15240" rIns="15240" bIns="15240" numCol="1" spcCol="1270" anchor="ctr" anchorCtr="0">
+          <a:noAutofit/>
+        </a:bodyPr>
+        <a:lstStyle/>
+        <a:p>
+          <a:pPr lvl="0" algn="ctr" defTabSz="533400">
+            <a:lnSpc>
+              <a:spcPct val="90000"/>
+            </a:lnSpc>
+            <a:spcBef>
+              <a:spcPct val="0"/>
+            </a:spcBef>
+            <a:spcAft>
+              <a:spcPct val="35000"/>
+            </a:spcAft>
+          </a:pPr>
+          <a:r>
+            <a:rPr lang="en-US" sz="1200" b="1" kern="1200" dirty="0" smtClean="0"/>
+            <a:t>Obtain user knowledge </a:t>
+          </a:r>
+          <a:endParaRPr lang="en-US" sz="1200" b="1" kern="1200" dirty="0"/>
+        </a:p>
+      </dsp:txBody>
+      <dsp:txXfrm>
+        <a:off x="3634435" y="241"/>
+        <a:ext cx="1228073" cy="1228073"/>
+      </dsp:txXfrm>
+    </dsp:sp>
+    <dsp:sp modelId="{F0A54AA5-CF2C-4CB2-AF53-A23DA58E5E5D}">
+      <dsp:nvSpPr>
+        <dsp:cNvPr id="0" name=""/>
+        <dsp:cNvSpPr/>
+      </dsp:nvSpPr>
+      <dsp:spPr>
+        <a:xfrm rot="2160000">
+          <a:off x="4823510" y="943144"/>
+          <a:ext cx="325689" cy="414474"/>
+        </a:xfrm>
+        <a:prstGeom prst="rightArrow">
+          <a:avLst>
+            <a:gd name="adj1" fmla="val 60000"/>
+            <a:gd name="adj2" fmla="val 50000"/>
+          </a:avLst>
+        </a:prstGeom>
+        <a:solidFill>
+          <a:schemeClr val="accent1">
+            <a:tint val="60000"/>
+            <a:hueOff val="0"/>
+            <a:satOff val="0"/>
+            <a:lumOff val="0"/>
+            <a:alphaOff val="0"/>
+          </a:schemeClr>
+        </a:solidFill>
+        <a:ln>
+          <a:noFill/>
+        </a:ln>
+        <a:effectLst>
+          <a:outerShdw blurRad="39000" dist="25400" dir="5400000" rotWithShape="0">
+            <a:srgbClr val="000000">
+              <a:alpha val="38000"/>
+            </a:srgbClr>
+          </a:outerShdw>
+        </a:effectLst>
+        <a:sp3d z="-110000">
+          <a:bevelT w="40600" h="20600" prst="relaxedInset"/>
+        </a:sp3d>
+      </dsp:spPr>
+      <dsp:style>
+        <a:lnRef idx="0">
+          <a:scrgbClr r="0" g="0" b="0"/>
+        </a:lnRef>
+        <a:fillRef idx="1">
+          <a:scrgbClr r="0" g="0" b="0"/>
+        </a:fillRef>
+        <a:effectRef idx="2">
+          <a:scrgbClr r="0" g="0" b="0"/>
+        </a:effectRef>
+        <a:fontRef idx="minor"/>
+      </dsp:style>
+      <dsp:txBody>
+        <a:bodyPr spcFirstLastPara="0" vert="horz" wrap="square" lIns="0" tIns="0" rIns="0" bIns="0" numCol="1" spcCol="1270" anchor="ctr" anchorCtr="0">
+          <a:noAutofit/>
+        </a:bodyPr>
+        <a:lstStyle/>
+        <a:p>
+          <a:pPr lvl="0" algn="ctr" defTabSz="533400">
+            <a:lnSpc>
+              <a:spcPct val="90000"/>
+            </a:lnSpc>
+            <a:spcBef>
+              <a:spcPct val="0"/>
+            </a:spcBef>
+            <a:spcAft>
+              <a:spcPct val="35000"/>
+            </a:spcAft>
+          </a:pPr>
+          <a:endParaRPr lang="en-US" sz="1200" kern="1200"/>
+        </a:p>
+      </dsp:txBody>
+      <dsp:txXfrm rot="2160000">
+        <a:off x="4823510" y="943144"/>
+        <a:ext cx="325689" cy="414474"/>
+      </dsp:txXfrm>
+    </dsp:sp>
+    <dsp:sp modelId="{B47D179B-6CDA-485B-AAFA-159A8A95E087}">
+      <dsp:nvSpPr>
+        <dsp:cNvPr id="0" name=""/>
+        <dsp:cNvSpPr/>
+      </dsp:nvSpPr>
+      <dsp:spPr>
+        <a:xfrm>
+          <a:off x="5125116" y="1083284"/>
+          <a:ext cx="1228073" cy="1228073"/>
+        </a:xfrm>
+        <a:prstGeom prst="ellipse">
+          <a:avLst/>
+        </a:prstGeom>
+        <a:solidFill>
+          <a:schemeClr val="accent1">
+            <a:hueOff val="0"/>
+            <a:satOff val="0"/>
+            <a:lumOff val="0"/>
+            <a:alphaOff val="0"/>
+          </a:schemeClr>
+        </a:solidFill>
+        <a:ln>
+          <a:noFill/>
+        </a:ln>
+        <a:effectLst>
+          <a:outerShdw blurRad="45000" dist="25000" dir="5400000" rotWithShape="0">
+            <a:srgbClr val="000000">
+              <a:alpha val="38000"/>
+            </a:srgbClr>
+          </a:outerShdw>
+        </a:effectLst>
+        <a:sp3d extrusionH="50600" prstMaterial="metal">
+          <a:bevelT w="101600" h="80600" prst="relaxedInset"/>
+          <a:bevelB w="80600" h="80600" prst="relaxedInset"/>
+        </a:sp3d>
+      </dsp:spPr>
+      <dsp:style>
+        <a:lnRef idx="0">
+          <a:scrgbClr r="0" g="0" b="0"/>
+        </a:lnRef>
+        <a:fillRef idx="1">
+          <a:scrgbClr r="0" g="0" b="0"/>
+        </a:fillRef>
+        <a:effectRef idx="1">
+          <a:scrgbClr r="0" g="0" b="0"/>
+        </a:effectRef>
+        <a:fontRef idx="minor">
+          <a:schemeClr val="dk1"/>
+        </a:fontRef>
+      </dsp:style>
+      <dsp:txBody>
+        <a:bodyPr spcFirstLastPara="0" vert="horz" wrap="square" lIns="16510" tIns="16510" rIns="16510" bIns="16510" numCol="1" spcCol="1270" anchor="ctr" anchorCtr="0">
+          <a:noAutofit/>
+        </a:bodyPr>
+        <a:lstStyle/>
+        <a:p>
+          <a:pPr lvl="0" algn="ctr" defTabSz="577850">
+            <a:lnSpc>
+              <a:spcPct val="90000"/>
+            </a:lnSpc>
+            <a:spcBef>
+              <a:spcPct val="0"/>
+            </a:spcBef>
+            <a:spcAft>
+              <a:spcPct val="35000"/>
+            </a:spcAft>
+          </a:pPr>
+          <a:r>
+            <a:rPr lang="en-US" sz="1300" b="1" kern="1200" dirty="0" smtClean="0"/>
+            <a:t>Model it In flexible way </a:t>
+          </a:r>
+          <a:endParaRPr lang="en-US" sz="1300" b="1" kern="1200" dirty="0"/>
+        </a:p>
+      </dsp:txBody>
+      <dsp:txXfrm>
+        <a:off x="5125116" y="1083284"/>
+        <a:ext cx="1228073" cy="1228073"/>
+      </dsp:txXfrm>
+    </dsp:sp>
+    <dsp:sp modelId="{39197A78-DA2E-4CED-B770-76C4113BA2DD}">
+      <dsp:nvSpPr>
+        <dsp:cNvPr id="0" name=""/>
+        <dsp:cNvSpPr/>
+      </dsp:nvSpPr>
+      <dsp:spPr>
+        <a:xfrm rot="6480000">
+          <a:off x="5294461" y="2357517"/>
+          <a:ext cx="325689" cy="414474"/>
+        </a:xfrm>
+        <a:prstGeom prst="rightArrow">
+          <a:avLst>
+            <a:gd name="adj1" fmla="val 60000"/>
+            <a:gd name="adj2" fmla="val 50000"/>
+          </a:avLst>
+        </a:prstGeom>
+        <a:solidFill>
+          <a:schemeClr val="accent1">
+            <a:tint val="60000"/>
+            <a:hueOff val="0"/>
+            <a:satOff val="0"/>
+            <a:lumOff val="0"/>
+            <a:alphaOff val="0"/>
+          </a:schemeClr>
+        </a:solidFill>
+        <a:ln>
+          <a:noFill/>
+        </a:ln>
+        <a:effectLst>
+          <a:outerShdw blurRad="39000" dist="25400" dir="5400000" rotWithShape="0">
+            <a:srgbClr val="000000">
+              <a:alpha val="38000"/>
+            </a:srgbClr>
+          </a:outerShdw>
+        </a:effectLst>
+        <a:sp3d z="-110000">
+          <a:bevelT w="40600" h="20600" prst="relaxedInset"/>
+        </a:sp3d>
+      </dsp:spPr>
+      <dsp:style>
+        <a:lnRef idx="0">
+          <a:scrgbClr r="0" g="0" b="0"/>
+        </a:lnRef>
+        <a:fillRef idx="1">
+          <a:scrgbClr r="0" g="0" b="0"/>
+        </a:fillRef>
+        <a:effectRef idx="2">
+          <a:scrgbClr r="0" g="0" b="0"/>
+        </a:effectRef>
+        <a:fontRef idx="minor"/>
+      </dsp:style>
+      <dsp:txBody>
+        <a:bodyPr spcFirstLastPara="0" vert="horz" wrap="square" lIns="0" tIns="0" rIns="0" bIns="0" numCol="1" spcCol="1270" anchor="ctr" anchorCtr="0">
+          <a:noAutofit/>
+        </a:bodyPr>
+        <a:lstStyle/>
+        <a:p>
+          <a:pPr lvl="0" algn="ctr" defTabSz="533400">
+            <a:lnSpc>
+              <a:spcPct val="90000"/>
+            </a:lnSpc>
+            <a:spcBef>
+              <a:spcPct val="0"/>
+            </a:spcBef>
+            <a:spcAft>
+              <a:spcPct val="35000"/>
+            </a:spcAft>
+          </a:pPr>
+          <a:endParaRPr lang="en-US" sz="1200" kern="1200"/>
+        </a:p>
+      </dsp:txBody>
+      <dsp:txXfrm rot="6480000">
+        <a:off x="5294461" y="2357517"/>
+        <a:ext cx="325689" cy="414474"/>
+      </dsp:txXfrm>
+    </dsp:sp>
+    <dsp:sp modelId="{4476B5CC-5AA3-4C4C-9ACB-62652CF2D0CE}">
+      <dsp:nvSpPr>
+        <dsp:cNvPr id="0" name=""/>
+        <dsp:cNvSpPr/>
+      </dsp:nvSpPr>
+      <dsp:spPr>
+        <a:xfrm>
+          <a:off x="4555726" y="2835684"/>
+          <a:ext cx="1228073" cy="1228073"/>
+        </a:xfrm>
+        <a:prstGeom prst="ellipse">
+          <a:avLst/>
+        </a:prstGeom>
+        <a:solidFill>
+          <a:schemeClr val="accent1">
+            <a:hueOff val="0"/>
+            <a:satOff val="0"/>
+            <a:lumOff val="0"/>
+            <a:alphaOff val="0"/>
+          </a:schemeClr>
+        </a:solidFill>
+        <a:ln>
+          <a:noFill/>
+        </a:ln>
+        <a:effectLst>
+          <a:outerShdw blurRad="45000" dist="25000" dir="5400000" rotWithShape="0">
+            <a:srgbClr val="000000">
+              <a:alpha val="38000"/>
+            </a:srgbClr>
+          </a:outerShdw>
+        </a:effectLst>
+        <a:sp3d extrusionH="50600" prstMaterial="metal">
+          <a:bevelT w="101600" h="80600" prst="relaxedInset"/>
+          <a:bevelB w="80600" h="80600" prst="relaxedInset"/>
+        </a:sp3d>
+      </dsp:spPr>
+      <dsp:style>
+        <a:lnRef idx="0">
+          <a:scrgbClr r="0" g="0" b="0"/>
+        </a:lnRef>
+        <a:fillRef idx="1">
+          <a:scrgbClr r="0" g="0" b="0"/>
+        </a:fillRef>
+        <a:effectRef idx="1">
+          <a:scrgbClr r="0" g="0" b="0"/>
+        </a:effectRef>
+        <a:fontRef idx="minor">
+          <a:schemeClr val="dk1"/>
+        </a:fontRef>
+      </dsp:style>
+      <dsp:txBody>
+        <a:bodyPr spcFirstLastPara="0" vert="horz" wrap="square" lIns="15240" tIns="15240" rIns="15240" bIns="15240" numCol="1" spcCol="1270" anchor="ctr" anchorCtr="0">
+          <a:noAutofit/>
+        </a:bodyPr>
+        <a:lstStyle/>
+        <a:p>
+          <a:pPr lvl="0" algn="ctr" defTabSz="533400">
+            <a:lnSpc>
+              <a:spcPct val="90000"/>
+            </a:lnSpc>
+            <a:spcBef>
+              <a:spcPct val="0"/>
+            </a:spcBef>
+            <a:spcAft>
+              <a:spcPct val="35000"/>
+            </a:spcAft>
+          </a:pPr>
+          <a:r>
+            <a:rPr lang="en-US" sz="1200" b="1" kern="1200" dirty="0" smtClean="0"/>
+            <a:t>user observation</a:t>
+          </a:r>
+        </a:p>
+      </dsp:txBody>
+      <dsp:txXfrm>
+        <a:off x="4555726" y="2835684"/>
+        <a:ext cx="1228073" cy="1228073"/>
+      </dsp:txXfrm>
+    </dsp:sp>
+    <dsp:sp modelId="{9CB3F59F-1D05-4089-AA37-DEA7411C6466}">
+      <dsp:nvSpPr>
+        <dsp:cNvPr id="0" name=""/>
+        <dsp:cNvSpPr/>
+      </dsp:nvSpPr>
+      <dsp:spPr>
+        <a:xfrm rot="10800000">
+          <a:off x="4094844" y="3242484"/>
+          <a:ext cx="325689" cy="414474"/>
+        </a:xfrm>
+        <a:prstGeom prst="rightArrow">
+          <a:avLst>
+            <a:gd name="adj1" fmla="val 60000"/>
+            <a:gd name="adj2" fmla="val 50000"/>
+          </a:avLst>
+        </a:prstGeom>
+        <a:solidFill>
+          <a:schemeClr val="accent1">
+            <a:tint val="60000"/>
+            <a:hueOff val="0"/>
+            <a:satOff val="0"/>
+            <a:lumOff val="0"/>
+            <a:alphaOff val="0"/>
+          </a:schemeClr>
+        </a:solidFill>
+        <a:ln>
+          <a:noFill/>
+        </a:ln>
+        <a:effectLst>
+          <a:outerShdw blurRad="39000" dist="25400" dir="5400000" rotWithShape="0">
+            <a:srgbClr val="000000">
+              <a:alpha val="38000"/>
+            </a:srgbClr>
+          </a:outerShdw>
+        </a:effectLst>
+        <a:sp3d z="-110000">
+          <a:bevelT w="40600" h="20600" prst="relaxedInset"/>
+        </a:sp3d>
+      </dsp:spPr>
+      <dsp:style>
+        <a:lnRef idx="0">
+          <a:scrgbClr r="0" g="0" b="0"/>
+        </a:lnRef>
+        <a:fillRef idx="1">
+          <a:scrgbClr r="0" g="0" b="0"/>
+        </a:fillRef>
+        <a:effectRef idx="2">
+          <a:scrgbClr r="0" g="0" b="0"/>
+        </a:effectRef>
+        <a:fontRef idx="minor"/>
+      </dsp:style>
+      <dsp:txBody>
+        <a:bodyPr spcFirstLastPara="0" vert="horz" wrap="square" lIns="0" tIns="0" rIns="0" bIns="0" numCol="1" spcCol="1270" anchor="ctr" anchorCtr="0">
+          <a:noAutofit/>
+        </a:bodyPr>
+        <a:lstStyle/>
+        <a:p>
+          <a:pPr lvl="0" algn="ctr" defTabSz="533400">
+            <a:lnSpc>
+              <a:spcPct val="90000"/>
+            </a:lnSpc>
+            <a:spcBef>
+              <a:spcPct val="0"/>
+            </a:spcBef>
+            <a:spcAft>
+              <a:spcPct val="35000"/>
+            </a:spcAft>
+          </a:pPr>
+          <a:endParaRPr lang="en-US" sz="1200" kern="1200"/>
+        </a:p>
+      </dsp:txBody>
+      <dsp:txXfrm rot="10800000">
+        <a:off x="4094844" y="3242484"/>
+        <a:ext cx="325689" cy="414474"/>
+      </dsp:txXfrm>
+    </dsp:sp>
+    <dsp:sp modelId="{B19C42C1-63F2-4AF3-9BAA-91E36EBC811E}">
+      <dsp:nvSpPr>
+        <dsp:cNvPr id="0" name=""/>
+        <dsp:cNvSpPr/>
+      </dsp:nvSpPr>
+      <dsp:spPr>
+        <a:xfrm>
+          <a:off x="2713143" y="2835684"/>
+          <a:ext cx="1228073" cy="1228073"/>
+        </a:xfrm>
+        <a:prstGeom prst="ellipse">
+          <a:avLst/>
+        </a:prstGeom>
+        <a:solidFill>
+          <a:schemeClr val="accent1">
+            <a:hueOff val="0"/>
+            <a:satOff val="0"/>
+            <a:lumOff val="0"/>
+            <a:alphaOff val="0"/>
+          </a:schemeClr>
+        </a:solidFill>
+        <a:ln>
+          <a:noFill/>
+        </a:ln>
+        <a:effectLst>
+          <a:outerShdw blurRad="45000" dist="25000" dir="5400000" rotWithShape="0">
+            <a:srgbClr val="000000">
+              <a:alpha val="38000"/>
+            </a:srgbClr>
+          </a:outerShdw>
+        </a:effectLst>
+        <a:sp3d extrusionH="50600" prstMaterial="metal">
+          <a:bevelT w="101600" h="80600" prst="relaxedInset"/>
+          <a:bevelB w="80600" h="80600" prst="relaxedInset"/>
+        </a:sp3d>
+      </dsp:spPr>
+      <dsp:style>
+        <a:lnRef idx="0">
+          <a:scrgbClr r="0" g="0" b="0"/>
+        </a:lnRef>
+        <a:fillRef idx="1">
+          <a:scrgbClr r="0" g="0" b="0"/>
+        </a:fillRef>
+        <a:effectRef idx="1">
+          <a:scrgbClr r="0" g="0" b="0"/>
+        </a:effectRef>
+        <a:fontRef idx="minor">
+          <a:schemeClr val="dk1"/>
+        </a:fontRef>
+      </dsp:style>
+      <dsp:txBody>
+        <a:bodyPr spcFirstLastPara="0" vert="horz" wrap="square" lIns="19050" tIns="19050" rIns="19050" bIns="19050" numCol="1" spcCol="1270" anchor="ctr" anchorCtr="0">
+          <a:noAutofit/>
+        </a:bodyPr>
+        <a:lstStyle/>
+        <a:p>
+          <a:pPr lvl="0" algn="ctr" defTabSz="666750">
+            <a:lnSpc>
+              <a:spcPct val="90000"/>
+            </a:lnSpc>
+            <a:spcBef>
+              <a:spcPct val="0"/>
+            </a:spcBef>
+            <a:spcAft>
+              <a:spcPct val="35000"/>
+            </a:spcAft>
+          </a:pPr>
+          <a:r>
+            <a:rPr lang="en-US" sz="1500" b="1" kern="1200" dirty="0" smtClean="0"/>
+            <a:t>Analyzing user request</a:t>
+          </a:r>
+        </a:p>
+      </dsp:txBody>
+      <dsp:txXfrm>
+        <a:off x="2713143" y="2835684"/>
+        <a:ext cx="1228073" cy="1228073"/>
+      </dsp:txXfrm>
+    </dsp:sp>
+    <dsp:sp modelId="{C3B6B1AB-5F29-45C0-9305-769AF80E8911}">
+      <dsp:nvSpPr>
+        <dsp:cNvPr id="0" name=""/>
+        <dsp:cNvSpPr/>
+      </dsp:nvSpPr>
+      <dsp:spPr>
+        <a:xfrm rot="15120000">
+          <a:off x="2882489" y="2375050"/>
+          <a:ext cx="325689" cy="414474"/>
+        </a:xfrm>
+        <a:prstGeom prst="rightArrow">
+          <a:avLst>
+            <a:gd name="adj1" fmla="val 60000"/>
+            <a:gd name="adj2" fmla="val 50000"/>
+          </a:avLst>
+        </a:prstGeom>
+        <a:solidFill>
+          <a:schemeClr val="accent1">
+            <a:tint val="60000"/>
+            <a:hueOff val="0"/>
+            <a:satOff val="0"/>
+            <a:lumOff val="0"/>
+            <a:alphaOff val="0"/>
+          </a:schemeClr>
+        </a:solidFill>
+        <a:ln>
+          <a:noFill/>
+        </a:ln>
+        <a:effectLst>
+          <a:outerShdw blurRad="39000" dist="25400" dir="5400000" rotWithShape="0">
+            <a:srgbClr val="000000">
+              <a:alpha val="38000"/>
+            </a:srgbClr>
+          </a:outerShdw>
+        </a:effectLst>
+        <a:sp3d z="-110000">
+          <a:bevelT w="40600" h="20600" prst="relaxedInset"/>
+        </a:sp3d>
+      </dsp:spPr>
+      <dsp:style>
+        <a:lnRef idx="0">
+          <a:scrgbClr r="0" g="0" b="0"/>
+        </a:lnRef>
+        <a:fillRef idx="1">
+          <a:scrgbClr r="0" g="0" b="0"/>
+        </a:fillRef>
+        <a:effectRef idx="2">
+          <a:scrgbClr r="0" g="0" b="0"/>
+        </a:effectRef>
+        <a:fontRef idx="minor"/>
+      </dsp:style>
+      <dsp:txBody>
+        <a:bodyPr spcFirstLastPara="0" vert="horz" wrap="square" lIns="0" tIns="0" rIns="0" bIns="0" numCol="1" spcCol="1270" anchor="ctr" anchorCtr="0">
+          <a:noAutofit/>
+        </a:bodyPr>
+        <a:lstStyle/>
+        <a:p>
+          <a:pPr lvl="0" algn="ctr" defTabSz="533400">
+            <a:lnSpc>
+              <a:spcPct val="90000"/>
+            </a:lnSpc>
+            <a:spcBef>
+              <a:spcPct val="0"/>
+            </a:spcBef>
+            <a:spcAft>
+              <a:spcPct val="35000"/>
+            </a:spcAft>
+          </a:pPr>
+          <a:endParaRPr lang="en-US" sz="1200" kern="1200"/>
+        </a:p>
+      </dsp:txBody>
+      <dsp:txXfrm rot="15120000">
+        <a:off x="2882489" y="2375050"/>
+        <a:ext cx="325689" cy="414474"/>
+      </dsp:txXfrm>
+    </dsp:sp>
+    <dsp:sp modelId="{ACA07E60-F3B6-40BA-B914-38B63CAD21C7}">
+      <dsp:nvSpPr>
+        <dsp:cNvPr id="0" name=""/>
+        <dsp:cNvSpPr/>
+      </dsp:nvSpPr>
+      <dsp:spPr>
+        <a:xfrm>
+          <a:off x="2143753" y="1083284"/>
+          <a:ext cx="1228073" cy="1228073"/>
+        </a:xfrm>
+        <a:prstGeom prst="ellipse">
+          <a:avLst/>
+        </a:prstGeom>
+        <a:solidFill>
+          <a:schemeClr val="accent1">
+            <a:hueOff val="0"/>
+            <a:satOff val="0"/>
+            <a:lumOff val="0"/>
+            <a:alphaOff val="0"/>
+          </a:schemeClr>
+        </a:solidFill>
+        <a:ln>
+          <a:noFill/>
+        </a:ln>
+        <a:effectLst>
+          <a:outerShdw blurRad="45000" dist="25000" dir="5400000" rotWithShape="0">
+            <a:srgbClr val="000000">
+              <a:alpha val="38000"/>
+            </a:srgbClr>
+          </a:outerShdw>
+        </a:effectLst>
+        <a:sp3d extrusionH="50600" prstMaterial="metal">
+          <a:bevelT w="101600" h="80600" prst="relaxedInset"/>
+          <a:bevelB w="80600" h="80600" prst="relaxedInset"/>
+        </a:sp3d>
+      </dsp:spPr>
+      <dsp:style>
+        <a:lnRef idx="0">
+          <a:scrgbClr r="0" g="0" b="0"/>
+        </a:lnRef>
+        <a:fillRef idx="1">
+          <a:scrgbClr r="0" g="0" b="0"/>
+        </a:fillRef>
+        <a:effectRef idx="1">
+          <a:scrgbClr r="0" g="0" b="0"/>
+        </a:effectRef>
+        <a:fontRef idx="minor">
+          <a:schemeClr val="dk1"/>
+        </a:fontRef>
+      </dsp:style>
+      <dsp:txBody>
+        <a:bodyPr spcFirstLastPara="0" vert="horz" wrap="square" lIns="22860" tIns="22860" rIns="22860" bIns="22860" numCol="1" spcCol="1270" anchor="ctr" anchorCtr="0">
+          <a:noAutofit/>
+        </a:bodyPr>
+        <a:lstStyle/>
+        <a:p>
+          <a:pPr lvl="0" algn="ctr" defTabSz="800100">
+            <a:lnSpc>
+              <a:spcPct val="90000"/>
+            </a:lnSpc>
+            <a:spcBef>
+              <a:spcPct val="0"/>
+            </a:spcBef>
+            <a:spcAft>
+              <a:spcPct val="35000"/>
+            </a:spcAft>
+          </a:pPr>
+          <a:r>
+            <a:rPr lang="en-US" sz="1800" b="1" kern="1200" dirty="0" smtClean="0"/>
+            <a:t>respond</a:t>
+          </a:r>
+        </a:p>
+      </dsp:txBody>
+      <dsp:txXfrm>
+        <a:off x="2143753" y="1083284"/>
+        <a:ext cx="1228073" cy="1228073"/>
+      </dsp:txXfrm>
+    </dsp:sp>
+    <dsp:sp modelId="{822EF62F-4395-48C8-8BD6-68A620B9D38B}">
+      <dsp:nvSpPr>
+        <dsp:cNvPr id="0" name=""/>
+        <dsp:cNvSpPr/>
+      </dsp:nvSpPr>
+      <dsp:spPr>
+        <a:xfrm rot="19440000">
+          <a:off x="3332829" y="953980"/>
+          <a:ext cx="325689" cy="414474"/>
+        </a:xfrm>
+        <a:prstGeom prst="rightArrow">
+          <a:avLst>
+            <a:gd name="adj1" fmla="val 60000"/>
+            <a:gd name="adj2" fmla="val 50000"/>
+          </a:avLst>
+        </a:prstGeom>
+        <a:solidFill>
+          <a:schemeClr val="accent1">
+            <a:tint val="60000"/>
+            <a:hueOff val="0"/>
+            <a:satOff val="0"/>
+            <a:lumOff val="0"/>
+            <a:alphaOff val="0"/>
+          </a:schemeClr>
+        </a:solidFill>
+        <a:ln>
+          <a:noFill/>
+        </a:ln>
+        <a:effectLst>
+          <a:outerShdw blurRad="39000" dist="25400" dir="5400000" rotWithShape="0">
+            <a:srgbClr val="000000">
+              <a:alpha val="38000"/>
+            </a:srgbClr>
+          </a:outerShdw>
+        </a:effectLst>
+        <a:sp3d z="-110000">
+          <a:bevelT w="40600" h="20600" prst="relaxedInset"/>
+        </a:sp3d>
+      </dsp:spPr>
+      <dsp:style>
+        <a:lnRef idx="0">
+          <a:scrgbClr r="0" g="0" b="0"/>
+        </a:lnRef>
+        <a:fillRef idx="1">
+          <a:scrgbClr r="0" g="0" b="0"/>
+        </a:fillRef>
+        <a:effectRef idx="2">
+          <a:scrgbClr r="0" g="0" b="0"/>
+        </a:effectRef>
+        <a:fontRef idx="minor"/>
+      </dsp:style>
+      <dsp:txBody>
+        <a:bodyPr spcFirstLastPara="0" vert="horz" wrap="square" lIns="0" tIns="0" rIns="0" bIns="0" numCol="1" spcCol="1270" anchor="ctr" anchorCtr="0">
+          <a:noAutofit/>
+        </a:bodyPr>
+        <a:lstStyle/>
+        <a:p>
+          <a:pPr lvl="0" algn="ctr" defTabSz="533400">
+            <a:lnSpc>
+              <a:spcPct val="90000"/>
+            </a:lnSpc>
+            <a:spcBef>
+              <a:spcPct val="0"/>
+            </a:spcBef>
+            <a:spcAft>
+              <a:spcPct val="35000"/>
+            </a:spcAft>
+          </a:pPr>
+          <a:endParaRPr lang="en-US" sz="1200" kern="1200"/>
+        </a:p>
+      </dsp:txBody>
+      <dsp:txXfrm rot="19440000">
+        <a:off x="3332829" y="953980"/>
+        <a:ext cx="325689" cy="414474"/>
+      </dsp:txXfrm>
+    </dsp:sp>
+  </dsp:spTree>
+</dsp:drawing>
+</file>
+
+<file path=ppt/diagrams/layout1.xml><?xml version="1.0" encoding="utf-8"?>
+<dgm:layoutDef xmlns:dgm="http://schemas.openxmlformats.org/drawingml/2006/diagram" xmlns:a="http://schemas.openxmlformats.org/drawingml/2006/main" uniqueId="urn:microsoft.com/office/officeart/2005/8/layout/cycle2">
+  <dgm:title val=""/>
+  <dgm:desc val=""/>
+  <dgm:catLst>
+    <dgm:cat type="cycle" pri="1000"/>
+    <dgm:cat type="convert" pri="10000"/>
+  </dgm:catLst>
+  <dgm:sampData>
+    <dgm:dataModel>
+      <dgm:ptLst>
+        <dgm:pt modelId="0" type="doc"/>
+        <dgm:pt modelId="1">
+          <dgm:prSet phldr="1"/>
+        </dgm:pt>
+        <dgm:pt modelId="2">
+          <dgm:prSet phldr="1"/>
+        </dgm:pt>
+        <dgm:pt modelId="3">
+          <dgm:prSet phldr="1"/>
+        </dgm:pt>
+        <dgm:pt modelId="4">
+          <dgm:prSet phldr="1"/>
+        </dgm:pt>
+        <dgm:pt modelId="5">
+          <dgm:prSet phldr="1"/>
+        </dgm:pt>
+      </dgm:ptLst>
+      <dgm:cxnLst>
+        <dgm:cxn modelId="6" srcId="0" destId="1" srcOrd="0" destOrd="0"/>
+        <dgm:cxn modelId="7" srcId="0" destId="2" srcOrd="1" destOrd="0"/>
+        <dgm:cxn modelId="8" srcId="0" destId="3" srcOrd="2" destOrd="0"/>
+        <dgm:cxn modelId="9" srcId="0" destId="4" srcOrd="3" destOrd="0"/>
+        <dgm:cxn modelId="10" srcId="0" destId="5" srcOrd="4" destOrd="0"/>
+      </dgm:cxnLst>
+      <dgm:bg/>
+      <dgm:whole/>
+    </dgm:dataModel>
+  </dgm:sampData>
+  <dgm:styleData>
+    <dgm:dataModel>
+      <dgm:ptLst>
+        <dgm:pt modelId="0" type="doc"/>
+        <dgm:pt modelId="1"/>
+        <dgm:pt modelId="2"/>
+        <dgm:pt modelId="3"/>
+      </dgm:ptLst>
+      <dgm:cxnLst>
+        <dgm:cxn modelId="4" srcId="0" destId="1" srcOrd="0" destOrd="0"/>
+        <dgm:cxn modelId="5" srcId="0" destId="2" srcOrd="1" destOrd="0"/>
+        <dgm:cxn modelId="6" srcId="0" destId="3" srcOrd="2" destOrd="0"/>
+      </dgm:cxnLst>
+      <dgm:bg/>
+      <dgm:whole/>
+    </dgm:dataModel>
+  </dgm:styleData>
+  <dgm:clrData>
+    <dgm:dataModel>
+      <dgm:ptLst>
+        <dgm:pt modelId="0" type="doc"/>
+        <dgm:pt modelId="1"/>
+        <dgm:pt modelId="2"/>
+        <dgm:pt modelId="3"/>
+        <dgm:pt modelId="4"/>
+        <dgm:pt modelId="5"/>
+        <dgm:pt modelId="6"/>
+      </dgm:ptLst>
+      <dgm:cxnLst>
+        <dgm:cxn modelId="7" srcId="0" destId="1" srcOrd="0" destOrd="0"/>
+        <dgm:cxn modelId="8" srcId="0" destId="2" srcOrd="1" destOrd="0"/>
+        <dgm:cxn modelId="9" srcId="0" destId="3" srcOrd="2" destOrd="0"/>
+        <dgm:cxn modelId="10" srcId="0" destId="4" srcOrd="3" destOrd="0"/>
+        <dgm:cxn modelId="11" srcId="0" destId="5" srcOrd="4" destOrd="0"/>
+        <dgm:cxn modelId="12" srcId="0" destId="6" srcOrd="5" destOrd="0"/>
+      </dgm:cxnLst>
+      <dgm:bg/>
+      <dgm:whole/>
+    </dgm:dataModel>
+  </dgm:clrData>
+  <dgm:layoutNode name="cycle">
+    <dgm:varLst>
+      <dgm:dir/>
+      <dgm:resizeHandles val="exact"/>
+    </dgm:varLst>
+    <dgm:choose name="Name0">
+      <dgm:if name="Name1" func="var" arg="dir" op="equ" val="norm">
+        <dgm:choose name="Name2">
+          <dgm:if name="Name3" axis="ch" ptType="node" func="cnt" op="gt" val="2">
+            <dgm:alg type="cycle">
+              <dgm:param type="stAng" val="0"/>
+              <dgm:param type="spanAng" val="360"/>
+            </dgm:alg>
+          </dgm:if>
+          <dgm:else name="Name4">
+            <dgm:alg type="cycle">
+              <dgm:param type="stAng" val="-90"/>
+              <dgm:param type="spanAng" val="360"/>
+            </dgm:alg>
+          </dgm:else>
+        </dgm:choose>
+      </dgm:if>
+      <dgm:else name="Name5">
+        <dgm:choose name="Name6">
+          <dgm:if name="Name7" axis="ch" ptType="node" func="cnt" op="gt" val="2">
+            <dgm:alg type="cycle">
+              <dgm:param type="stAng" val="0"/>
+              <dgm:param type="spanAng" val="-360"/>
+            </dgm:alg>
+          </dgm:if>
+          <dgm:else name="Name8">
+            <dgm:alg type="cycle">
+              <dgm:param type="stAng" val="90"/>
+              <dgm:param type="spanAng" val="-360"/>
+            </dgm:alg>
+          </dgm:else>
+        </dgm:choose>
+      </dgm:else>
+    </dgm:choose>
+    <dgm:shape xmlns:r="http://schemas.openxmlformats.org/officeDocument/2006/relationships" r:blip="">
+      <dgm:adjLst/>
+    </dgm:shape>
+    <dgm:presOf/>
+    <dgm:constrLst>
+      <dgm:constr type="w" for="ch" ptType="node" refType="w"/>
+      <dgm:constr type="w" for="ch" ptType="sibTrans" refType="w" refFor="ch" refPtType="node" op="equ" fact="0.25"/>
+      <dgm:constr type="sibSp" refType="w" refFor="ch" refPtType="node" fact="0.5"/>
+      <dgm:constr type="primFontSz" for="ch" ptType="node" op="equ" val="65"/>
+      <dgm:constr type="primFontSz" for="des" forName="connectorText" op="equ" val="55"/>
+      <dgm:constr type="primFontSz" for="des" forName="connectorText" refType="primFontSz" refFor="ch" refPtType="node" op="lte" fact="0.8"/>
+    </dgm:constrLst>
+    <dgm:ruleLst/>
+    <dgm:forEach name="nodesForEach" axis="ch" ptType="node">
+      <dgm:layoutNode name="node">
+        <dgm:varLst>
+          <dgm:bulletEnabled val="1"/>
+        </dgm:varLst>
+        <dgm:alg type="tx">
+          <dgm:param type="txAnchorVertCh" val="mid"/>
+        </dgm:alg>
+        <dgm:shape xmlns:r="http://schemas.openxmlformats.org/officeDocument/2006/relationships" type="ellipse" r:blip="">
+          <dgm:adjLst/>
+        </dgm:shape>
+        <dgm:presOf axis="desOrSelf" ptType="node"/>
+        <dgm:constrLst>
+          <dgm:constr type="h" refType="w"/>
+          <dgm:constr type="lMarg" refType="primFontSz" fact="0.1"/>
+          <dgm:constr type="rMarg" refType="primFontSz" fact="0.1"/>
+          <dgm:constr type="tMarg" refType="primFontSz" fact="0.1"/>
+          <dgm:constr type="bMarg" refType="primFontSz" fact="0.1"/>
+        </dgm:constrLst>
+        <dgm:ruleLst>
+          <dgm:rule type="primFontSz" val="5" fact="NaN" max="NaN"/>
+        </dgm:ruleLst>
+      </dgm:layoutNode>
+      <dgm:choose name="Name9">
+        <dgm:if name="Name10" axis="par ch" ptType="doc node" func="cnt" op="gt" val="1">
+          <dgm:forEach name="sibTransForEach" axis="followSib" ptType="sibTrans" hideLastTrans="0" cnt="1">
+            <dgm:layoutNode name="sibTrans">
+              <dgm:choose name="Name11">
+                <dgm:if name="Name12" axis="par ch" ptType="doc node" func="cnt" op="lt" val="3">
+                  <dgm:alg type="conn">
+                    <dgm:param type="begPts" val="radial"/>
+                    <dgm:param type="endPts" val="radial"/>
+                  </dgm:alg>
+                </dgm:if>
+                <dgm:else name="Name13">
+                  <dgm:alg type="conn">
+                    <dgm:param type="begPts" val="auto"/>
+                    <dgm:param type="endPts" val="auto"/>
+                  </dgm:alg>
+                </dgm:else>
+              </dgm:choose>
+              <dgm:shape xmlns:r="http://schemas.openxmlformats.org/officeDocument/2006/relationships" type="conn" r:blip="">
+                <dgm:adjLst/>
+              </dgm:shape>
+              <dgm:presOf axis="self"/>
+              <dgm:constrLst>
+                <dgm:constr type="h" refType="w" fact="1.35"/>
+                <dgm:constr type="connDist"/>
+                <dgm:constr type="w" for="ch" refType="connDist" fact="0.45"/>
+                <dgm:constr type="h" for="ch" refType="h"/>
+              </dgm:constrLst>
+              <dgm:ruleLst/>
+              <dgm:layoutNode name="connectorText">
+                <dgm:alg type="tx">
+                  <dgm:param type="autoTxRot" val="grav"/>
+                </dgm:alg>
+                <dgm:shape xmlns:r="http://schemas.openxmlformats.org/officeDocument/2006/relationships" type="conn" r:blip="" hideGeom="1">
+                  <dgm:adjLst/>
+                </dgm:shape>
+                <dgm:presOf axis="self"/>
+                <dgm:constrLst>
+                  <dgm:constr type="lMarg"/>
+                  <dgm:constr type="rMarg"/>
+                  <dgm:constr type="tMarg"/>
+                  <dgm:constr type="bMarg"/>
+                </dgm:constrLst>
+                <dgm:ruleLst>
+                  <dgm:rule type="primFontSz" val="5" fact="NaN" max="NaN"/>
+                </dgm:ruleLst>
+              </dgm:layoutNode>
+            </dgm:layoutNode>
+          </dgm:forEach>
+        </dgm:if>
+        <dgm:else name="Name14"/>
+      </dgm:choose>
+    </dgm:forEach>
+  </dgm:layoutNode>
+</dgm:layoutDef>
+</file>
+
+<file path=ppt/diagrams/quickStyle1.xml><?xml version="1.0" encoding="utf-8"?>
+<dgm:styleDef xmlns:dgm="http://schemas.openxmlformats.org/drawingml/2006/diagram" xmlns:a="http://schemas.openxmlformats.org/drawingml/2006/main" uniqueId="urn:microsoft.com/office/officeart/2005/8/quickstyle/3d7">
+  <dgm:title val=""/>
+  <dgm:desc val=""/>
+  <dgm:catLst>
+    <dgm:cat type="3D" pri="11700"/>
+  </dgm:catLst>
+  <dgm:scene3d>
+    <a:camera prst="perspectiveLeft" zoom="91000"/>
+    <a:lightRig rig="threePt" dir="t">
+      <a:rot lat="0" lon="0" rev="20640000"/>
+    </a:lightRig>
+  </dgm:scene3d>
+  <dgm:styleLbl name="node0">
+    <dgm:scene3d>
+      <a:camera prst="orthographicFront"/>
+      <a:lightRig rig="threePt" dir="t"/>
+    </dgm:scene3d>
+    <dgm:sp3d extrusionH="50600" prstMaterial="plastic">
+      <a:bevelT w="101600" h="80600" prst="relaxedInset"/>
+      <a:bevelB w="80600" h="80600" prst="relaxedInset"/>
+    </dgm:sp3d>
+    <dgm:txPr/>
+    <dgm:style>
+      <a:lnRef idx="0">
+        <a:scrgbClr r="0" g="0" b="0"/>
+      </a:lnRef>
+      <a:fillRef idx="1">
+        <a:scrgbClr r="0" g="0" b="0"/>
+      </a:fillRef>
+      <a:effectRef idx="1">
+        <a:scrgbClr r="0" g="0" b="0"/>
+      </a:effectRef>
+      <a:fontRef idx="minor">
+        <a:schemeClr val="dk1"/>
+      </a:fontRef>
+    </dgm:style>
+  </dgm:styleLbl>
+  <dgm:styleLbl name="lnNode1">
+    <dgm:scene3d>
+      <a:camera prst="orthographicFront"/>
+      <a:lightRig rig="threePt" dir="t"/>
+    </dgm:scene3d>
+    <dgm:sp3d extrusionH="50600" prstMaterial="plastic">
+      <a:bevelT w="101600" h="80600" prst="relaxedInset"/>
+      <a:bevelB w="80600" h="80600" prst="relaxedInset"/>
+    </dgm:sp3d>
+    <dgm:txPr/>
+    <dgm:style>
+      <a:lnRef idx="0">
+        <a:scrgbClr r="0" g="0" b="0"/>
+      </a:lnRef>
+      <a:fillRef idx="1">
+        <a:scrgbClr r="0" g="0" b="0"/>
+      </a:fillRef>
+      <a:effectRef idx="1">
+        <a:scrgbClr r="0" g="0" b="0"/>
+      </a:effectRef>
+      <a:fontRef idx="minor">
+        <a:schemeClr val="dk1"/>
+      </a:fontRef>
+    </dgm:style>
+  </dgm:styleLbl>
+  <dgm:styleLbl name="vennNode1">
+    <dgm:scene3d>
+      <a:camera prst="orthographicFront"/>
+      <a:lightRig rig="threePt" dir="t"/>
+    </dgm:scene3d>
+    <dgm:sp3d extrusionH="50600" prstMaterial="clear">
+      <a:bevelT w="101600" h="80600" prst="relaxedInset"/>
+      <a:bevelB w="80600" h="80600" prst="relaxedInset"/>
+    </dgm:sp3d>
+    <dgm:txPr/>
+    <dgm:style>
+      <a:lnRef idx="0">
+        <a:scrgbClr r="0" g="0" b="0"/>
+      </a:lnRef>
+      <a:fillRef idx="1">
+        <a:scrgbClr r="0" g="0" b="0"/>
+      </a:fillRef>
+      <a:effectRef idx="0">
+        <a:scrgbClr r="0" g="0" b="0"/>
+      </a:effectRef>
+      <a:fontRef idx="minor">
+        <a:schemeClr val="tx1"/>
+      </a:fontRef>
+    </dgm:style>
+  </dgm:styleLbl>
+  <dgm:styleLbl name="alignNode1">
+    <dgm:scene3d>
+      <a:camera prst="orthographicFront"/>
+      <a:lightRig rig="threePt" dir="t"/>
+    </dgm:scene3d>
+    <dgm:sp3d extrusionH="50600" prstMaterial="metal">
+      <a:bevelT w="101600" h="80600" prst="relaxedInset"/>
+      <a:bevelB w="80600" h="80600" prst="relaxedInset"/>
+    </dgm:sp3d>
+    <dgm:txPr/>
+    <dgm:style>
+      <a:lnRef idx="1">
+        <a:scrgbClr r="0" g="0" b="0"/>
+      </a:lnRef>
+      <a:fillRef idx="1">
+        <a:scrgbClr r="0" g="0" b="0"/>
+      </a:fillRef>
+      <a:effectRef idx="1">
+        <a:scrgbClr r="0" g="0" b="0"/>
+      </a:effectRef>
+      <a:fontRef idx="minor">
+        <a:schemeClr val="dk1"/>
+      </a:fontRef>
+    </dgm:style>
+  </dgm:styleLbl>
+  <dgm:styleLbl name="node1">
+    <dgm:scene3d>
+      <a:camera prst="orthographicFront"/>
+      <a:lightRig rig="threePt" dir="t"/>
+    </dgm:scene3d>
+    <dgm:sp3d extrusionH="50600" prstMaterial="metal">
+      <a:bevelT w="101600" h="80600" prst="relaxedInset"/>
+      <a:bevelB w="80600" h="80600" prst="relaxedInset"/>
+    </dgm:sp3d>
+    <dgm:txPr/>
+    <dgm:style>
+      <a:lnRef idx="0">
+        <a:scrgbClr r="0" g="0" b="0"/>
+      </a:lnRef>
+      <a:fillRef idx="1">
+        <a:scrgbClr r="0" g="0" b="0"/>
+      </a:fillRef>
+      <a:effectRef idx="1">
+        <a:scrgbClr r="0" g="0" b="0"/>
+      </a:effectRef>
+      <a:fontRef idx="minor">
+        <a:schemeClr val="dk1"/>
+      </a:fontRef>
+    </dgm:style>
+  </dgm:styleLbl>
+  <dgm:styleLbl name="node2">
+    <dgm:scene3d>
+      <a:camera prst="orthographicFront"/>
+      <a:lightRig rig="threePt" dir="t"/>
+    </dgm:scene3d>
+    <dgm:sp3d extrusionH="50600" prstMaterial="plastic">
+      <a:bevelT w="101600" h="80600" prst="relaxedInset"/>
+      <a:bevelB w="80600" h="80600" prst="relaxedInset"/>
+    </dgm:sp3d>
+    <dgm:txPr/>
+    <dgm:style>
+      <a:lnRef idx="0">
+        <a:scrgbClr r="0" g="0" b="0"/>
+      </a:lnRef>
+      <a:fillRef idx="1">
+        <a:scrgbClr r="0" g="0" b="0"/>
+      </a:fillRef>
+      <a:effectRef idx="1">
+        <a:scrgbClr r="0" g="0" b="0"/>
+      </a:effectRef>
+      <a:fontRef idx="minor">
+        <a:schemeClr val="dk1"/>
+      </a:fontRef>
+    </dgm:style>
+  </dgm:styleLbl>
+  <dgm:styleLbl name="node3">
+    <dgm:scene3d>
+      <a:camera prst="orthographicFront"/>
+      <a:lightRig rig="threePt" dir="t"/>
+    </dgm:scene3d>
+    <dgm:sp3d extrusionH="50600" prstMaterial="plastic">
+      <a:bevelT w="101600" h="80600" prst="relaxedInset"/>
+      <a:bevelB w="80600" h="80600" prst="relaxedInset"/>
+    </dgm:sp3d>
+    <dgm:txPr/>
+    <dgm:style>
+      <a:lnRef idx="0">
+        <a:scrgbClr r="0" g="0" b="0"/>
+      </a:lnRef>
+      <a:fillRef idx="1">
+        <a:scrgbClr r="0" g="0" b="0"/>
+      </a:fillRef>
+      <a:effectRef idx="1">
+        <a:scrgbClr r="0" g="0" b="0"/>
+      </a:effectRef>
+      <a:fontRef idx="minor">
+        <a:schemeClr val="dk1"/>
+      </a:fontRef>
+    </dgm:style>
+  </dgm:styleLbl>
+  <dgm:styleLbl name="node4">
+    <dgm:scene3d>
+      <a:camera prst="orthographicFront"/>
+      <a:lightRig rig="threePt" dir="t"/>
+    </dgm:scene3d>
+    <dgm:sp3d extrusionH="50600" prstMaterial="plastic">
+      <a:bevelT w="101600" h="80600" prst="relaxedInset"/>
+      <a:bevelB w="80600" h="80600" prst="relaxedInset"/>
+    </dgm:sp3d>
+    <dgm:txPr/>
+    <dgm:style>
+      <a:lnRef idx="0">
+        <a:scrgbClr r="0" g="0" b="0"/>
+      </a:lnRef>
+      <a:fillRef idx="1">
+        <a:scrgbClr r="0" g="0" b="0"/>
+      </a:fillRef>
+      <a:effectRef idx="1">
+        <a:scrgbClr r="0" g="0" b="0"/>
+      </a:effectRef>
+      <a:fontRef idx="minor">
+        <a:schemeClr val="dk1"/>
+      </a:fontRef>
+    </dgm:style>
+  </dgm:styleLbl>
+  <dgm:styleLbl name="fgImgPlace1">
+    <dgm:scene3d>
+      <a:camera prst="orthographicFront"/>
+      <a:lightRig rig="threePt" dir="t"/>
+    </dgm:scene3d>
+    <dgm:sp3d z="57200" extrusionH="10600" prstMaterial="plastic">
+      <a:bevelT w="101600" h="8600" prst="relaxedInset"/>
+      <a:bevelB w="8600" h="8600" prst="relaxedInset"/>
+    </dgm:sp3d>
+    <dgm:txPr/>
+    <dgm:style>
+      <a:lnRef idx="0">
+        <a:scrgbClr r="0" g="0" b="0"/>
+      </a:lnRef>
+      <a:fillRef idx="1">
+        <a:scrgbClr r="0" g="0" b="0"/>
+      </a:fillRef>
+      <a:effectRef idx="1">
+        <a:scrgbClr r="0" g="0" b="0"/>
+      </a:effectRef>
+      <a:fontRef idx="minor"/>
+    </dgm:style>
+  </dgm:styleLbl>
+  <dgm:styleLbl name="alignImgPlace1">
+    <dgm:scene3d>
+      <a:camera prst="orthographicFront"/>
+      <a:lightRig rig="threePt" dir="t"/>
+    </dgm:scene3d>
+    <dgm:sp3d extrusionH="50600" prstMaterial="plastic">
+      <a:bevelT w="101600" h="80600" prst="relaxedInset"/>
+      <a:bevelB w="80600" h="80600" prst="relaxedInset"/>
+    </dgm:sp3d>
+    <dgm:txPr/>
+    <dgm:style>
+      <a:lnRef idx="0">
+        <a:scrgbClr r="0" g="0" b="0"/>
+      </a:lnRef>
+      <a:fillRef idx="1">
+        <a:scrgbClr r="0" g="0" b="0"/>
+      </a:fillRef>
+      <a:effectRef idx="1">
+        <a:scrgbClr r="0" g="0" b="0"/>
+      </a:effectRef>
+      <a:fontRef idx="minor"/>
+    </dgm:style>
+  </dgm:styleLbl>
+  <dgm:styleLbl name="bgImgPlace1">
+    <dgm:scene3d>
+      <a:camera prst="orthographicFront"/>
+      <a:lightRig rig="threePt" dir="t"/>
+    </dgm:scene3d>
+    <dgm:sp3d z="-211800" extrusionH="10600" prstMaterial="plastic">
+      <a:bevelT w="101600" h="8600" prst="relaxedInset"/>
+      <a:bevelB w="8600" h="8600" prst="relaxedInset"/>
+    </dgm:sp3d>
+    <dgm:txPr/>
+    <dgm:style>
+      <a:lnRef idx="0">
+        <a:scrgbClr r="0" g="0" b="0"/>
+      </a:lnRef>
+      <a:fillRef idx="1">
+        <a:scrgbClr r="0" g="0" b="0"/>
+      </a:fillRef>
+      <a:effectRef idx="1">
+        <a:scrgbClr r="0" g="0" b="0"/>
+      </a:effectRef>
+      <a:fontRef idx="minor"/>
+    </dgm:style>
+  </dgm:styleLbl>
+  <dgm:styleLbl name="sibTrans2D1">
+    <dgm:scene3d>
+      <a:camera prst="orthographicFront"/>
+      <a:lightRig rig="threePt" dir="t"/>
+    </dgm:scene3d>
+    <dgm:sp3d z="-110000">
+      <a:bevelT w="40600" h="20600" prst="relaxedInset"/>
+    </dgm:sp3d>
+    <dgm:txPr/>
+    <dgm:style>
+      <a:lnRef idx="0">
+        <a:scrgbClr r="0" g="0" b="0"/>
+      </a:lnRef>
+      <a:fillRef idx="1">
+        <a:scrgbClr r="0" g="0" b="0"/>
+      </a:fillRef>
+      <a:effectRef idx="2">
+        <a:scrgbClr r="0" g="0" b="0"/>
+      </a:effectRef>
+      <a:fontRef idx="minor"/>
+    </dgm:style>
+  </dgm:styleLbl>
+  <dgm:styleLbl name="fgSibTrans2D1">
+    <dgm:scene3d>
+      <a:camera prst="orthographicFront"/>
+      <a:lightRig rig="threePt" dir="t"/>
+    </dgm:scene3d>
+    <dgm:sp3d z="10600">
+      <a:bevelT w="40600" h="20600" prst="relaxedInset"/>
+    </dgm:sp3d>
+    <dgm:txPr/>
+    <dgm:style>
+      <a:lnRef idx="0">
+        <a:scrgbClr r="0" g="0" b="0"/>
+      </a:lnRef>
+      <a:fillRef idx="1">
+        <a:scrgbClr r="0" g="0" b="0"/>
+      </a:fillRef>
+      <a:effectRef idx="2">
+        <a:scrgbClr r="0" g="0" b="0"/>
+      </a:effectRef>
+      <a:fontRef idx="minor"/>
+    </dgm:style>
+  </dgm:styleLbl>
+  <dgm:styleLbl name="bgSibTrans2D1">
+    <dgm:scene3d>
+      <a:camera prst="orthographicFront"/>
+      <a:lightRig rig="threePt" dir="t"/>
+    </dgm:scene3d>
+    <dgm:sp3d z="-211800">
+      <a:bevelT w="40600" h="20600" prst="relaxedInset"/>
+    </dgm:sp3d>
+    <dgm:txPr/>
+    <dgm:style>
+      <a:lnRef idx="0">
+        <a:scrgbClr r="0" g="0" b="0"/>
+      </a:lnRef>
+      <a:fillRef idx="1">
+        <a:scrgbClr r="0" g="0" b="0"/>
+      </a:fillRef>
+      <a:effectRef idx="2">
+        <a:scrgbClr r="0" g="0" b="0"/>
+      </a:effectRef>
+      <a:fontRef idx="minor"/>
+    </dgm:style>
+  </dgm:styleLbl>
+  <dgm:styleLbl name="sibTrans1D1">
+    <dgm:scene3d>
+      <a:camera prst="orthographicFront"/>
+      <a:lightRig rig="threePt" dir="t"/>
+    </dgm:scene3d>
+    <dgm:sp3d z="-110000"/>
+    <dgm:txPr/>
+    <dgm:style>
+      <a:lnRef idx="1">
+        <a:scrgbClr r="0" g="0" b="0"/>
+      </a:lnRef>
+      <a:fillRef idx="0">
+        <a:scrgbClr r="0" g="0" b="0"/>
+      </a:fillRef>
+      <a:effectRef idx="0">
+        <a:scrgbClr r="0" g="0" b="0"/>
+      </a:effectRef>
+      <a:fontRef idx="minor"/>
+    </dgm:style>
+  </dgm:styleLbl>
+  <dgm:styleLbl name="callout">
+    <dgm:scene3d>
+      <a:camera prst="orthographicFront"/>
+      <a:lightRig rig="threePt" dir="t"/>
+    </dgm:scene3d>
+    <dgm:sp3d z="10000"/>
+    <dgm:txPr/>
+    <dgm:style>
+      <a:lnRef idx="1">
+        <a:scrgbClr r="0" g="0" b="0"/>
+      </a:lnRef>
+      <a:fillRef idx="1">
+        <a:scrgbClr r="0" g="0" b="0"/>
+      </a:fillRef>
+      <a:effectRef idx="0">
+        <a:scrgbClr r="0" g="0" b="0"/>
+      </a:effectRef>
+      <a:fontRef idx="minor"/>
+    </dgm:style>
+  </dgm:styleLbl>
+  <dgm:styleLbl name="asst0">
+    <dgm:scene3d>
+      <a:camera prst="orthographicFront"/>
+      <a:lightRig rig="threePt" dir="t"/>
+    </dgm:scene3d>
+    <dgm:sp3d extrusionH="50600" prstMaterial="plastic">
+      <a:bevelT w="101600" h="80600" prst="relaxedInset"/>
+      <a:bevelB w="80600" h="80600" prst="relaxedInset"/>
+    </dgm:sp3d>
+    <dgm:txPr/>
+    <dgm:style>
+      <a:lnRef idx="0">
+        <a:scrgbClr r="0" g="0" b="0"/>
+      </a:lnRef>
+      <a:fillRef idx="1">
+        <a:scrgbClr r="0" g="0" b="0"/>
+      </a:fillRef>
+      <a:effectRef idx="1">
+        <a:scrgbClr r="0" g="0" b="0"/>
+      </a:effectRef>
+      <a:fontRef idx="minor">
+        <a:schemeClr val="dk1"/>
+      </a:fontRef>
+    </dgm:style>
+  </dgm:styleLbl>
+  <dgm:styleLbl name="asst1">
+    <dgm:scene3d>
+      <a:camera prst="orthographicFront"/>
+      <a:lightRig rig="threePt" dir="t"/>
+    </dgm:scene3d>
+    <dgm:sp3d extrusionH="50600" prstMaterial="plastic">
+      <a:bevelT w="101600" h="80600" prst="relaxedInset"/>
+      <a:bevelB w="80600" h="80600" prst="relaxedInset"/>
+    </dgm:sp3d>
+    <dgm:txPr/>
+    <dgm:style>
+      <a:lnRef idx="0">
+        <a:scrgbClr r="0" g="0" b="0"/>
+      </a:lnRef>
+      <a:fillRef idx="1">
+        <a:scrgbClr r="0" g="0" b="0"/>
+      </a:fillRef>
+      <a:effectRef idx="1">
+        <a:scrgbClr r="0" g="0" b="0"/>
+      </a:effectRef>
+      <a:fontRef idx="minor">
+        <a:schemeClr val="dk1"/>
+      </a:fontRef>
+    </dgm:style>
+  </dgm:styleLbl>
+  <dgm:styleLbl name="asst2">
+    <dgm:scene3d>
+      <a:camera prst="orthographicFront"/>
+      <a:lightRig rig="threePt" dir="t"/>
+    </dgm:scene3d>
+    <dgm:sp3d extrusionH="50600" prstMaterial="plastic">
+      <a:bevelT w="101600" h="80600" prst="relaxedInset"/>
+      <a:bevelB w="80600" h="80600" prst="relaxedInset"/>
+    </dgm:sp3d>
+    <dgm:txPr/>
+    <dgm:style>
+      <a:lnRef idx="0">
+        <a:scrgbClr r="0" g="0" b="0"/>
+      </a:lnRef>
+      <a:fillRef idx="1">
+        <a:scrgbClr r="0" g="0" b="0"/>
+      </a:fillRef>
+      <a:effectRef idx="1">
+        <a:scrgbClr r="0" g="0" b="0"/>
+      </a:effectRef>
+      <a:fontRef idx="minor">
+        <a:schemeClr val="dk1"/>
+      </a:fontRef>
+    </dgm:style>
+  </dgm:styleLbl>
+  <dgm:styleLbl name="asst3">
+    <dgm:scene3d>
+      <a:camera prst="orthographicFront"/>
+      <a:lightRig rig="threePt" dir="t"/>
+    </dgm:scene3d>
+    <dgm:sp3d extrusionH="50600" prstMaterial="plastic">
+      <a:bevelT w="101600" h="80600" prst="relaxedInset"/>
+      <a:bevelB w="80600" h="80600" prst="relaxedInset"/>
+    </dgm:sp3d>
+    <dgm:txPr/>
+    <dgm:style>
+      <a:lnRef idx="0">
+        <a:scrgbClr r="0" g="0" b="0"/>
+      </a:lnRef>
+      <a:fillRef idx="1">
+        <a:scrgbClr r="0" g="0" b="0"/>
+      </a:fillRef>
+      <a:effectRef idx="1">
+        <a:scrgbClr r="0" g="0" b="0"/>
+      </a:effectRef>
+      <a:fontRef idx="minor">
+        <a:schemeClr val="dk1"/>
+      </a:fontRef>
+    </dgm:style>
+  </dgm:styleLbl>
+  <dgm:styleLbl name="asst4">
+    <dgm:scene3d>
+      <a:camera prst="orthographicFront"/>
+      <a:lightRig rig="threePt" dir="t"/>
+    </dgm:scene3d>
+    <dgm:sp3d extrusionH="50600" prstMaterial="plastic">
+      <a:bevelT w="101600" h="80600" prst="relaxedInset"/>
+      <a:bevelB w="80600" h="80600" prst="relaxedInset"/>
+    </dgm:sp3d>
+    <dgm:txPr/>
+    <dgm:style>
+      <a:lnRef idx="0">
+        <a:scrgbClr r="0" g="0" b="0"/>
+      </a:lnRef>
+      <a:fillRef idx="1">
+        <a:scrgbClr r="0" g="0" b="0"/>
+      </a:fillRef>
+      <a:effectRef idx="1">
+        <a:scrgbClr r="0" g="0" b="0"/>
+      </a:effectRef>
+      <a:fontRef idx="minor">
+        <a:schemeClr val="dk1"/>
+      </a:fontRef>
+    </dgm:style>
+  </dgm:styleLbl>
+  <dgm:styleLbl name="parChTrans2D1">
+    <dgm:scene3d>
+      <a:camera prst="orthographicFront"/>
+      <a:lightRig rig="threePt" dir="t"/>
+    </dgm:scene3d>
+    <dgm:sp3d z="-110000">
+      <a:bevelT w="40600" h="20600" prst="relaxedInset"/>
+    </dgm:sp3d>
+    <dgm:txPr/>
+    <dgm:style>
+      <a:lnRef idx="0">
+        <a:scrgbClr r="0" g="0" b="0"/>
+      </a:lnRef>
+      <a:fillRef idx="1">
+        <a:scrgbClr r="0" g="0" b="0"/>
+      </a:fillRef>
+      <a:effectRef idx="0">
+        <a:scrgbClr r="0" g="0" b="0"/>
+      </a:effectRef>
+      <a:fontRef idx="minor"/>
+    </dgm:style>
+  </dgm:styleLbl>
+  <dgm:styleLbl name="parChTrans2D2">
+    <dgm:scene3d>
+      <a:camera prst="orthographicFront"/>
+      <a:lightRig rig="threePt" dir="t"/>
+    </dgm:scene3d>
+    <dgm:sp3d z="-110000">
+      <a:bevelT w="40600" h="20600" prst="relaxedInset"/>
+    </dgm:sp3d>
+    <dgm:txPr/>
+    <dgm:style>
+      <a:lnRef idx="0">
+        <a:scrgbClr r="0" g="0" b="0"/>
+      </a:lnRef>
+      <a:fillRef idx="1">
+        <a:scrgbClr r="0" g="0" b="0"/>
+      </a:fillRef>
+      <a:effectRef idx="0">
+        <a:scrgbClr r="0" g="0" b="0"/>
+      </a:effectRef>
+      <a:fontRef idx="minor"/>
+    </dgm:style>
+  </dgm:styleLbl>
+  <dgm:styleLbl name="parChTrans2D3">
+    <dgm:scene3d>
+      <a:camera prst="orthographicFront"/>
+      <a:lightRig rig="threePt" dir="t"/>
+    </dgm:scene3d>
+    <dgm:sp3d z="-110000"/>
+    <dgm:txPr/>
+    <dgm:style>
+      <a:lnRef idx="0">
+        <a:scrgbClr r="0" g="0" b="0"/>
+      </a:lnRef>
+      <a:fillRef idx="1">
+        <a:scrgbClr r="0" g="0" b="0"/>
+      </a:fillRef>
+      <a:effectRef idx="0">
+        <a:scrgbClr r="0" g="0" b="0"/>
+      </a:effectRef>
+      <a:fontRef idx="minor"/>
+    </dgm:style>
+  </dgm:styleLbl>
+  <dgm:styleLbl name="parChTrans2D4">
+    <dgm:scene3d>
+      <a:camera prst="orthographicFront"/>
+      <a:lightRig rig="threePt" dir="t"/>
+    </dgm:scene3d>
+    <dgm:sp3d z="-110000"/>
+    <dgm:txPr/>
+    <dgm:style>
+      <a:lnRef idx="0">
+        <a:scrgbClr r="0" g="0" b="0"/>
+      </a:lnRef>
+      <a:fillRef idx="1">
+        <a:scrgbClr r="0" g="0" b="0"/>
+      </a:fillRef>
+      <a:effectRef idx="0">
+        <a:scrgbClr r="0" g="0" b="0"/>
+      </a:effectRef>
+      <a:fontRef idx="minor"/>
+    </dgm:style>
+  </dgm:styleLbl>
+  <dgm:styleLbl name="parChTrans1D1">
+    <dgm:scene3d>
+      <a:camera prst="orthographicFront"/>
+      <a:lightRig rig="threePt" dir="t"/>
+    </dgm:scene3d>
+    <dgm:sp3d z="-110000"/>
+    <dgm:txPr/>
+    <dgm:style>
+      <a:lnRef idx="2">
+        <a:scrgbClr r="0" g="0" b="0"/>
+      </a:lnRef>
+      <a:fillRef idx="0">
+        <a:scrgbClr r="0" g="0" b="0"/>
+      </a:fillRef>
+      <a:effectRef idx="0">
+        <a:scrgbClr r="0" g="0" b="0"/>
+      </a:effectRef>
+      <a:fontRef idx="minor"/>
+    </dgm:style>
+  </dgm:styleLbl>
+  <dgm:styleLbl name="parChTrans1D2">
+    <dgm:scene3d>
+      <a:camera prst="orthographicFront"/>
+      <a:lightRig rig="threePt" dir="t"/>
+    </dgm:scene3d>
+    <dgm:sp3d z="-110000"/>
+    <dgm:txPr/>
+    <dgm:style>
+      <a:lnRef idx="2">
+        <a:scrgbClr r="0" g="0" b="0"/>
+      </a:lnRef>
+      <a:fillRef idx="0">
+        <a:scrgbClr r="0" g="0" b="0"/>
+      </a:fillRef>
+      <a:effectRef idx="0">
+        <a:scrgbClr r="0" g="0" b="0"/>
+      </a:effectRef>
+      <a:fontRef idx="minor"/>
+    </dgm:style>
+  </dgm:styleLbl>
+  <dgm:styleLbl name="parChTrans1D3">
+    <dgm:scene3d>
+      <a:camera prst="orthographicFront"/>
+      <a:lightRig rig="threePt" dir="t"/>
+    </dgm:scene3d>
+    <dgm:sp3d z="-110000"/>
+    <dgm:txPr/>
+    <dgm:style>
+      <a:lnRef idx="2">
+        <a:scrgbClr r="0" g="0" b="0"/>
+      </a:lnRef>
+      <a:fillRef idx="0">
+        <a:scrgbClr r="0" g="0" b="0"/>
+      </a:fillRef>
+      <a:effectRef idx="0">
+        <a:scrgbClr r="0" g="0" b="0"/>
+      </a:effectRef>
+      <a:fontRef idx="minor"/>
+    </dgm:style>
+  </dgm:styleLbl>
+  <dgm:styleLbl name="parChTrans1D4">
+    <dgm:scene3d>
+      <a:camera prst="orthographicFront"/>
+      <a:lightRig rig="threePt" dir="t"/>
+    </dgm:scene3d>
+    <dgm:sp3d z="-110000"/>
+    <dgm:txPr/>
+    <dgm:style>
+      <a:lnRef idx="2">
+        <a:scrgbClr r="0" g="0" b="0"/>
+      </a:lnRef>
+      <a:fillRef idx="0">
+        <a:scrgbClr r="0" g="0" b="0"/>
+      </a:fillRef>
+      <a:effectRef idx="0">
+        <a:scrgbClr r="0" g="0" b="0"/>
+      </a:effectRef>
+      <a:fontRef idx="minor"/>
+    </dgm:style>
+  </dgm:styleLbl>
+  <dgm:styleLbl name="fgAcc1">
+    <dgm:scene3d>
+      <a:camera prst="orthographicFront"/>
+      <a:lightRig rig="threePt" dir="t"/>
+    </dgm:scene3d>
+    <dgm:sp3d z="57200" extrusionH="600" contourW="3000">
+      <a:bevelT w="48600" h="18600" prst="relaxedInset"/>
+      <a:bevelB w="48600" h="8600" prst="relaxedInset"/>
+    </dgm:sp3d>
+    <dgm:txPr/>
+    <dgm:style>
+      <a:lnRef idx="1">
+        <a:scrgbClr r="0" g="0" b="0"/>
+      </a:lnRef>
+      <a:fillRef idx="1">
+        <a:scrgbClr r="0" g="0" b="0"/>
+      </a:fillRef>
+      <a:effectRef idx="0">
+        <a:scrgbClr r="0" g="0" b="0"/>
+      </a:effectRef>
+      <a:fontRef idx="minor"/>
+    </dgm:style>
+  </dgm:styleLbl>
+  <dgm:styleLbl name="conFgAcc1">
+    <dgm:scene3d>
+      <a:camera prst="orthographicFront"/>
+      <a:lightRig rig="threePt" dir="t"/>
+    </dgm:scene3d>
+    <dgm:sp3d z="-161800" extrusionH="10600" prstMaterial="matte">
+      <a:bevelT w="90600" h="18600" prst="softRound"/>
+      <a:bevelB w="48600" h="8600" prst="relaxedInset"/>
+    </dgm:sp3d>
+    <dgm:txPr/>
+    <dgm:style>
+      <a:lnRef idx="1">
+        <a:scrgbClr r="0" g="0" b="0"/>
+      </a:lnRef>
+      <a:fillRef idx="1">
+        <a:scrgbClr r="0" g="0" b="0"/>
+      </a:fillRef>
+      <a:effectRef idx="0">
+        <a:scrgbClr r="0" g="0" b="0"/>
+      </a:effectRef>
+      <a:fontRef idx="minor"/>
+    </dgm:style>
+  </dgm:styleLbl>
+  <dgm:styleLbl name="alignAcc1">
+    <dgm:scene3d>
+      <a:camera prst="orthographicFront"/>
+      <a:lightRig rig="threePt" dir="t"/>
+    </dgm:scene3d>
+    <dgm:sp3d extrusionH="50600">
+      <a:bevelT w="101600" h="80600"/>
+      <a:bevelB w="80600" h="80600"/>
+    </dgm:sp3d>
+    <dgm:txPr/>
+    <dgm:style>
+      <a:lnRef idx="1">
+        <a:scrgbClr r="0" g="0" b="0"/>
+      </a:lnRef>
+      <a:fillRef idx="1">
+        <a:scrgbClr r="0" g="0" b="0"/>
+      </a:fillRef>
+      <a:effectRef idx="0">
+        <a:scrgbClr r="0" g="0" b="0"/>
+      </a:effectRef>
+      <a:fontRef idx="minor"/>
+    </dgm:style>
+  </dgm:styleLbl>
+  <dgm:styleLbl name="trAlignAcc1">
+    <dgm:scene3d>
+      <a:camera prst="orthographicFront"/>
+      <a:lightRig rig="threePt" dir="t"/>
+    </dgm:scene3d>
+    <dgm:sp3d extrusionH="50600">
+      <a:bevelT w="101600" h="80600"/>
+    </dgm:sp3d>
+    <dgm:txPr/>
+    <dgm:style>
+      <a:lnRef idx="1">
+        <a:scrgbClr r="0" g="0" b="0"/>
+      </a:lnRef>
+      <a:fillRef idx="1">
+        <a:scrgbClr r="0" g="0" b="0"/>
+      </a:fillRef>
+      <a:effectRef idx="0">
+        <a:scrgbClr r="0" g="0" b="0"/>
+      </a:effectRef>
+      <a:fontRef idx="minor"/>
+    </dgm:style>
+  </dgm:styleLbl>
+  <dgm:styleLbl name="bgAcc1">
+    <dgm:scene3d>
+      <a:camera prst="orthographicFront"/>
+      <a:lightRig rig="threePt" dir="t"/>
+    </dgm:scene3d>
+    <dgm:sp3d z="-161800" extrusionH="10600" prstMaterial="matte">
+      <a:bevelT w="90600" h="18600" prst="softRound"/>
+      <a:bevelB w="48600" h="8600" prst="relaxedInset"/>
+    </dgm:sp3d>
+    <dgm:txPr/>
+    <dgm:style>
+      <a:lnRef idx="1">
+        <a:scrgbClr r="0" g="0" b="0"/>
+      </a:lnRef>
+      <a:fillRef idx="1">
+        <a:scrgbClr r="0" g="0" b="0"/>
+      </a:fillRef>
+      <a:effectRef idx="0">
+        <a:scrgbClr r="0" g="0" b="0"/>
+      </a:effectRef>
+      <a:fontRef idx="minor"/>
+    </dgm:style>
+  </dgm:styleLbl>
+  <dgm:styleLbl name="solidFgAcc1">
+    <dgm:scene3d>
+      <a:camera prst="orthographicFront"/>
+      <a:lightRig rig="threePt" dir="t"/>
+    </dgm:scene3d>
+    <dgm:sp3d z="57200" extrusionH="600" contourW="3000">
+      <a:bevelT w="48600" h="18600" prst="relaxedInset"/>
+      <a:bevelB w="48600" h="8600" prst="relaxedInset"/>
+    </dgm:sp3d>
+    <dgm:txPr/>
+    <dgm:style>
+      <a:lnRef idx="0">
+        <a:scrgbClr r="0" g="0" b="0"/>
+      </a:lnRef>
+      <a:fillRef idx="1">
+        <a:scrgbClr r="0" g="0" b="0"/>
+      </a:fillRef>
+      <a:effectRef idx="0">
+        <a:scrgbClr r="0" g="0" b="0"/>
+      </a:effectRef>
+      <a:fontRef idx="minor"/>
+    </dgm:style>
+  </dgm:styleLbl>
+  <dgm:styleLbl name="solidAlignAcc1">
+    <dgm:scene3d>
+      <a:camera prst="orthographicFront"/>
+      <a:lightRig rig="threePt" dir="t"/>
+    </dgm:scene3d>
+    <dgm:sp3d extrusionH="50600" contourW="3000">
+      <a:bevelT w="101600" h="80600" prst="relaxedInset"/>
+      <a:bevelB w="80600" h="80600" prst="relaxedInset"/>
+    </dgm:sp3d>
+    <dgm:txPr/>
+    <dgm:style>
+      <a:lnRef idx="0">
+        <a:scrgbClr r="0" g="0" b="0"/>
+      </a:lnRef>
+      <a:fillRef idx="1">
+        <a:scrgbClr r="0" g="0" b="0"/>
+      </a:fillRef>
+      <a:effectRef idx="0">
+        <a:scrgbClr r="0" g="0" b="0"/>
+      </a:effectRef>
+      <a:fontRef idx="minor"/>
+    </dgm:style>
+  </dgm:styleLbl>
+  <dgm:styleLbl name="solidBgAcc1">
+    <dgm:scene3d>
+      <a:camera prst="orthographicFront"/>
+      <a:lightRig rig="threePt" dir="t"/>
+    </dgm:scene3d>
+    <dgm:sp3d z="-161800" extrusionH="10600" contourW="3000">
+      <a:bevelT w="48600" h="8600" prst="softRound"/>
+      <a:bevelB w="48600" h="8600" prst="relaxedInset"/>
+    </dgm:sp3d>
+    <dgm:txPr/>
+    <dgm:style>
+      <a:lnRef idx="0">
+        <a:scrgbClr r="0" g="0" b="0"/>
+      </a:lnRef>
+      <a:fillRef idx="1">
+        <a:scrgbClr r="0" g="0" b="0"/>
+      </a:fillRef>
+      <a:effectRef idx="0">
+        <a:scrgbClr r="0" g="0" b="0"/>
+      </a:effectRef>
+      <a:fontRef idx="minor"/>
+    </dgm:style>
+  </dgm:styleLbl>
+  <dgm:styleLbl name="fgAccFollowNode1">
+    <dgm:scene3d>
+      <a:camera prst="orthographicFront"/>
+      <a:lightRig rig="threePt" dir="t"/>
+    </dgm:scene3d>
+    <dgm:sp3d z="57200" extrusionH="600" contourW="3000">
+      <a:bevelT w="48600" h="18600" prst="relaxedInset"/>
+      <a:bevelB w="48600" h="8600" prst="relaxedInset"/>
+    </dgm:sp3d>
+    <dgm:txPr/>
+    <dgm:style>
+      <a:lnRef idx="0">
+        <a:scrgbClr r="0" g="0" b="0"/>
+      </a:lnRef>
+      <a:fillRef idx="1">
+        <a:scrgbClr r="0" g="0" b="0"/>
+      </a:fillRef>
+      <a:effectRef idx="0">
+        <a:scrgbClr r="0" g="0" b="0"/>
+      </a:effectRef>
+      <a:fontRef idx="minor"/>
+    </dgm:style>
+  </dgm:styleLbl>
+  <dgm:styleLbl name="alignAccFollowNode1">
+    <dgm:scene3d>
+      <a:camera prst="orthographicFront"/>
+      <a:lightRig rig="threePt" dir="t"/>
+    </dgm:scene3d>
+    <dgm:sp3d extrusionH="50600" contourW="3000">
+      <a:bevelT w="101600" h="80600" prst="relaxedInset"/>
+      <a:bevelB w="80600" h="80600" prst="relaxedInset"/>
+    </dgm:sp3d>
+    <dgm:txPr/>
+    <dgm:style>
+      <a:lnRef idx="0">
+        <a:scrgbClr r="0" g="0" b="0"/>
+      </a:lnRef>
+      <a:fillRef idx="1">
+        <a:scrgbClr r="0" g="0" b="0"/>
+      </a:fillRef>
+      <a:effectRef idx="0">
+        <a:scrgbClr r="0" g="0" b="0"/>
+      </a:effectRef>
+      <a:fontRef idx="minor"/>
+    </dgm:style>
+  </dgm:styleLbl>
+  <dgm:styleLbl name="bgAccFollowNode1">
+    <dgm:scene3d>
+      <a:camera prst="orthographicFront"/>
+      <a:lightRig rig="threePt" dir="t"/>
+    </dgm:scene3d>
+    <dgm:sp3d z="-161800" extrusionH="10600" contourW="3000">
+      <a:bevelT w="48600" h="8600" prst="relaxedInset"/>
+      <a:bevelB w="48600" h="8600" prst="relaxedInset"/>
+    </dgm:sp3d>
+    <dgm:txPr/>
+    <dgm:style>
+      <a:lnRef idx="0">
+        <a:scrgbClr r="0" g="0" b="0"/>
+      </a:lnRef>
+      <a:fillRef idx="1">
+        <a:scrgbClr r="0" g="0" b="0"/>
+      </a:fillRef>
+      <a:effectRef idx="0">
+        <a:scrgbClr r="0" g="0" b="0"/>
+      </a:effectRef>
+      <a:fontRef idx="minor"/>
+    </dgm:style>
+  </dgm:styleLbl>
+  <dgm:styleLbl name="fgAcc0">
+    <dgm:scene3d>
+      <a:camera prst="orthographicFront"/>
+      <a:lightRig rig="threePt" dir="t"/>
+    </dgm:scene3d>
+    <dgm:sp3d z="57200" extrusionH="600" contourW="3000">
+      <a:bevelT w="48600" h="18600" prst="relaxedInset"/>
+      <a:bevelB w="48600" h="8600" prst="relaxedInset"/>
+    </dgm:sp3d>
+    <dgm:txPr/>
+    <dgm:style>
+      <a:lnRef idx="1">
+        <a:scrgbClr r="0" g="0" b="0"/>
+      </a:lnRef>
+      <a:fillRef idx="1">
+        <a:scrgbClr r="0" g="0" b="0"/>
+      </a:fillRef>
+      <a:effectRef idx="0">
+        <a:scrgbClr r="0" g="0" b="0"/>
+      </a:effectRef>
+      <a:fontRef idx="minor"/>
+    </dgm:style>
+  </dgm:styleLbl>
+  <dgm:styleLbl name="fgAcc2">
+    <dgm:scene3d>
+      <a:camera prst="orthographicFront"/>
+      <a:lightRig rig="threePt" dir="t"/>
+    </dgm:scene3d>
+    <dgm:sp3d z="57200" extrusionH="600" contourW="3000">
+      <a:bevelT w="48600" h="18600" prst="relaxedInset"/>
+      <a:bevelB w="48600" h="8600" prst="relaxedInset"/>
+    </dgm:sp3d>
+    <dgm:txPr/>
+    <dgm:style>
+      <a:lnRef idx="1">
+        <a:scrgbClr r="0" g="0" b="0"/>
+      </a:lnRef>
+      <a:fillRef idx="1">
+        <a:scrgbClr r="0" g="0" b="0"/>
+      </a:fillRef>
+      <a:effectRef idx="0">
+        <a:scrgbClr r="0" g="0" b="0"/>
+      </a:effectRef>
+      <a:fontRef idx="minor"/>
+    </dgm:style>
+  </dgm:styleLbl>
+  <dgm:styleLbl name="fgAcc3">
+    <dgm:scene3d>
+      <a:camera prst="orthographicFront"/>
+      <a:lightRig rig="threePt" dir="t"/>
+    </dgm:scene3d>
+    <dgm:sp3d z="57200" extrusionH="600" contourW="3000">
+      <a:bevelT w="48600" h="18600" prst="relaxedInset"/>
+      <a:bevelB w="48600" h="8600" prst="relaxedInset"/>
+    </dgm:sp3d>
+    <dgm:txPr/>
+    <dgm:style>
+      <a:lnRef idx="1">
+        <a:scrgbClr r="0" g="0" b="0"/>
+      </a:lnRef>
+      <a:fillRef idx="1">
+        <a:scrgbClr r="0" g="0" b="0"/>
+      </a:fillRef>
+      <a:effectRef idx="0">
+        <a:scrgbClr r="0" g="0" b="0"/>
+      </a:effectRef>
+      <a:fontRef idx="minor"/>
+    </dgm:style>
+  </dgm:styleLbl>
+  <dgm:styleLbl name="fgAcc4">
+    <dgm:scene3d>
+      <a:camera prst="orthographicFront"/>
+      <a:lightRig rig="threePt" dir="t"/>
+    </dgm:scene3d>
+    <dgm:sp3d z="57200" extrusionH="600" contourW="3000">
+      <a:bevelT w="48600" h="18600" prst="relaxedInset"/>
+      <a:bevelB w="48600" h="8600" prst="relaxedInset"/>
+    </dgm:sp3d>
+    <dgm:txPr/>
+    <dgm:style>
+      <a:lnRef idx="1">
+        <a:scrgbClr r="0" g="0" b="0"/>
+      </a:lnRef>
+      <a:fillRef idx="1">
+        <a:scrgbClr r="0" g="0" b="0"/>
+      </a:fillRef>
+      <a:effectRef idx="0">
+        <a:scrgbClr r="0" g="0" b="0"/>
+      </a:effectRef>
+      <a:fontRef idx="minor"/>
+    </dgm:style>
+  </dgm:styleLbl>
+  <dgm:styleLbl name="bgShp">
+    <dgm:scene3d>
+      <a:camera prst="orthographicFront"/>
+      <a:lightRig rig="threePt" dir="t"/>
+    </dgm:scene3d>
+    <dgm:sp3d z="-161800" extrusionH="600" contourW="3000">
+      <a:bevelT w="48600" h="18600" prst="relaxedInset"/>
+      <a:bevelB w="48600" h="8600" prst="relaxedInset"/>
+    </dgm:sp3d>
+    <dgm:txPr/>
+    <dgm:style>
+      <a:lnRef idx="0">
+        <a:scrgbClr r="0" g="0" b="0"/>
+      </a:lnRef>
+      <a:fillRef idx="1">
+        <a:scrgbClr r="0" g="0" b="0"/>
+      </a:fillRef>
+      <a:effectRef idx="0">
+        <a:scrgbClr r="0" g="0" b="0"/>
+      </a:effectRef>
+      <a:fontRef idx="minor"/>
+    </dgm:style>
+  </dgm:styleLbl>
+  <dgm:styleLbl name="dkBgShp">
+    <dgm:scene3d>
+      <a:camera prst="orthographicFront"/>
+      <a:lightRig rig="threePt" dir="t"/>
+    </dgm:scene3d>
+    <dgm:sp3d extrusionH="50600">
+      <a:bevelT w="80600" h="80600" prst="relaxedInset"/>
+      <a:bevelB w="80600" h="80600" prst="relaxedInset"/>
+    </dgm:sp3d>
+    <dgm:txPr/>
+    <dgm:style>
+      <a:lnRef idx="0">
+        <a:scrgbClr r="0" g="0" b="0"/>
+      </a:lnRef>
+      <a:fillRef idx="1">
+        <a:scrgbClr r="0" g="0" b="0"/>
+      </a:fillRef>
+      <a:effectRef idx="0">
+        <a:scrgbClr r="0" g="0" b="0"/>
+      </a:effectRef>
+      <a:fontRef idx="minor"/>
+    </dgm:style>
+  </dgm:styleLbl>
+  <dgm:styleLbl name="trBgShp">
+    <dgm:scene3d>
+      <a:camera prst="orthographicFront"/>
+      <a:lightRig rig="threePt" dir="t"/>
+    </dgm:scene3d>
+    <dgm:sp3d z="-152400" prstMaterial="matte"/>
+    <dgm:txPr/>
+    <dgm:style>
+      <a:lnRef idx="0">
+        <a:scrgbClr r="0" g="0" b="0"/>
+      </a:lnRef>
+      <a:fillRef idx="1">
+        <a:scrgbClr r="0" g="0" b="0"/>
+      </a:fillRef>
+      <a:effectRef idx="0">
+        <a:scrgbClr r="0" g="0" b="0"/>
+      </a:effectRef>
+      <a:fontRef idx="minor"/>
+    </dgm:style>
+  </dgm:styleLbl>
+  <dgm:styleLbl name="fgShp">
+    <dgm:scene3d>
+      <a:camera prst="orthographicFront"/>
+      <a:lightRig rig="threePt" dir="t"/>
+    </dgm:scene3d>
+    <dgm:sp3d z="57200" extrusionH="600" contourW="3000" prstMaterial="plastic">
+      <a:bevelT w="80600" h="18600" prst="relaxedInset"/>
+      <a:bevelB w="80600" h="8600" prst="relaxedInset"/>
+    </dgm:sp3d>
+    <dgm:txPr/>
+    <dgm:style>
+      <a:lnRef idx="0">
+        <a:scrgbClr r="0" g="0" b="0"/>
+      </a:lnRef>
+      <a:fillRef idx="1">
+        <a:scrgbClr r="0" g="0" b="0"/>
+      </a:fillRef>
+      <a:effectRef idx="0">
+        <a:scrgbClr r="0" g="0" b="0"/>
+      </a:effectRef>
+      <a:fontRef idx="minor"/>
+    </dgm:style>
+  </dgm:styleLbl>
+  <dgm:styleLbl name="revTx">
+    <dgm:scene3d>
+      <a:camera prst="orthographicFront"/>
+      <a:lightRig rig="threePt" dir="t"/>
+    </dgm:scene3d>
+    <dgm:sp3d/>
+    <dgm:txPr/>
+    <dgm:style>
+      <a:lnRef idx="0">
+        <a:scrgbClr r="0" g="0" b="0"/>
+      </a:lnRef>
+      <a:fillRef idx="0">
+        <a:scrgbClr r="0" g="0" b="0"/>
+      </a:fillRef>
+      <a:effectRef idx="0">
+        <a:scrgbClr r="0" g="0" b="0"/>
+      </a:effectRef>
+      <a:fontRef idx="minor"/>
+    </dgm:style>
+  </dgm:styleLbl>
+</dgm:styleDef>
 </file>
 
 <file path=ppt/handoutMasters/handoutMaster1.xml><?xml version="1.0" encoding="utf-8"?>
@@ -4144,6 +7360,1281 @@
           <a:bodyPr/>
           <a:lstStyle/>
           <a:p>
+            <a:pPr rtl="0"/>
+            <a:r>
+              <a:rPr lang="en-US" dirty="0" smtClean="0"/>
+              <a:t>Adaption - </a:t>
+            </a:r>
+            <a:r>
+              <a:rPr lang="en-US" dirty="0" smtClean="0"/>
+              <a:t>User </a:t>
+            </a:r>
+            <a:r>
+              <a:rPr lang="en-US" dirty="0" smtClean="0"/>
+              <a:t>plans &amp; actions </a:t>
+            </a:r>
+            <a:endParaRPr lang="en-US" dirty="0"/>
+          </a:p>
+        </p:txBody>
+      </p:sp>
+      <p:sp>
+        <p:nvSpPr>
+          <p:cNvPr id="3" name="Content Placeholder 2"/>
+          <p:cNvSpPr>
+            <a:spLocks noGrp="1"/>
+          </p:cNvSpPr>
+          <p:nvPr>
+            <p:ph idx="1"/>
+          </p:nvPr>
+        </p:nvSpPr>
+        <p:spPr/>
+        <p:txBody>
+          <a:bodyPr>
+            <a:normAutofit/>
+          </a:bodyPr>
+          <a:lstStyle/>
+          <a:p>
+            <a:r>
+              <a:rPr lang="en-US" dirty="0" smtClean="0"/>
+              <a:t>For successfully adaption software need the ability to predict user action and plans </a:t>
+            </a:r>
+          </a:p>
+          <a:p>
+            <a:r>
+              <a:rPr lang="en-US" dirty="0" smtClean="0"/>
+              <a:t>While the basic algorithm is fairly simple and straightforward, serious </a:t>
+            </a:r>
+            <a:r>
+              <a:rPr lang="en-US" dirty="0" smtClean="0"/>
+              <a:t>combinatorial problems </a:t>
+            </a:r>
+            <a:r>
+              <a:rPr lang="en-US" dirty="0" smtClean="0"/>
+              <a:t>arise when it is practically employed, due to the following </a:t>
+            </a:r>
+            <a:r>
+              <a:rPr lang="en-US" dirty="0" smtClean="0"/>
+              <a:t>reasons:</a:t>
+            </a:r>
+          </a:p>
+          <a:p>
+            <a:pPr lvl="1"/>
+            <a:r>
+              <a:rPr lang="en-US" dirty="0" smtClean="0"/>
+              <a:t>it is often unclear when the user commences a new </a:t>
+            </a:r>
+            <a:r>
+              <a:rPr lang="en-US" dirty="0" smtClean="0"/>
+              <a:t>plan.</a:t>
+            </a:r>
+            <a:endParaRPr lang="en-US" dirty="0" smtClean="0"/>
+          </a:p>
+          <a:p>
+            <a:pPr lvl="1"/>
+            <a:r>
+              <a:rPr lang="en-US" dirty="0" smtClean="0"/>
+              <a:t> </a:t>
+            </a:r>
+            <a:r>
+              <a:rPr lang="en-US" dirty="0" smtClean="0"/>
+              <a:t>actions and short action sequences may often be part of more than one </a:t>
+            </a:r>
+            <a:r>
+              <a:rPr lang="en-US" dirty="0" smtClean="0"/>
+              <a:t>plan.</a:t>
+            </a:r>
+            <a:endParaRPr lang="en-US" dirty="0" smtClean="0"/>
+          </a:p>
+        </p:txBody>
+      </p:sp>
+      <p:sp>
+        <p:nvSpPr>
+          <p:cNvPr id="4" name="Rectangle 3"/>
+          <p:cNvSpPr/>
+          <p:nvPr/>
+        </p:nvSpPr>
+        <p:spPr>
+          <a:xfrm>
+            <a:off x="107504" y="6237312"/>
+            <a:ext cx="8712968" cy="360040"/>
+          </a:xfrm>
+          <a:prstGeom prst="rect">
+            <a:avLst/>
+          </a:prstGeom>
+          <a:solidFill>
+            <a:schemeClr val="accent1">
+              <a:lumMod val="20000"/>
+              <a:lumOff val="80000"/>
+              <a:alpha val="37000"/>
+            </a:schemeClr>
+          </a:solidFill>
+        </p:spPr>
+        <p:style>
+          <a:lnRef idx="2">
+            <a:schemeClr val="accent1">
+              <a:shade val="50000"/>
+            </a:schemeClr>
+          </a:lnRef>
+          <a:fillRef idx="1">
+            <a:schemeClr val="accent1"/>
+          </a:fillRef>
+          <a:effectRef idx="0">
+            <a:schemeClr val="accent1"/>
+          </a:effectRef>
+          <a:fontRef idx="minor">
+            <a:schemeClr val="lt1"/>
+          </a:fontRef>
+        </p:style>
+        <p:txBody>
+          <a:bodyPr rtlCol="0" anchor="ctr"/>
+          <a:lstStyle/>
+          <a:p>
+            <a:pPr algn="ctr" rtl="0"/>
+            <a:r>
+              <a:rPr lang="en-US" dirty="0" smtClean="0">
+                <a:solidFill>
+                  <a:schemeClr val="tx1"/>
+                </a:solidFill>
+              </a:rPr>
+              <a:t>From  :</a:t>
+            </a:r>
+            <a:r>
+              <a:rPr lang="en-US" b="1" dirty="0" smtClean="0">
+                <a:solidFill>
+                  <a:schemeClr val="tx1"/>
+                </a:solidFill>
+              </a:rPr>
+              <a:t>User </a:t>
+            </a:r>
+            <a:r>
+              <a:rPr lang="en-US" b="1" dirty="0" err="1" smtClean="0">
+                <a:solidFill>
+                  <a:schemeClr val="tx1"/>
+                </a:solidFill>
+              </a:rPr>
+              <a:t>Modeling:Recent</a:t>
+            </a:r>
+            <a:r>
+              <a:rPr lang="en-US" b="1" dirty="0" smtClean="0">
+                <a:solidFill>
+                  <a:schemeClr val="tx1"/>
+                </a:solidFill>
+              </a:rPr>
+              <a:t> </a:t>
+            </a:r>
+            <a:r>
+              <a:rPr lang="en-US" b="1" dirty="0" smtClean="0">
+                <a:solidFill>
+                  <a:schemeClr val="tx1"/>
+                </a:solidFill>
+              </a:rPr>
+              <a:t>Work, Prospects and </a:t>
+            </a:r>
+            <a:r>
+              <a:rPr lang="en-US" b="1" dirty="0" smtClean="0">
+                <a:solidFill>
+                  <a:schemeClr val="tx1"/>
+                </a:solidFill>
+              </a:rPr>
+              <a:t>Hazards by </a:t>
+            </a:r>
+            <a:r>
+              <a:rPr lang="en-US" b="1" dirty="0" err="1" smtClean="0">
+                <a:solidFill>
+                  <a:schemeClr val="tx1"/>
+                </a:solidFill>
+              </a:rPr>
+              <a:t>alfred</a:t>
+            </a:r>
+            <a:r>
+              <a:rPr lang="en-US" b="1" dirty="0" smtClean="0">
+                <a:solidFill>
+                  <a:schemeClr val="tx1"/>
+                </a:solidFill>
+              </a:rPr>
+              <a:t> </a:t>
+            </a:r>
+            <a:r>
+              <a:rPr lang="en-US" b="1" dirty="0" err="1" smtClean="0">
+                <a:solidFill>
+                  <a:schemeClr val="tx1"/>
+                </a:solidFill>
+              </a:rPr>
+              <a:t>Kobsa</a:t>
+            </a:r>
+            <a:endParaRPr lang="en-US" dirty="0">
+              <a:solidFill>
+                <a:schemeClr val="tx1"/>
+              </a:solidFill>
+            </a:endParaRPr>
+          </a:p>
+        </p:txBody>
+      </p:sp>
+    </p:spTree>
+  </p:cSld>
+  <p:clrMapOvr>
+    <a:masterClrMapping/>
+  </p:clrMapOvr>
+  <p:timing>
+    <p:tnLst>
+      <p:par>
+        <p:cTn id="1" dur="indefinite" restart="never" nodeType="tmRoot"/>
+      </p:par>
+    </p:tnLst>
+  </p:timing>
+</p:sld>
+</file>
+
+<file path=ppt/slides/slide11.xml><?xml version="1.0" encoding="utf-8"?>
+<p:sld xmlns:a="http://schemas.openxmlformats.org/drawingml/2006/main" xmlns:r="http://schemas.openxmlformats.org/officeDocument/2006/relationships" xmlns:p="http://schemas.openxmlformats.org/presentationml/2006/main">
+  <p:cSld>
+    <p:spTree>
+      <p:nvGrpSpPr>
+        <p:cNvPr id="1" name=""/>
+        <p:cNvGrpSpPr/>
+        <p:nvPr/>
+      </p:nvGrpSpPr>
+      <p:grpSpPr>
+        <a:xfrm>
+          <a:off x="0" y="0"/>
+          <a:ext cx="0" cy="0"/>
+          <a:chOff x="0" y="0"/>
+          <a:chExt cx="0" cy="0"/>
+        </a:xfrm>
+      </p:grpSpPr>
+      <p:sp>
+        <p:nvSpPr>
+          <p:cNvPr id="2" name="Title 1"/>
+          <p:cNvSpPr>
+            <a:spLocks noGrp="1"/>
+          </p:cNvSpPr>
+          <p:nvPr>
+            <p:ph type="title"/>
+          </p:nvPr>
+        </p:nvSpPr>
+        <p:spPr/>
+        <p:txBody>
+          <a:bodyPr/>
+          <a:lstStyle/>
+          <a:p>
+            <a:r>
+              <a:rPr lang="en-US" dirty="0" smtClean="0"/>
+              <a:t>Adaption - User plans &amp; actions </a:t>
+            </a:r>
+            <a:endParaRPr lang="en-US" dirty="0"/>
+          </a:p>
+        </p:txBody>
+      </p:sp>
+      <p:sp>
+        <p:nvSpPr>
+          <p:cNvPr id="5" name="Content Placeholder 4"/>
+          <p:cNvSpPr>
+            <a:spLocks noGrp="1"/>
+          </p:cNvSpPr>
+          <p:nvPr>
+            <p:ph idx="1"/>
+          </p:nvPr>
+        </p:nvSpPr>
+        <p:spPr/>
+        <p:txBody>
+          <a:bodyPr/>
+          <a:lstStyle/>
+          <a:p>
+            <a:pPr lvl="1"/>
+            <a:r>
+              <a:rPr lang="en-US" dirty="0" smtClean="0"/>
+              <a:t>users may interrupt or suspend the execution of their current plans (for </a:t>
+            </a:r>
+            <a:r>
+              <a:rPr lang="en-US" dirty="0" smtClean="0"/>
+              <a:t>various reasons</a:t>
+            </a:r>
+            <a:r>
+              <a:rPr lang="en-US" dirty="0" smtClean="0"/>
+              <a:t>, such as when issuing the ‘date’ command or when replying to an </a:t>
+            </a:r>
+            <a:r>
+              <a:rPr lang="en-US" dirty="0" smtClean="0"/>
+              <a:t>email message </a:t>
+            </a:r>
+            <a:r>
+              <a:rPr lang="en-US" dirty="0" smtClean="0"/>
+              <a:t>which they just received);</a:t>
+            </a:r>
+          </a:p>
+          <a:p>
+            <a:pPr lvl="1"/>
+            <a:r>
+              <a:rPr lang="en-US" dirty="0" smtClean="0"/>
+              <a:t> there is often more than one action sequence for achieving a (sub-)goal (i.e., there can be variations of user plans).</a:t>
+            </a:r>
+          </a:p>
+          <a:p>
+            <a:endParaRPr lang="en-US" dirty="0"/>
+          </a:p>
+        </p:txBody>
+      </p:sp>
+      <p:sp>
+        <p:nvSpPr>
+          <p:cNvPr id="6" name="Rectangle 5"/>
+          <p:cNvSpPr/>
+          <p:nvPr/>
+        </p:nvSpPr>
+        <p:spPr>
+          <a:xfrm>
+            <a:off x="107504" y="6237312"/>
+            <a:ext cx="8712968" cy="360040"/>
+          </a:xfrm>
+          <a:prstGeom prst="rect">
+            <a:avLst/>
+          </a:prstGeom>
+          <a:solidFill>
+            <a:schemeClr val="accent1">
+              <a:lumMod val="20000"/>
+              <a:lumOff val="80000"/>
+              <a:alpha val="37000"/>
+            </a:schemeClr>
+          </a:solidFill>
+        </p:spPr>
+        <p:style>
+          <a:lnRef idx="2">
+            <a:schemeClr val="accent1">
+              <a:shade val="50000"/>
+            </a:schemeClr>
+          </a:lnRef>
+          <a:fillRef idx="1">
+            <a:schemeClr val="accent1"/>
+          </a:fillRef>
+          <a:effectRef idx="0">
+            <a:schemeClr val="accent1"/>
+          </a:effectRef>
+          <a:fontRef idx="minor">
+            <a:schemeClr val="lt1"/>
+          </a:fontRef>
+        </p:style>
+        <p:txBody>
+          <a:bodyPr rtlCol="0" anchor="ctr"/>
+          <a:lstStyle/>
+          <a:p>
+            <a:pPr algn="ctr" rtl="0"/>
+            <a:r>
+              <a:rPr lang="en-US" dirty="0" smtClean="0">
+                <a:solidFill>
+                  <a:schemeClr val="tx1"/>
+                </a:solidFill>
+              </a:rPr>
+              <a:t>From  :</a:t>
+            </a:r>
+            <a:r>
+              <a:rPr lang="en-US" b="1" dirty="0" smtClean="0">
+                <a:solidFill>
+                  <a:schemeClr val="tx1"/>
+                </a:solidFill>
+              </a:rPr>
+              <a:t>User </a:t>
+            </a:r>
+            <a:r>
+              <a:rPr lang="en-US" b="1" dirty="0" err="1" smtClean="0">
+                <a:solidFill>
+                  <a:schemeClr val="tx1"/>
+                </a:solidFill>
+              </a:rPr>
+              <a:t>Modeling:Recent</a:t>
+            </a:r>
+            <a:r>
+              <a:rPr lang="en-US" b="1" dirty="0" smtClean="0">
+                <a:solidFill>
+                  <a:schemeClr val="tx1"/>
+                </a:solidFill>
+              </a:rPr>
+              <a:t> </a:t>
+            </a:r>
+            <a:r>
+              <a:rPr lang="en-US" b="1" dirty="0" smtClean="0">
+                <a:solidFill>
+                  <a:schemeClr val="tx1"/>
+                </a:solidFill>
+              </a:rPr>
+              <a:t>Work, Prospects and </a:t>
+            </a:r>
+            <a:r>
+              <a:rPr lang="en-US" b="1" dirty="0" smtClean="0">
+                <a:solidFill>
+                  <a:schemeClr val="tx1"/>
+                </a:solidFill>
+              </a:rPr>
+              <a:t>Hazards by </a:t>
+            </a:r>
+            <a:r>
+              <a:rPr lang="en-US" b="1" dirty="0" err="1" smtClean="0">
+                <a:solidFill>
+                  <a:schemeClr val="tx1"/>
+                </a:solidFill>
+              </a:rPr>
+              <a:t>alfred</a:t>
+            </a:r>
+            <a:r>
+              <a:rPr lang="en-US" b="1" dirty="0" smtClean="0">
+                <a:solidFill>
+                  <a:schemeClr val="tx1"/>
+                </a:solidFill>
+              </a:rPr>
+              <a:t> </a:t>
+            </a:r>
+            <a:r>
+              <a:rPr lang="en-US" b="1" dirty="0" err="1" smtClean="0">
+                <a:solidFill>
+                  <a:schemeClr val="tx1"/>
+                </a:solidFill>
+              </a:rPr>
+              <a:t>Kobsa</a:t>
+            </a:r>
+            <a:endParaRPr lang="en-US" dirty="0">
+              <a:solidFill>
+                <a:schemeClr val="tx1"/>
+              </a:solidFill>
+            </a:endParaRPr>
+          </a:p>
+        </p:txBody>
+      </p:sp>
+    </p:spTree>
+  </p:cSld>
+  <p:clrMapOvr>
+    <a:masterClrMapping/>
+  </p:clrMapOvr>
+</p:sld>
+</file>
+
+<file path=ppt/slides/slide12.xml><?xml version="1.0" encoding="utf-8"?>
+<p:sld xmlns:a="http://schemas.openxmlformats.org/drawingml/2006/main" xmlns:r="http://schemas.openxmlformats.org/officeDocument/2006/relationships" xmlns:p="http://schemas.openxmlformats.org/presentationml/2006/main">
+  <p:cSld>
+    <p:spTree>
+      <p:nvGrpSpPr>
+        <p:cNvPr id="1" name=""/>
+        <p:cNvGrpSpPr/>
+        <p:nvPr/>
+      </p:nvGrpSpPr>
+      <p:grpSpPr>
+        <a:xfrm>
+          <a:off x="0" y="0"/>
+          <a:ext cx="0" cy="0"/>
+          <a:chOff x="0" y="0"/>
+          <a:chExt cx="0" cy="0"/>
+        </a:xfrm>
+      </p:grpSpPr>
+      <p:sp>
+        <p:nvSpPr>
+          <p:cNvPr id="2" name="Title 1"/>
+          <p:cNvSpPr>
+            <a:spLocks noGrp="1"/>
+          </p:cNvSpPr>
+          <p:nvPr>
+            <p:ph type="title"/>
+          </p:nvPr>
+        </p:nvSpPr>
+        <p:spPr/>
+        <p:txBody>
+          <a:bodyPr/>
+          <a:lstStyle/>
+          <a:p>
+            <a:pPr rtl="0"/>
+            <a:r>
+              <a:rPr lang="en-US" dirty="0" smtClean="0"/>
+              <a:t>User Recognition </a:t>
+            </a:r>
+            <a:endParaRPr lang="en-US" dirty="0"/>
+          </a:p>
+        </p:txBody>
+      </p:sp>
+      <p:sp>
+        <p:nvSpPr>
+          <p:cNvPr id="3" name="Content Placeholder 2"/>
+          <p:cNvSpPr>
+            <a:spLocks noGrp="1"/>
+          </p:cNvSpPr>
+          <p:nvPr>
+            <p:ph idx="1"/>
+          </p:nvPr>
+        </p:nvSpPr>
+        <p:spPr/>
+        <p:txBody>
+          <a:bodyPr>
+            <a:normAutofit fontScale="92500"/>
+          </a:bodyPr>
+          <a:lstStyle/>
+          <a:p>
+            <a:r>
+              <a:rPr lang="en-US" dirty="0" smtClean="0"/>
+              <a:t>Two kinds of techniques are mainly employed for the recognition of users’ </a:t>
+            </a:r>
+            <a:r>
+              <a:rPr lang="en-US" dirty="0" smtClean="0"/>
+              <a:t>plans.</a:t>
+            </a:r>
+          </a:p>
+          <a:p>
+            <a:pPr lvl="1"/>
+            <a:r>
+              <a:rPr lang="en-US" b="1" i="1" dirty="0" smtClean="0"/>
+              <a:t>Plan libraries: </a:t>
+            </a:r>
+            <a:r>
+              <a:rPr lang="en-US" i="1" dirty="0" smtClean="0"/>
+              <a:t>In this approach, all possible user plans are already pre-stored in a </a:t>
+            </a:r>
+            <a:r>
+              <a:rPr lang="en-US" i="1" dirty="0" err="1" smtClean="0"/>
+              <a:t>socalled</a:t>
+            </a:r>
+            <a:r>
+              <a:rPr lang="en-US" i="1" dirty="0" smtClean="0"/>
+              <a:t> </a:t>
+            </a:r>
+            <a:r>
+              <a:rPr lang="en-US" dirty="0" smtClean="0"/>
+              <a:t>plan </a:t>
+            </a:r>
+            <a:r>
+              <a:rPr lang="en-US" dirty="0" smtClean="0"/>
+              <a:t>library (possibly, these plans contain open variables which have still to </a:t>
+            </a:r>
+            <a:r>
+              <a:rPr lang="en-US" dirty="0" smtClean="0"/>
+              <a:t>be instantiated). The observed user action sequence is compared with these pre-stored plans</a:t>
+            </a:r>
+            <a:r>
+              <a:rPr lang="en-US" dirty="0" smtClean="0"/>
+              <a:t>, and all plans are selected whose beginnings match the observed user input. </a:t>
+            </a:r>
+            <a:r>
+              <a:rPr lang="en-US" dirty="0" smtClean="0"/>
+              <a:t>In this </a:t>
+            </a:r>
+            <a:r>
+              <a:rPr lang="en-US" dirty="0" smtClean="0"/>
+              <a:t>approach, it is difficult to take the possibility of plan variations into account. </a:t>
+            </a:r>
+            <a:r>
+              <a:rPr lang="en-US" dirty="0" smtClean="0"/>
+              <a:t>All permissible </a:t>
+            </a:r>
+            <a:r>
+              <a:rPr lang="en-US" dirty="0" smtClean="0"/>
+              <a:t>deviations from a plan would have to be stored as separate plans.</a:t>
+            </a:r>
+            <a:endParaRPr lang="en-US" dirty="0"/>
+          </a:p>
+        </p:txBody>
+      </p:sp>
+      <p:sp>
+        <p:nvSpPr>
+          <p:cNvPr id="4" name="Rectangle 3"/>
+          <p:cNvSpPr/>
+          <p:nvPr/>
+        </p:nvSpPr>
+        <p:spPr>
+          <a:xfrm>
+            <a:off x="107504" y="6237312"/>
+            <a:ext cx="8712968" cy="360040"/>
+          </a:xfrm>
+          <a:prstGeom prst="rect">
+            <a:avLst/>
+          </a:prstGeom>
+          <a:solidFill>
+            <a:schemeClr val="accent1">
+              <a:lumMod val="20000"/>
+              <a:lumOff val="80000"/>
+              <a:alpha val="37000"/>
+            </a:schemeClr>
+          </a:solidFill>
+        </p:spPr>
+        <p:style>
+          <a:lnRef idx="2">
+            <a:schemeClr val="accent1">
+              <a:shade val="50000"/>
+            </a:schemeClr>
+          </a:lnRef>
+          <a:fillRef idx="1">
+            <a:schemeClr val="accent1"/>
+          </a:fillRef>
+          <a:effectRef idx="0">
+            <a:schemeClr val="accent1"/>
+          </a:effectRef>
+          <a:fontRef idx="minor">
+            <a:schemeClr val="lt1"/>
+          </a:fontRef>
+        </p:style>
+        <p:txBody>
+          <a:bodyPr rtlCol="0" anchor="ctr"/>
+          <a:lstStyle/>
+          <a:p>
+            <a:pPr algn="ctr" rtl="0"/>
+            <a:r>
+              <a:rPr lang="en-US" dirty="0" smtClean="0">
+                <a:solidFill>
+                  <a:schemeClr val="tx1"/>
+                </a:solidFill>
+              </a:rPr>
+              <a:t>From  :</a:t>
+            </a:r>
+            <a:r>
+              <a:rPr lang="en-US" b="1" dirty="0" smtClean="0">
+                <a:solidFill>
+                  <a:schemeClr val="tx1"/>
+                </a:solidFill>
+              </a:rPr>
+              <a:t>User </a:t>
+            </a:r>
+            <a:r>
+              <a:rPr lang="en-US" b="1" dirty="0" err="1" smtClean="0">
+                <a:solidFill>
+                  <a:schemeClr val="tx1"/>
+                </a:solidFill>
+              </a:rPr>
+              <a:t>Modeling:Recent</a:t>
+            </a:r>
+            <a:r>
+              <a:rPr lang="en-US" b="1" dirty="0" smtClean="0">
+                <a:solidFill>
+                  <a:schemeClr val="tx1"/>
+                </a:solidFill>
+              </a:rPr>
+              <a:t> </a:t>
+            </a:r>
+            <a:r>
+              <a:rPr lang="en-US" b="1" dirty="0" smtClean="0">
+                <a:solidFill>
+                  <a:schemeClr val="tx1"/>
+                </a:solidFill>
+              </a:rPr>
+              <a:t>Work, Prospects and </a:t>
+            </a:r>
+            <a:r>
+              <a:rPr lang="en-US" b="1" dirty="0" smtClean="0">
+                <a:solidFill>
+                  <a:schemeClr val="tx1"/>
+                </a:solidFill>
+              </a:rPr>
+              <a:t>Hazards by </a:t>
+            </a:r>
+            <a:r>
+              <a:rPr lang="en-US" b="1" dirty="0" err="1" smtClean="0">
+                <a:solidFill>
+                  <a:schemeClr val="tx1"/>
+                </a:solidFill>
+              </a:rPr>
+              <a:t>alfred</a:t>
+            </a:r>
+            <a:r>
+              <a:rPr lang="en-US" b="1" dirty="0" smtClean="0">
+                <a:solidFill>
+                  <a:schemeClr val="tx1"/>
+                </a:solidFill>
+              </a:rPr>
+              <a:t> </a:t>
+            </a:r>
+            <a:r>
+              <a:rPr lang="en-US" b="1" dirty="0" err="1" smtClean="0">
+                <a:solidFill>
+                  <a:schemeClr val="tx1"/>
+                </a:solidFill>
+              </a:rPr>
+              <a:t>Kobsa</a:t>
+            </a:r>
+            <a:endParaRPr lang="en-US" dirty="0">
+              <a:solidFill>
+                <a:schemeClr val="tx1"/>
+              </a:solidFill>
+            </a:endParaRPr>
+          </a:p>
+        </p:txBody>
+      </p:sp>
+    </p:spTree>
+  </p:cSld>
+  <p:clrMapOvr>
+    <a:masterClrMapping/>
+  </p:clrMapOvr>
+</p:sld>
+</file>
+
+<file path=ppt/slides/slide13.xml><?xml version="1.0" encoding="utf-8"?>
+<p:sld xmlns:a="http://schemas.openxmlformats.org/drawingml/2006/main" xmlns:r="http://schemas.openxmlformats.org/officeDocument/2006/relationships" xmlns:p="http://schemas.openxmlformats.org/presentationml/2006/main">
+  <p:cSld>
+    <p:spTree>
+      <p:nvGrpSpPr>
+        <p:cNvPr id="1" name=""/>
+        <p:cNvGrpSpPr/>
+        <p:nvPr/>
+      </p:nvGrpSpPr>
+      <p:grpSpPr>
+        <a:xfrm>
+          <a:off x="0" y="0"/>
+          <a:ext cx="0" cy="0"/>
+          <a:chOff x="0" y="0"/>
+          <a:chExt cx="0" cy="0"/>
+        </a:xfrm>
+      </p:grpSpPr>
+      <p:sp>
+        <p:nvSpPr>
+          <p:cNvPr id="2" name="Title 1"/>
+          <p:cNvSpPr>
+            <a:spLocks noGrp="1"/>
+          </p:cNvSpPr>
+          <p:nvPr>
+            <p:ph type="title"/>
+          </p:nvPr>
+        </p:nvSpPr>
+        <p:spPr/>
+        <p:txBody>
+          <a:bodyPr/>
+          <a:lstStyle/>
+          <a:p>
+            <a:r>
+              <a:rPr lang="en-US" dirty="0" smtClean="0"/>
+              <a:t>User Recognition </a:t>
+            </a:r>
+            <a:endParaRPr lang="en-US" dirty="0"/>
+          </a:p>
+        </p:txBody>
+      </p:sp>
+      <p:sp>
+        <p:nvSpPr>
+          <p:cNvPr id="3" name="Content Placeholder 2"/>
+          <p:cNvSpPr>
+            <a:spLocks noGrp="1"/>
+          </p:cNvSpPr>
+          <p:nvPr>
+            <p:ph idx="1"/>
+          </p:nvPr>
+        </p:nvSpPr>
+        <p:spPr/>
+        <p:txBody>
+          <a:bodyPr/>
+          <a:lstStyle/>
+          <a:p>
+            <a:pPr lvl="1"/>
+            <a:r>
+              <a:rPr lang="en-US" b="1" i="1" dirty="0" smtClean="0"/>
+              <a:t>Plan construction: </a:t>
+            </a:r>
+            <a:r>
+              <a:rPr lang="en-US" i="1" dirty="0" smtClean="0"/>
+              <a:t>In this approach, the system possesses a library of all possible </a:t>
+            </a:r>
+            <a:r>
+              <a:rPr lang="en-US" i="1" dirty="0" smtClean="0"/>
+              <a:t>user </a:t>
+            </a:r>
+            <a:r>
+              <a:rPr lang="en-US" dirty="0" smtClean="0"/>
+              <a:t>actions</a:t>
+            </a:r>
+            <a:r>
+              <a:rPr lang="en-US" dirty="0" smtClean="0"/>
+              <a:t>, together with the effects and the preconditions of these actions. The </a:t>
+            </a:r>
+            <a:r>
+              <a:rPr lang="en-US" dirty="0" smtClean="0"/>
+              <a:t>observed user </a:t>
+            </a:r>
+            <a:r>
+              <a:rPr lang="en-US" dirty="0" smtClean="0"/>
+              <a:t>action sequence is completed by all possible user action sequences which </a:t>
+            </a:r>
+            <a:r>
+              <a:rPr lang="en-US" dirty="0" smtClean="0"/>
+              <a:t>fulfill the </a:t>
+            </a:r>
+            <a:r>
+              <a:rPr lang="en-US" dirty="0" smtClean="0"/>
+              <a:t>requirement that the effects of preceding actions meet the preconditions </a:t>
+            </a:r>
+            <a:r>
+              <a:rPr lang="en-US" dirty="0" smtClean="0"/>
+              <a:t>of subsequent </a:t>
+            </a:r>
+            <a:r>
+              <a:rPr lang="en-US" dirty="0" smtClean="0"/>
+              <a:t>actions.</a:t>
+            </a:r>
+            <a:endParaRPr lang="en-US" dirty="0"/>
+          </a:p>
+        </p:txBody>
+      </p:sp>
+      <p:sp>
+        <p:nvSpPr>
+          <p:cNvPr id="4" name="Rectangle 3"/>
+          <p:cNvSpPr/>
+          <p:nvPr/>
+        </p:nvSpPr>
+        <p:spPr>
+          <a:xfrm>
+            <a:off x="107504" y="6237312"/>
+            <a:ext cx="8712968" cy="360040"/>
+          </a:xfrm>
+          <a:prstGeom prst="rect">
+            <a:avLst/>
+          </a:prstGeom>
+          <a:solidFill>
+            <a:schemeClr val="accent1">
+              <a:lumMod val="20000"/>
+              <a:lumOff val="80000"/>
+              <a:alpha val="37000"/>
+            </a:schemeClr>
+          </a:solidFill>
+        </p:spPr>
+        <p:style>
+          <a:lnRef idx="2">
+            <a:schemeClr val="accent1">
+              <a:shade val="50000"/>
+            </a:schemeClr>
+          </a:lnRef>
+          <a:fillRef idx="1">
+            <a:schemeClr val="accent1"/>
+          </a:fillRef>
+          <a:effectRef idx="0">
+            <a:schemeClr val="accent1"/>
+          </a:effectRef>
+          <a:fontRef idx="minor">
+            <a:schemeClr val="lt1"/>
+          </a:fontRef>
+        </p:style>
+        <p:txBody>
+          <a:bodyPr rtlCol="0" anchor="ctr"/>
+          <a:lstStyle/>
+          <a:p>
+            <a:pPr algn="ctr" rtl="0"/>
+            <a:r>
+              <a:rPr lang="en-US" dirty="0" smtClean="0">
+                <a:solidFill>
+                  <a:schemeClr val="tx1"/>
+                </a:solidFill>
+              </a:rPr>
+              <a:t>From  :</a:t>
+            </a:r>
+            <a:r>
+              <a:rPr lang="en-US" b="1" dirty="0" smtClean="0">
+                <a:solidFill>
+                  <a:schemeClr val="tx1"/>
+                </a:solidFill>
+              </a:rPr>
+              <a:t>User </a:t>
+            </a:r>
+            <a:r>
+              <a:rPr lang="en-US" b="1" dirty="0" err="1" smtClean="0">
+                <a:solidFill>
+                  <a:schemeClr val="tx1"/>
+                </a:solidFill>
+              </a:rPr>
+              <a:t>Modeling:Recent</a:t>
+            </a:r>
+            <a:r>
+              <a:rPr lang="en-US" b="1" dirty="0" smtClean="0">
+                <a:solidFill>
+                  <a:schemeClr val="tx1"/>
+                </a:solidFill>
+              </a:rPr>
+              <a:t> </a:t>
+            </a:r>
+            <a:r>
+              <a:rPr lang="en-US" b="1" dirty="0" smtClean="0">
+                <a:solidFill>
+                  <a:schemeClr val="tx1"/>
+                </a:solidFill>
+              </a:rPr>
+              <a:t>Work, Prospects and </a:t>
+            </a:r>
+            <a:r>
+              <a:rPr lang="en-US" b="1" dirty="0" smtClean="0">
+                <a:solidFill>
+                  <a:schemeClr val="tx1"/>
+                </a:solidFill>
+              </a:rPr>
+              <a:t>Hazards by </a:t>
+            </a:r>
+            <a:r>
+              <a:rPr lang="en-US" b="1" dirty="0" err="1" smtClean="0">
+                <a:solidFill>
+                  <a:schemeClr val="tx1"/>
+                </a:solidFill>
+              </a:rPr>
+              <a:t>alfred</a:t>
+            </a:r>
+            <a:r>
+              <a:rPr lang="en-US" b="1" dirty="0" smtClean="0">
+                <a:solidFill>
+                  <a:schemeClr val="tx1"/>
+                </a:solidFill>
+              </a:rPr>
+              <a:t> </a:t>
+            </a:r>
+            <a:r>
+              <a:rPr lang="en-US" b="1" dirty="0" err="1" smtClean="0">
+                <a:solidFill>
+                  <a:schemeClr val="tx1"/>
+                </a:solidFill>
+              </a:rPr>
+              <a:t>Kobsa</a:t>
+            </a:r>
+            <a:endParaRPr lang="en-US" dirty="0">
+              <a:solidFill>
+                <a:schemeClr val="tx1"/>
+              </a:solidFill>
+            </a:endParaRPr>
+          </a:p>
+        </p:txBody>
+      </p:sp>
+    </p:spTree>
+  </p:cSld>
+  <p:clrMapOvr>
+    <a:masterClrMapping/>
+  </p:clrMapOvr>
+</p:sld>
+</file>
+
+<file path=ppt/slides/slide14.xml><?xml version="1.0" encoding="utf-8"?>
+<p:sld xmlns:a="http://schemas.openxmlformats.org/drawingml/2006/main" xmlns:r="http://schemas.openxmlformats.org/officeDocument/2006/relationships" xmlns:p="http://schemas.openxmlformats.org/presentationml/2006/main">
+  <p:cSld>
+    <p:spTree>
+      <p:nvGrpSpPr>
+        <p:cNvPr id="1" name=""/>
+        <p:cNvGrpSpPr/>
+        <p:nvPr/>
+      </p:nvGrpSpPr>
+      <p:grpSpPr>
+        <a:xfrm>
+          <a:off x="0" y="0"/>
+          <a:ext cx="0" cy="0"/>
+          <a:chOff x="0" y="0"/>
+          <a:chExt cx="0" cy="0"/>
+        </a:xfrm>
+      </p:grpSpPr>
+      <p:sp>
+        <p:nvSpPr>
+          <p:cNvPr id="2" name="Title 1"/>
+          <p:cNvSpPr>
+            <a:spLocks noGrp="1"/>
+          </p:cNvSpPr>
+          <p:nvPr>
+            <p:ph type="title"/>
+          </p:nvPr>
+        </p:nvSpPr>
+        <p:spPr/>
+        <p:txBody>
+          <a:bodyPr>
+            <a:normAutofit fontScale="90000"/>
+          </a:bodyPr>
+          <a:lstStyle/>
+          <a:p>
+            <a:r>
+              <a:rPr lang="en-US" dirty="0" smtClean="0"/>
+              <a:t>User Recognition &amp; system </a:t>
+            </a:r>
+            <a:r>
+              <a:rPr lang="en-US" dirty="0" smtClean="0"/>
+              <a:t>reaction</a:t>
+            </a:r>
+            <a:r>
+              <a:rPr lang="en-US" dirty="0" smtClean="0"/>
+              <a:t> </a:t>
+            </a:r>
+            <a:endParaRPr lang="en-US" dirty="0"/>
+          </a:p>
+        </p:txBody>
+      </p:sp>
+      <p:sp>
+        <p:nvSpPr>
+          <p:cNvPr id="3" name="Content Placeholder 2"/>
+          <p:cNvSpPr>
+            <a:spLocks noGrp="1"/>
+          </p:cNvSpPr>
+          <p:nvPr>
+            <p:ph idx="1"/>
+          </p:nvPr>
+        </p:nvSpPr>
+        <p:spPr/>
+        <p:txBody>
+          <a:bodyPr/>
+          <a:lstStyle/>
+          <a:p>
+            <a:r>
+              <a:rPr lang="en-US" dirty="0" smtClean="0"/>
+              <a:t>For understand user plans the system need to recorded user action (creating </a:t>
+            </a:r>
+            <a:r>
+              <a:rPr lang="en-US" dirty="0" smtClean="0"/>
+              <a:t>observation</a:t>
+            </a:r>
+            <a:r>
+              <a:rPr lang="en-US" dirty="0" smtClean="0"/>
+              <a:t>).</a:t>
+            </a:r>
+          </a:p>
+          <a:p>
+            <a:r>
+              <a:rPr lang="en-US" dirty="0" smtClean="0"/>
+              <a:t>The system also need strong and advance algorithm for analyze the observation.</a:t>
+            </a:r>
+          </a:p>
+          <a:p>
+            <a:pPr lvl="1"/>
+            <a:r>
+              <a:rPr lang="en-US" dirty="0" smtClean="0"/>
+              <a:t>By using some of Machine learning algorithm , we can predict the pattern of user action and plans.</a:t>
+            </a:r>
+          </a:p>
+          <a:p>
+            <a:endParaRPr lang="en-US" dirty="0" smtClean="0"/>
+          </a:p>
+          <a:p>
+            <a:pPr>
+              <a:buNone/>
+            </a:pPr>
+            <a:endParaRPr lang="en-US" dirty="0" smtClean="0"/>
+          </a:p>
+          <a:p>
+            <a:endParaRPr lang="en-US" dirty="0"/>
+          </a:p>
+        </p:txBody>
+      </p:sp>
+    </p:spTree>
+  </p:cSld>
+  <p:clrMapOvr>
+    <a:masterClrMapping/>
+  </p:clrMapOvr>
+</p:sld>
+</file>
+
+<file path=ppt/slides/slide15.xml><?xml version="1.0" encoding="utf-8"?>
+<p:sld xmlns:a="http://schemas.openxmlformats.org/drawingml/2006/main" xmlns:r="http://schemas.openxmlformats.org/officeDocument/2006/relationships" xmlns:p="http://schemas.openxmlformats.org/presentationml/2006/main">
+  <p:cSld>
+    <p:spTree>
+      <p:nvGrpSpPr>
+        <p:cNvPr id="1" name=""/>
+        <p:cNvGrpSpPr/>
+        <p:nvPr/>
+      </p:nvGrpSpPr>
+      <p:grpSpPr>
+        <a:xfrm>
+          <a:off x="0" y="0"/>
+          <a:ext cx="0" cy="0"/>
+          <a:chOff x="0" y="0"/>
+          <a:chExt cx="0" cy="0"/>
+        </a:xfrm>
+      </p:grpSpPr>
+      <p:sp>
+        <p:nvSpPr>
+          <p:cNvPr id="2" name="Title 1"/>
+          <p:cNvSpPr>
+            <a:spLocks noGrp="1"/>
+          </p:cNvSpPr>
+          <p:nvPr>
+            <p:ph type="title"/>
+          </p:nvPr>
+        </p:nvSpPr>
+        <p:spPr/>
+        <p:txBody>
+          <a:bodyPr/>
+          <a:lstStyle/>
+          <a:p>
+            <a:r>
+              <a:rPr lang="en-US" dirty="0" smtClean="0"/>
+              <a:t>Summarize &amp; </a:t>
+            </a:r>
+            <a:r>
+              <a:rPr lang="en-US" dirty="0" smtClean="0"/>
+              <a:t>conclusion</a:t>
+            </a:r>
+            <a:endParaRPr lang="en-US" dirty="0"/>
+          </a:p>
+        </p:txBody>
+      </p:sp>
+      <p:sp>
+        <p:nvSpPr>
+          <p:cNvPr id="3" name="Content Placeholder 2"/>
+          <p:cNvSpPr>
+            <a:spLocks noGrp="1"/>
+          </p:cNvSpPr>
+          <p:nvPr>
+            <p:ph idx="1"/>
+          </p:nvPr>
+        </p:nvSpPr>
+        <p:spPr/>
+        <p:txBody>
+          <a:bodyPr/>
+          <a:lstStyle/>
+          <a:p>
+            <a:r>
+              <a:rPr lang="en-US" dirty="0" smtClean="0"/>
+              <a:t>Adaptive system are the key for user interaction .</a:t>
+            </a:r>
+          </a:p>
+          <a:p>
+            <a:r>
+              <a:rPr lang="en-US" dirty="0" smtClean="0"/>
+              <a:t>The basic “process” of adaptive system is: </a:t>
+            </a:r>
+          </a:p>
+          <a:p>
+            <a:r>
+              <a:rPr lang="en-US" dirty="0" smtClean="0"/>
+              <a:t> </a:t>
+            </a:r>
+            <a:endParaRPr lang="en-US" dirty="0"/>
+          </a:p>
+        </p:txBody>
+      </p:sp>
+      <p:graphicFrame>
+        <p:nvGraphicFramePr>
+          <p:cNvPr id="4" name="Diagram 3"/>
+          <p:cNvGraphicFramePr/>
+          <p:nvPr/>
+        </p:nvGraphicFramePr>
+        <p:xfrm>
+          <a:off x="395536" y="2564904"/>
+          <a:ext cx="8496944" cy="4064000"/>
+        </p:xfrm>
+        <a:graphic>
+          <a:graphicData uri="http://schemas.openxmlformats.org/drawingml/2006/diagram">
+            <dgm:relIds xmlns:dgm="http://schemas.openxmlformats.org/drawingml/2006/diagram" xmlns:r="http://schemas.openxmlformats.org/officeDocument/2006/relationships" r:dm="rId2" r:lo="rId3" r:qs="rId4" r:cs="rId5"/>
+          </a:graphicData>
+        </a:graphic>
+      </p:graphicFrame>
+    </p:spTree>
+  </p:cSld>
+  <p:clrMapOvr>
+    <a:masterClrMapping/>
+  </p:clrMapOvr>
+</p:sld>
+</file>
+
+<file path=ppt/slides/slide16.xml><?xml version="1.0" encoding="utf-8"?>
+<p:sld xmlns:a="http://schemas.openxmlformats.org/drawingml/2006/main" xmlns:r="http://schemas.openxmlformats.org/officeDocument/2006/relationships" xmlns:p="http://schemas.openxmlformats.org/presentationml/2006/main" show="0">
+  <p:cSld>
+    <p:spTree>
+      <p:nvGrpSpPr>
+        <p:cNvPr id="1" name=""/>
+        <p:cNvGrpSpPr/>
+        <p:nvPr/>
+      </p:nvGrpSpPr>
+      <p:grpSpPr>
+        <a:xfrm>
+          <a:off x="0" y="0"/>
+          <a:ext cx="0" cy="0"/>
+          <a:chOff x="0" y="0"/>
+          <a:chExt cx="0" cy="0"/>
+        </a:xfrm>
+      </p:grpSpPr>
+      <p:sp>
+        <p:nvSpPr>
+          <p:cNvPr id="2" name="Title 1"/>
+          <p:cNvSpPr>
+            <a:spLocks noGrp="1"/>
+          </p:cNvSpPr>
+          <p:nvPr>
+            <p:ph type="title"/>
+          </p:nvPr>
+        </p:nvSpPr>
+        <p:spPr/>
+        <p:txBody>
+          <a:bodyPr/>
+          <a:lstStyle/>
+          <a:p>
+            <a:r>
+              <a:rPr lang="en-US" dirty="0" smtClean="0"/>
+              <a:t>Adaptation </a:t>
+            </a:r>
+            <a:endParaRPr lang="en-US" dirty="0"/>
+          </a:p>
+        </p:txBody>
+      </p:sp>
+      <p:sp>
+        <p:nvSpPr>
+          <p:cNvPr id="3" name="Content Placeholder 2"/>
+          <p:cNvSpPr>
+            <a:spLocks noGrp="1"/>
+          </p:cNvSpPr>
+          <p:nvPr>
+            <p:ph idx="1"/>
+          </p:nvPr>
+        </p:nvSpPr>
+        <p:spPr/>
+        <p:txBody>
+          <a:bodyPr/>
+          <a:lstStyle/>
+          <a:p>
+            <a:r>
+              <a:rPr lang="en-US" dirty="0" smtClean="0"/>
+              <a:t>One of the aspect of user modeling is  constructing learning machines application with the abilities to adapt the application according to user flavor.</a:t>
+            </a:r>
+          </a:p>
+          <a:p>
+            <a:pPr lvl="1"/>
+            <a:r>
+              <a:rPr lang="en-US" dirty="0" smtClean="0"/>
+              <a:t>In resent years application become more adaptive for</a:t>
+            </a:r>
+            <a:r>
+              <a:rPr lang="en-US" dirty="0" smtClean="0"/>
+              <a:t> </a:t>
+            </a:r>
+            <a:r>
+              <a:rPr lang="en-US" dirty="0" smtClean="0"/>
+              <a:t>users , from desktop application throw websites  and smart phones software change there behavior and </a:t>
+            </a:r>
+            <a:r>
+              <a:rPr lang="en-US" dirty="0" smtClean="0"/>
+              <a:t>appearance </a:t>
+            </a:r>
+            <a:r>
+              <a:rPr lang="en-US" dirty="0" smtClean="0"/>
+              <a:t>according to the user request.</a:t>
+            </a:r>
+            <a:endParaRPr lang="en-US" dirty="0"/>
+          </a:p>
+        </p:txBody>
+      </p:sp>
+    </p:spTree>
+  </p:cSld>
+  <p:clrMapOvr>
+    <a:masterClrMapping/>
+  </p:clrMapOvr>
+  <p:transition/>
+</p:sld>
+</file>
+
+<file path=ppt/slides/slide17.xml><?xml version="1.0" encoding="utf-8"?>
+<p:sld xmlns:a="http://schemas.openxmlformats.org/drawingml/2006/main" xmlns:r="http://schemas.openxmlformats.org/officeDocument/2006/relationships" xmlns:p="http://schemas.openxmlformats.org/presentationml/2006/main">
+  <p:cSld>
+    <p:spTree>
+      <p:nvGrpSpPr>
+        <p:cNvPr id="1" name=""/>
+        <p:cNvGrpSpPr/>
+        <p:nvPr/>
+      </p:nvGrpSpPr>
+      <p:grpSpPr>
+        <a:xfrm>
+          <a:off x="0" y="0"/>
+          <a:ext cx="0" cy="0"/>
+          <a:chOff x="0" y="0"/>
+          <a:chExt cx="0" cy="0"/>
+        </a:xfrm>
+      </p:grpSpPr>
+      <p:sp>
+        <p:nvSpPr>
+          <p:cNvPr id="2" name="Title 1"/>
+          <p:cNvSpPr>
+            <a:spLocks noGrp="1"/>
+          </p:cNvSpPr>
+          <p:nvPr>
+            <p:ph type="title"/>
+          </p:nvPr>
+        </p:nvSpPr>
+        <p:spPr/>
+        <p:txBody>
+          <a:bodyPr/>
+          <a:lstStyle/>
+          <a:p>
             <a:r>
               <a:rPr lang="en-US" dirty="0" smtClean="0"/>
               <a:t>Question </a:t>
@@ -4379,7 +8870,7 @@
           <a:p>
             <a:r>
               <a:rPr lang="en-US" dirty="0" smtClean="0"/>
-              <a:t>For creating user model there is tree traditional way :</a:t>
+              <a:t>For creating user modeling systems there is tree traditional way :</a:t>
             </a:r>
           </a:p>
           <a:p>
@@ -4420,6 +8911,13 @@
   <p:clrMapOvr>
     <a:masterClrMapping/>
   </p:clrMapOvr>
+  <p:timing>
+    <p:tnLst>
+      <p:par>
+        <p:cTn id="1" dur="indefinite" restart="never" nodeType="tmRoot"/>
+      </p:par>
+    </p:tnLst>
+  </p:timing>
 </p:sld>
 </file>
 
@@ -4666,6 +9164,13 @@
   <p:clrMapOvr>
     <a:masterClrMapping/>
   </p:clrMapOvr>
+  <p:timing>
+    <p:tnLst>
+      <p:par>
+        <p:cTn id="1" dur="indefinite" restart="never" nodeType="tmRoot"/>
+      </p:par>
+    </p:tnLst>
+  </p:timing>
 </p:sld>
 </file>
 
@@ -4745,6 +9250,13 @@
   <p:clrMapOvr>
     <a:masterClrMapping/>
   </p:clrMapOvr>
+  <p:timing>
+    <p:tnLst>
+      <p:par>
+        <p:cTn id="1" dur="indefinite" restart="never" nodeType="tmRoot"/>
+      </p:par>
+    </p:tnLst>
+  </p:timing>
 </p:sld>
 </file>
 
@@ -4852,6 +9364,13 @@
   <p:clrMapOvr>
     <a:masterClrMapping/>
   </p:clrMapOvr>
+  <p:timing>
+    <p:tnLst>
+      <p:par>
+        <p:cTn id="1" dur="indefinite" restart="never" nodeType="tmRoot"/>
+      </p:par>
+    </p:tnLst>
+  </p:timing>
 </p:sld>
 </file>
 
@@ -4912,7 +9431,7 @@
           <a:p>
             <a:r>
               <a:rPr lang="en-US" dirty="0" smtClean="0"/>
-              <a:t>When user model developer his system have to seek user background knowledge.</a:t>
+              <a:t>When user model developer his system it’s have to seek for user background knowledge.</a:t>
             </a:r>
           </a:p>
           <a:p>
@@ -4962,6 +9481,13 @@
   <p:clrMapOvr>
     <a:masterClrMapping/>
   </p:clrMapOvr>
+  <p:timing>
+    <p:tnLst>
+      <p:par>
+        <p:cTn id="1" dur="indefinite" restart="never" nodeType="tmRoot"/>
+      </p:par>
+    </p:tnLst>
+  </p:timing>
 </p:sld>
 </file>
 
@@ -5022,7 +9548,7 @@
           <a:p>
             <a:r>
               <a:rPr lang="en-US" dirty="0" smtClean="0"/>
-              <a:t>For indentifying and User and to modeling it, the model must be robust for changes </a:t>
+              <a:t>For indentifying  User and to modeling it, the model must be robust for changes </a:t>
             </a:r>
             <a:r>
               <a:rPr lang="en-US" dirty="0" err="1" smtClean="0"/>
@@ -5116,11 +9642,7 @@
             </a:r>
             <a:r>
               <a:rPr lang="en-US" dirty="0" smtClean="0"/>
-              <a:t>advantage by  </a:t>
-            </a:r>
-            <a:r>
-              <a:rPr lang="en-US" smtClean="0"/>
-              <a:t>ud combining between </a:t>
+              <a:t>advantage by   admitting the needed of those two aspect for creating good UM.</a:t>
             </a:r>
             <a:endParaRPr lang="en-US" dirty="0"/>
           </a:p>
@@ -5131,11 +9653,18 @@
   <p:clrMapOvr>
     <a:masterClrMapping/>
   </p:clrMapOvr>
+  <p:timing>
+    <p:tnLst>
+      <p:par>
+        <p:cTn id="1" dur="indefinite" restart="never" nodeType="tmRoot"/>
+      </p:par>
+    </p:tnLst>
+  </p:timing>
 </p:sld>
 </file>
 
 <file path=ppt/slides/slide9.xml><?xml version="1.0" encoding="utf-8"?>
-<p:sld xmlns:a="http://schemas.openxmlformats.org/drawingml/2006/main" xmlns:r="http://schemas.openxmlformats.org/officeDocument/2006/relationships" xmlns:p="http://schemas.openxmlformats.org/presentationml/2006/main" show="0">
+<p:sld xmlns:a="http://schemas.openxmlformats.org/drawingml/2006/main" xmlns:r="http://schemas.openxmlformats.org/officeDocument/2006/relationships" xmlns:p="http://schemas.openxmlformats.org/presentationml/2006/main">
   <p:cSld>
     <p:spTree>
       <p:nvGrpSpPr>
@@ -5168,7 +9697,7 @@
           <a:p>
             <a:r>
               <a:rPr lang="en-US" dirty="0" smtClean="0"/>
-              <a:t>Adaptation </a:t>
+              <a:t>Adaption -throw User model </a:t>
             </a:r>
             <a:endParaRPr lang="en-US" dirty="0"/>
           </a:p>
@@ -5191,41 +9720,67 @@
           <a:p>
             <a:r>
               <a:rPr lang="en-US" dirty="0" smtClean="0"/>
-              <a:t>One of the aspect of user modeling is  constructing learning machines application with the abilities to adapt the application according to user flavor.</a:t>
-            </a:r>
-          </a:p>
-          <a:p>
-            <a:pPr lvl="1"/>
-            <a:r>
-              <a:rPr lang="en-US" dirty="0" smtClean="0"/>
-              <a:t>In resent years application become more adaptive for</a:t>
-            </a:r>
+              <a:t>Example of  that used :</a:t>
+            </a:r>
+          </a:p>
+          <a:p>
+            <a:pPr>
+              <a:buNone/>
+            </a:pPr>
             <a:r>
               <a:rPr lang="en-US" dirty="0" smtClean="0"/>
               <a:t> </a:t>
             </a:r>
-            <a:r>
-              <a:rPr lang="en-US" dirty="0" smtClean="0"/>
-              <a:t>users , from desktop application throw websites  and smart phones software change there behavior and </a:t>
-            </a:r>
-            <a:r>
-              <a:rPr lang="en-US" dirty="0" smtClean="0"/>
-              <a:t>appearance </a:t>
-            </a:r>
-            <a:r>
-              <a:rPr lang="en-US" dirty="0" smtClean="0"/>
-              <a:t>according to the user request.</a:t>
-            </a:r>
+          </a:p>
+          <a:p>
             <a:endParaRPr lang="en-US" dirty="0"/>
           </a:p>
         </p:txBody>
       </p:sp>
+      <p:pic>
+        <p:nvPicPr>
+          <p:cNvPr id="6" name="Picture 2"/>
+          <p:cNvPicPr>
+            <a:picLocks noChangeAspect="1" noChangeArrowheads="1"/>
+          </p:cNvPicPr>
+          <p:nvPr/>
+        </p:nvPicPr>
+        <p:blipFill>
+          <a:blip r:embed="rId2" cstate="print"/>
+          <a:srcRect/>
+          <a:stretch>
+            <a:fillRect/>
+          </a:stretch>
+        </p:blipFill>
+        <p:spPr bwMode="auto">
+          <a:xfrm>
+            <a:off x="231787" y="2038615"/>
+            <a:ext cx="8912213" cy="4702753"/>
+          </a:xfrm>
+          <a:prstGeom prst="rect">
+            <a:avLst/>
+          </a:prstGeom>
+          <a:noFill/>
+          <a:ln w="9525">
+            <a:noFill/>
+            <a:miter lim="800000"/>
+            <a:headEnd/>
+            <a:tailEnd/>
+          </a:ln>
+        </p:spPr>
+      </p:pic>
     </p:spTree>
   </p:cSld>
   <p:clrMapOvr>
     <a:masterClrMapping/>
   </p:clrMapOvr>
-  <p:transition/>
+  <p:timing>
+    <p:tnLst>
+      <p:par>
+        <p:cTn id="1" dur="indefinite" restart="never" nodeType="tmRoot"/>
+      </p:par>
+    </p:tnLst>
+  </p:timing>
 </p:sld>
 </file>
 

--- a/School/seminar/User modeling full.pptx
+++ b/School/seminar/User modeling full.pptx
@@ -5,7 +5,7 @@
     <p:sldMasterId id="2147483660" r:id="rId1"/>
   </p:sldMasterIdLst>
   <p:handoutMasterIdLst>
-    <p:handoutMasterId r:id="rId19"/>
+    <p:handoutMasterId r:id="rId20"/>
   </p:handoutMasterIdLst>
   <p:sldIdLst>
     <p:sldId id="256" r:id="rId2"/>
@@ -23,8 +23,9 @@
     <p:sldId id="270" r:id="rId14"/>
     <p:sldId id="271" r:id="rId15"/>
     <p:sldId id="272" r:id="rId16"/>
-    <p:sldId id="259" r:id="rId17"/>
-    <p:sldId id="258" r:id="rId18"/>
+    <p:sldId id="273" r:id="rId17"/>
+    <p:sldId id="259" r:id="rId18"/>
+    <p:sldId id="258" r:id="rId19"/>
   </p:sldIdLst>
   <p:sldSz cx="9144000" cy="6858000" type="screen4x3"/>
   <p:notesSz cx="6669088" cy="9928225"/>
@@ -8509,6 +8510,216 @@
 </file>
 
 <file path=ppt/slides/slide16.xml><?xml version="1.0" encoding="utf-8"?>
+<p:sld xmlns:a="http://schemas.openxmlformats.org/drawingml/2006/main" xmlns:r="http://schemas.openxmlformats.org/officeDocument/2006/relationships" xmlns:p="http://schemas.openxmlformats.org/presentationml/2006/main">
+  <p:cSld>
+    <p:spTree>
+      <p:nvGrpSpPr>
+        <p:cNvPr id="1" name=""/>
+        <p:cNvGrpSpPr/>
+        <p:nvPr/>
+      </p:nvGrpSpPr>
+      <p:grpSpPr>
+        <a:xfrm>
+          <a:off x="0" y="0"/>
+          <a:ext cx="0" cy="0"/>
+          <a:chOff x="0" y="0"/>
+          <a:chExt cx="0" cy="0"/>
+        </a:xfrm>
+      </p:grpSpPr>
+      <p:sp>
+        <p:nvSpPr>
+          <p:cNvPr id="2" name="Title 1"/>
+          <p:cNvSpPr>
+            <a:spLocks noGrp="1"/>
+          </p:cNvSpPr>
+          <p:nvPr>
+            <p:ph type="title"/>
+          </p:nvPr>
+        </p:nvSpPr>
+        <p:spPr/>
+        <p:txBody>
+          <a:bodyPr/>
+          <a:lstStyle/>
+          <a:p>
+            <a:r>
+              <a:rPr lang="en-US" dirty="0" smtClean="0"/>
+              <a:t>bibliography</a:t>
+            </a:r>
+            <a:endParaRPr lang="en-US" dirty="0"/>
+          </a:p>
+        </p:txBody>
+      </p:sp>
+      <p:sp>
+        <p:nvSpPr>
+          <p:cNvPr id="3" name="Content Placeholder 2"/>
+          <p:cNvSpPr>
+            <a:spLocks noGrp="1"/>
+          </p:cNvSpPr>
+          <p:nvPr>
+            <p:ph idx="1"/>
+          </p:nvPr>
+        </p:nvSpPr>
+        <p:spPr/>
+        <p:txBody>
+          <a:bodyPr/>
+          <a:lstStyle/>
+          <a:p>
+            <a:r>
+              <a:rPr lang="en-US" dirty="0" smtClean="0"/>
+              <a:t>User </a:t>
+            </a:r>
+            <a:r>
+              <a:rPr lang="en-US" dirty="0" smtClean="0"/>
+              <a:t>Modeling: Recent </a:t>
+            </a:r>
+            <a:r>
+              <a:rPr lang="en-US" dirty="0" smtClean="0"/>
+              <a:t>Work, Prospects and </a:t>
+            </a:r>
+            <a:r>
+              <a:rPr lang="en-US" dirty="0" smtClean="0"/>
+              <a:t>Hazards1 – </a:t>
+            </a:r>
+            <a:r>
+              <a:rPr lang="en-US" sz="2400" dirty="0" err="1" smtClean="0"/>
+              <a:t>alfred</a:t>
+            </a:r>
+            <a:r>
+              <a:rPr lang="en-US" sz="2400" dirty="0" smtClean="0"/>
+              <a:t> </a:t>
+            </a:r>
+            <a:r>
+              <a:rPr lang="en-US" sz="2400" dirty="0" err="1" smtClean="0"/>
+              <a:t>kobsa</a:t>
+            </a:r>
+            <a:r>
+              <a:rPr lang="en-US" sz="2400" dirty="0" smtClean="0"/>
+              <a:t>.</a:t>
+            </a:r>
+            <a:endParaRPr lang="en-US" dirty="0" smtClean="0"/>
+          </a:p>
+          <a:p>
+            <a:r>
+              <a:rPr lang="en-US" dirty="0" smtClean="0"/>
+              <a:t>The User Modeling Shell System </a:t>
+            </a:r>
+            <a:r>
+              <a:rPr lang="en-US" dirty="0" smtClean="0"/>
+              <a:t>BGP-MS - </a:t>
+            </a:r>
+            <a:r>
+              <a:rPr lang="en-US" sz="2400" dirty="0" smtClean="0"/>
+              <a:t>Alfred </a:t>
+            </a:r>
+            <a:r>
+              <a:rPr lang="en-US" sz="2400" dirty="0" err="1" smtClean="0"/>
+              <a:t>Kobsa</a:t>
+            </a:r>
+            <a:r>
+              <a:rPr lang="en-US" sz="2400" dirty="0" smtClean="0"/>
+              <a:t> and Wolfgang </a:t>
+            </a:r>
+            <a:r>
+              <a:rPr lang="en-US" sz="2400" dirty="0" smtClean="0"/>
+              <a:t>Pohl</a:t>
+            </a:r>
+            <a:endParaRPr lang="en-US" dirty="0" smtClean="0"/>
+          </a:p>
+          <a:p>
+            <a:r>
+              <a:rPr lang="en-US" dirty="0" smtClean="0"/>
+              <a:t>User Modeling in Adaptive Hypermedia Educational </a:t>
+            </a:r>
+            <a:r>
+              <a:rPr lang="en-US" dirty="0" smtClean="0"/>
+              <a:t>Systems - </a:t>
+            </a:r>
+            <a:r>
+              <a:rPr lang="pt-BR" sz="2400" dirty="0" smtClean="0"/>
+              <a:t>António Constantino Martins, </a:t>
+            </a:r>
+            <a:r>
+              <a:rPr lang="pt-BR" sz="2400" dirty="0" err="1" smtClean="0"/>
+              <a:t>Luíz</a:t>
+            </a:r>
+            <a:r>
+              <a:rPr lang="pt-BR" sz="2400" dirty="0" smtClean="0"/>
+              <a:t> </a:t>
+            </a:r>
+            <a:r>
+              <a:rPr lang="pt-BR" sz="2400" dirty="0" smtClean="0"/>
+              <a:t>Faria,</a:t>
+            </a:r>
+            <a:r>
+              <a:rPr lang="en-US" sz="2400" dirty="0" smtClean="0"/>
+              <a:t> Carlos </a:t>
+            </a:r>
+            <a:r>
+              <a:rPr lang="en-US" sz="2400" dirty="0" err="1" smtClean="0"/>
+              <a:t>Vaz</a:t>
+            </a:r>
+            <a:r>
+              <a:rPr lang="en-US" sz="2400" dirty="0" smtClean="0"/>
+              <a:t> de </a:t>
+            </a:r>
+            <a:r>
+              <a:rPr lang="en-US" sz="2400" dirty="0" err="1" smtClean="0"/>
+              <a:t>Carvalho</a:t>
+            </a:r>
+            <a:r>
+              <a:rPr lang="en-US" sz="2400" dirty="0" smtClean="0"/>
+              <a:t>,</a:t>
+            </a:r>
+            <a:r>
+              <a:rPr lang="en-US" b="1" dirty="0" smtClean="0"/>
+              <a:t> </a:t>
+            </a:r>
+            <a:r>
+              <a:rPr lang="en-US" sz="2000" dirty="0" err="1" smtClean="0"/>
+              <a:t>Eurico</a:t>
+            </a:r>
+            <a:r>
+              <a:rPr lang="en-US" sz="2000" dirty="0" smtClean="0"/>
+              <a:t> </a:t>
+            </a:r>
+            <a:r>
+              <a:rPr lang="en-US" sz="2000" dirty="0" err="1" smtClean="0"/>
+              <a:t>Carrapatoso</a:t>
+            </a:r>
+            <a:endParaRPr lang="pt-BR" dirty="0" smtClean="0"/>
+          </a:p>
+          <a:p>
+            <a:r>
+              <a:rPr lang="en-US" dirty="0" smtClean="0"/>
+              <a:t>User Modeling in Adaptive </a:t>
+            </a:r>
+            <a:r>
+              <a:rPr lang="en-US" dirty="0" smtClean="0"/>
+              <a:t>Interfaces- </a:t>
+            </a:r>
+            <a:r>
+              <a:rPr lang="en-US" sz="2400" smtClean="0"/>
+              <a:t>Pat </a:t>
+            </a:r>
+            <a:r>
+              <a:rPr lang="en-US" sz="2400" smtClean="0"/>
+              <a:t>Langley</a:t>
+            </a:r>
+          </a:p>
+          <a:p>
+            <a:endParaRPr lang="en-US" dirty="0"/>
+          </a:p>
+        </p:txBody>
+      </p:sp>
+    </p:spTree>
+  </p:cSld>
+  <p:clrMapOvr>
+    <a:masterClrMapping/>
+  </p:clrMapOvr>
+</p:sld>
+</file>
+
+<file path=ppt/slides/slide17.xml><?xml version="1.0" encoding="utf-8"?>
 <p:sld xmlns:a="http://schemas.openxmlformats.org/drawingml/2006/main" xmlns:r="http://schemas.openxmlformats.org/officeDocument/2006/relationships" xmlns:p="http://schemas.openxmlformats.org/presentationml/2006/main" show="0">
   <p:cSld>
     <p:spTree>
@@ -8603,8 +8814,8 @@
 </p:sld>
 </file>
 
-<file path=ppt/slides/slide17.xml><?xml version="1.0" encoding="utf-8"?>
-<p:sld xmlns:a="http://schemas.openxmlformats.org/drawingml/2006/main" xmlns:r="http://schemas.openxmlformats.org/officeDocument/2006/relationships" xmlns:p="http://schemas.openxmlformats.org/presentationml/2006/main">
+<file path=ppt/slides/slide18.xml><?xml version="1.0" encoding="utf-8"?>
+<p:sld xmlns:a="http://schemas.openxmlformats.org/drawingml/2006/main" xmlns:r="http://schemas.openxmlformats.org/officeDocument/2006/relationships" xmlns:p="http://schemas.openxmlformats.org/presentationml/2006/main" show="0">
   <p:cSld>
     <p:spTree>
       <p:nvGrpSpPr>
@@ -8686,6 +8897,7 @@
   <p:clrMapOvr>
     <a:masterClrMapping/>
   </p:clrMapOvr>
+  <p:transition/>
   <p:timing>
     <p:tnLst>
       <p:par>
